--- a/k8s-distcomp-lab.pptx
+++ b/k8s-distcomp-lab.pptx
@@ -5,27 +5,41 @@
     <p:sldMasterId id="2147483732" r:id="rId4"/>
   </p:sldMasterIdLst>
   <p:notesMasterIdLst>
-    <p:notesMasterId r:id="rId15"/>
+    <p:notesMasterId r:id="rId29"/>
   </p:notesMasterIdLst>
   <p:handoutMasterIdLst>
-    <p:handoutMasterId r:id="rId16"/>
+    <p:handoutMasterId r:id="rId30"/>
   </p:handoutMasterIdLst>
   <p:sldIdLst>
-    <p:sldId id="316" r:id="rId5"/>
-    <p:sldId id="325" r:id="rId6"/>
-    <p:sldId id="318" r:id="rId7"/>
-    <p:sldId id="322" r:id="rId8"/>
-    <p:sldId id="323" r:id="rId9"/>
-    <p:sldId id="324" r:id="rId10"/>
-    <p:sldId id="326" r:id="rId11"/>
-    <p:sldId id="327" r:id="rId12"/>
-    <p:sldId id="328" r:id="rId13"/>
-    <p:sldId id="320" r:id="rId14"/>
+    <p:sldId id="329" r:id="rId5"/>
+    <p:sldId id="330" r:id="rId6"/>
+    <p:sldId id="331" r:id="rId7"/>
+    <p:sldId id="332" r:id="rId8"/>
+    <p:sldId id="333" r:id="rId9"/>
+    <p:sldId id="335" r:id="rId10"/>
+    <p:sldId id="334" r:id="rId11"/>
+    <p:sldId id="336" r:id="rId12"/>
+    <p:sldId id="337" r:id="rId13"/>
+    <p:sldId id="338" r:id="rId14"/>
+    <p:sldId id="341" r:id="rId15"/>
+    <p:sldId id="340" r:id="rId16"/>
+    <p:sldId id="339" r:id="rId17"/>
+    <p:sldId id="342" r:id="rId18"/>
+    <p:sldId id="316" r:id="rId19"/>
+    <p:sldId id="325" r:id="rId20"/>
+    <p:sldId id="318" r:id="rId21"/>
+    <p:sldId id="322" r:id="rId22"/>
+    <p:sldId id="323" r:id="rId23"/>
+    <p:sldId id="324" r:id="rId24"/>
+    <p:sldId id="326" r:id="rId25"/>
+    <p:sldId id="327" r:id="rId26"/>
+    <p:sldId id="328" r:id="rId27"/>
+    <p:sldId id="320" r:id="rId28"/>
   </p:sldIdLst>
   <p:sldSz cx="10080625" cy="7559675"/>
-  <p:notesSz cx="7772400" cy="10058400"/>
+  <p:notesSz cx="6858000" cy="1704975"/>
   <p:custDataLst>
-    <p:tags r:id="rId17"/>
+    <p:tags r:id="rId31"/>
   </p:custDataLst>
   <p:defaultTextStyle>
     <a:defPPr>
@@ -213,6 +227,7 @@
 <file path=ppt/revisionInfo.xml><?xml version="1.0" encoding="utf-8"?>
 <p1510:revInfo xmlns:a="http://schemas.openxmlformats.org/drawingml/2006/main" xmlns:r="http://schemas.openxmlformats.org/officeDocument/2006/relationships" xmlns:p1510="http://schemas.microsoft.com/office/powerpoint/2015/10/main">
   <p1510:revLst>
+    <p1510:client id="{9B302829-C12B-46F8-BB6E-758FED1B77B8}" v="8" dt="2019-03-07T21:47:00.338"/>
     <p1510:client id="{DBF912B4-CF68-B744-B935-FC2623713186}" v="92" dt="2019-03-06T12:21:07.921"/>
   </p1510:revLst>
 </p1510:revInfo>
@@ -3413,7 +3428,7 @@
           <a:p>
             <a:fld id="{50DF23D2-A1B4-144D-A1E7-C70394E38FE0}" type="datetimeFigureOut">
               <a:rPr lang="en-US" smtClean="0"/>
-              <a:t>3/6/19</a:t>
+              <a:t>3/8/19</a:t>
             </a:fld>
             <a:endParaRPr lang="en-US"/>
           </a:p>
@@ -3859,6 +3874,790 @@
 </file>
 
 <file path=ppt/notesSlides/notesSlide1.xml><?xml version="1.0" encoding="utf-8"?>
+<p:notes xmlns:a="http://schemas.openxmlformats.org/drawingml/2006/main" xmlns:r="http://schemas.openxmlformats.org/officeDocument/2006/relationships" xmlns:p="http://schemas.openxmlformats.org/presentationml/2006/main">
+  <p:cSld>
+    <p:spTree>
+      <p:nvGrpSpPr>
+        <p:cNvPr id="1" name=""/>
+        <p:cNvGrpSpPr/>
+        <p:nvPr/>
+      </p:nvGrpSpPr>
+      <p:grpSpPr>
+        <a:xfrm>
+          <a:off x="0" y="0"/>
+          <a:ext cx="0" cy="0"/>
+          <a:chOff x="0" y="0"/>
+          <a:chExt cx="0" cy="0"/>
+        </a:xfrm>
+      </p:grpSpPr>
+      <p:sp>
+        <p:nvSpPr>
+          <p:cNvPr id="2" name="Slide Image Placeholder 1"/>
+          <p:cNvSpPr>
+            <a:spLocks noGrp="1" noRot="1" noChangeAspect="1"/>
+          </p:cNvSpPr>
+          <p:nvPr>
+            <p:ph type="sldImg"/>
+          </p:nvPr>
+        </p:nvSpPr>
+        <p:spPr/>
+      </p:sp>
+      <p:sp>
+        <p:nvSpPr>
+          <p:cNvPr id="3" name="Notes Placeholder 2"/>
+          <p:cNvSpPr>
+            <a:spLocks noGrp="1"/>
+          </p:cNvSpPr>
+          <p:nvPr>
+            <p:ph type="body" idx="1"/>
+          </p:nvPr>
+        </p:nvSpPr>
+        <p:spPr/>
+        <p:txBody>
+          <a:bodyPr/>
+          <a:lstStyle/>
+          <a:p>
+            <a:pPr>
+              <a:spcBef>
+                <a:spcPts val="0"/>
+              </a:spcBef>
+              <a:spcAft>
+                <a:spcPts val="0"/>
+              </a:spcAft>
+            </a:pPr>
+            <a:r>
+              <a:rPr lang="en-US">
+                <a:latin typeface="Times New Roman"/>
+                <a:cs typeface="Times New Roman"/>
+              </a:rPr>
+              <a:t>Docker provides a uniformed wrapper around a software package: </a:t>
+            </a:r>
+            <a:r>
+              <a:rPr lang="en-US" i="1">
+                <a:latin typeface="Times New Roman"/>
+                <a:cs typeface="Times New Roman"/>
+              </a:rPr>
+              <a:t>«Build, Ship and Run Any App, Anywhere»</a:t>
+            </a:r>
+            <a:r>
+              <a:rPr lang="en-US">
+                <a:latin typeface="Times New Roman"/>
+                <a:cs typeface="Times New Roman"/>
+              </a:rPr>
+              <a:t>Similar to shipping containers: The container is always the same, regardless of the contents and thus fits on all trucks, cranes, ships, ...</a:t>
+            </a:r>
+            <a:endParaRPr lang="en-US">
+              <a:cs typeface="Times New Roman"/>
+            </a:endParaRPr>
+          </a:p>
+          <a:p>
+            <a:endParaRPr lang="en-US" dirty="0">
+              <a:latin typeface="Calibri"/>
+              <a:cs typeface="Calibri"/>
+            </a:endParaRPr>
+          </a:p>
+        </p:txBody>
+      </p:sp>
+    </p:spTree>
+    <p:extLst>
+      <p:ext uri="{BB962C8B-B14F-4D97-AF65-F5344CB8AC3E}">
+        <p14:creationId xmlns:p14="http://schemas.microsoft.com/office/powerpoint/2010/main" val="4016845131"/>
+      </p:ext>
+    </p:extLst>
+  </p:cSld>
+  <p:clrMapOvr>
+    <a:masterClrMapping/>
+  </p:clrMapOvr>
+</p:notes>
+</file>
+
+<file path=ppt/notesSlides/notesSlide2.xml><?xml version="1.0" encoding="utf-8"?>
+<p:notes xmlns:a="http://schemas.openxmlformats.org/drawingml/2006/main" xmlns:r="http://schemas.openxmlformats.org/officeDocument/2006/relationships" xmlns:p="http://schemas.openxmlformats.org/presentationml/2006/main">
+  <p:cSld>
+    <p:spTree>
+      <p:nvGrpSpPr>
+        <p:cNvPr id="1" name=""/>
+        <p:cNvGrpSpPr/>
+        <p:nvPr/>
+      </p:nvGrpSpPr>
+      <p:grpSpPr>
+        <a:xfrm>
+          <a:off x="0" y="0"/>
+          <a:ext cx="0" cy="0"/>
+          <a:chOff x="0" y="0"/>
+          <a:chExt cx="0" cy="0"/>
+        </a:xfrm>
+      </p:grpSpPr>
+      <p:sp>
+        <p:nvSpPr>
+          <p:cNvPr id="2" name="Slide Image Placeholder 1"/>
+          <p:cNvSpPr>
+            <a:spLocks noGrp="1" noRot="1" noChangeAspect="1"/>
+          </p:cNvSpPr>
+          <p:nvPr>
+            <p:ph type="sldImg"/>
+          </p:nvPr>
+        </p:nvSpPr>
+        <p:spPr/>
+      </p:sp>
+      <p:sp>
+        <p:nvSpPr>
+          <p:cNvPr id="3" name="Notes Placeholder 2"/>
+          <p:cNvSpPr>
+            <a:spLocks noGrp="1"/>
+          </p:cNvSpPr>
+          <p:nvPr>
+            <p:ph type="body" idx="1"/>
+          </p:nvPr>
+        </p:nvSpPr>
+        <p:spPr/>
+        <p:txBody>
+          <a:bodyPr/>
+          <a:lstStyle/>
+          <a:p>
+            <a:pPr>
+              <a:spcBef>
+                <a:spcPts val="0"/>
+              </a:spcBef>
+              <a:spcAft>
+                <a:spcPts val="0"/>
+              </a:spcAft>
+            </a:pPr>
+            <a:r>
+              <a:rPr lang="en-US"/>
+              <a:t>Virtual Machines</a:t>
+            </a:r>
+          </a:p>
+          <a:p>
+            <a:pPr>
+              <a:spcBef>
+                <a:spcPts val="0"/>
+              </a:spcBef>
+              <a:spcAft>
+                <a:spcPts val="0"/>
+              </a:spcAft>
+            </a:pPr>
+            <a:r>
+              <a:rPr lang="en-US"/>
+              <a:t>Each virtualized application includes not only the application - which may be only 10s of MB - and the necessary binaries and libraries, but also an entire guest operating system - which may weigh 10s of GB.</a:t>
+            </a:r>
+          </a:p>
+          <a:p>
+            <a:pPr>
+              <a:spcBef>
+                <a:spcPts val="0"/>
+              </a:spcBef>
+              <a:spcAft>
+                <a:spcPts val="0"/>
+              </a:spcAft>
+            </a:pPr>
+            <a:r>
+              <a:rPr lang="en-US"/>
+              <a:t>Docker</a:t>
+            </a:r>
+          </a:p>
+          <a:p>
+            <a:pPr>
+              <a:spcBef>
+                <a:spcPts val="0"/>
+              </a:spcBef>
+              <a:spcAft>
+                <a:spcPts val="0"/>
+              </a:spcAft>
+            </a:pPr>
+            <a:r>
+              <a:rPr lang="en-US">
+                <a:latin typeface="Times New Roman"/>
+                <a:cs typeface="Times New Roman"/>
+              </a:rPr>
+              <a:t>The DockerEngine container comprises just the application and its dependencies. It runs as an isolated process in user space on the host operating system, sharing the kernel with other containers. Thus, it enjoys the resource isolation and allocation benefits of VMs but is much more portable and efficient.</a:t>
+            </a:r>
+          </a:p>
+          <a:p>
+            <a:pPr>
+              <a:spcBef>
+                <a:spcPts val="0"/>
+              </a:spcBef>
+              <a:spcAft>
+                <a:spcPts val="0"/>
+              </a:spcAft>
+            </a:pPr>
+            <a:endParaRPr lang="en-US" dirty="0">
+              <a:latin typeface="Times New Roman"/>
+              <a:cs typeface="Times New Roman"/>
+            </a:endParaRPr>
+          </a:p>
+          <a:p>
+            <a:pPr>
+              <a:spcBef>
+                <a:spcPts val="0"/>
+              </a:spcBef>
+              <a:spcAft>
+                <a:spcPts val="0"/>
+              </a:spcAft>
+            </a:pPr>
+            <a:r>
+              <a:rPr lang="en-US"/>
+              <a:t>Docker provides baseimages that contain OS installations we can start from: The OS is not more than an application running on the Kernel...</a:t>
+            </a:r>
+          </a:p>
+          <a:p>
+            <a:pPr>
+              <a:spcBef>
+                <a:spcPts val="0"/>
+              </a:spcBef>
+              <a:spcAft>
+                <a:spcPts val="0"/>
+              </a:spcAft>
+            </a:pPr>
+            <a:endParaRPr lang="en-US" dirty="0">
+              <a:latin typeface="Times New Roman"/>
+              <a:cs typeface="Times New Roman"/>
+            </a:endParaRPr>
+          </a:p>
+          <a:p>
+            <a:pPr>
+              <a:spcBef>
+                <a:spcPts val="0"/>
+              </a:spcBef>
+              <a:spcAft>
+                <a:spcPts val="0"/>
+              </a:spcAft>
+            </a:pPr>
+            <a:endParaRPr lang="en-US" dirty="0">
+              <a:latin typeface="Times New Roman"/>
+              <a:cs typeface="Times New Roman"/>
+            </a:endParaRPr>
+          </a:p>
+          <a:p>
+            <a:pPr>
+              <a:spcBef>
+                <a:spcPts val="0"/>
+              </a:spcBef>
+              <a:spcAft>
+                <a:spcPts val="0"/>
+              </a:spcAft>
+            </a:pPr>
+            <a:r>
+              <a:rPr lang="en-US"/>
+              <a:t>Containers are an abstraction at the app layer that packages code and dependencies together. Multiple containers can run on the same machine and share the OS kernel with other containers, each running as isolated processes in user space. Containers take up less space than VMs (container images are typically tens of MBs in size), can handle more applications and require fewer VMs and Operating systems.</a:t>
+            </a:r>
+          </a:p>
+          <a:p>
+            <a:pPr>
+              <a:spcBef>
+                <a:spcPts val="0"/>
+              </a:spcBef>
+              <a:spcAft>
+                <a:spcPts val="0"/>
+              </a:spcAft>
+            </a:pPr>
+            <a:endParaRPr lang="en-US" dirty="0">
+              <a:latin typeface="Times New Roman"/>
+              <a:cs typeface="Times New Roman"/>
+            </a:endParaRPr>
+          </a:p>
+          <a:p>
+            <a:pPr>
+              <a:spcBef>
+                <a:spcPts val="0"/>
+              </a:spcBef>
+              <a:spcAft>
+                <a:spcPts val="0"/>
+              </a:spcAft>
+            </a:pPr>
+            <a:endParaRPr lang="en-US" dirty="0">
+              <a:latin typeface="Times New Roman"/>
+              <a:cs typeface="Times New Roman"/>
+            </a:endParaRPr>
+          </a:p>
+          <a:p>
+            <a:r>
+              <a:rPr lang="en-US"/>
+              <a:t>VIRTUAL MACHINES</a:t>
+            </a:r>
+          </a:p>
+          <a:p>
+            <a:r>
+              <a:rPr lang="en-US"/>
+              <a:t>Virtual machines (VMs) are an abstraction of physical hardware turning one server into many servers. The hypervisor allows multiple VMs to run on a single machine. Each VM includes a full copy of an operating system, the application, necessary binaries and libraries - taking up tens of GBs. VMs can also be slow to boot.</a:t>
+            </a:r>
+          </a:p>
+          <a:p>
+            <a:pPr>
+              <a:spcBef>
+                <a:spcPts val="0"/>
+              </a:spcBef>
+              <a:spcAft>
+                <a:spcPts val="0"/>
+              </a:spcAft>
+            </a:pPr>
+            <a:endParaRPr lang="en-US" dirty="0">
+              <a:latin typeface="Times New Roman"/>
+              <a:cs typeface="Times New Roman"/>
+            </a:endParaRPr>
+          </a:p>
+          <a:p>
+            <a:endParaRPr lang="en-US" dirty="0">
+              <a:latin typeface="Calibri"/>
+              <a:cs typeface="Calibri"/>
+            </a:endParaRPr>
+          </a:p>
+        </p:txBody>
+      </p:sp>
+    </p:spTree>
+    <p:extLst>
+      <p:ext uri="{BB962C8B-B14F-4D97-AF65-F5344CB8AC3E}">
+        <p14:creationId xmlns:p14="http://schemas.microsoft.com/office/powerpoint/2010/main" val="1267476980"/>
+      </p:ext>
+    </p:extLst>
+  </p:cSld>
+  <p:clrMapOvr>
+    <a:masterClrMapping/>
+  </p:clrMapOvr>
+</p:notes>
+</file>
+
+<file path=ppt/notesSlides/notesSlide3.xml><?xml version="1.0" encoding="utf-8"?>
+<p:notes xmlns:a="http://schemas.openxmlformats.org/drawingml/2006/main" xmlns:r="http://schemas.openxmlformats.org/officeDocument/2006/relationships" xmlns:p="http://schemas.openxmlformats.org/presentationml/2006/main">
+  <p:cSld>
+    <p:spTree>
+      <p:nvGrpSpPr>
+        <p:cNvPr id="1" name=""/>
+        <p:cNvGrpSpPr/>
+        <p:nvPr/>
+      </p:nvGrpSpPr>
+      <p:grpSpPr>
+        <a:xfrm>
+          <a:off x="0" y="0"/>
+          <a:ext cx="0" cy="0"/>
+          <a:chOff x="0" y="0"/>
+          <a:chExt cx="0" cy="0"/>
+        </a:xfrm>
+      </p:grpSpPr>
+      <p:sp>
+        <p:nvSpPr>
+          <p:cNvPr id="2" name="Slide Image Placeholder 1"/>
+          <p:cNvSpPr>
+            <a:spLocks noGrp="1" noRot="1" noChangeAspect="1"/>
+          </p:cNvSpPr>
+          <p:nvPr>
+            <p:ph type="sldImg"/>
+          </p:nvPr>
+        </p:nvSpPr>
+        <p:spPr/>
+      </p:sp>
+      <p:sp>
+        <p:nvSpPr>
+          <p:cNvPr id="3" name="Notes Placeholder 2"/>
+          <p:cNvSpPr>
+            <a:spLocks noGrp="1"/>
+          </p:cNvSpPr>
+          <p:nvPr>
+            <p:ph type="body" idx="1"/>
+          </p:nvPr>
+        </p:nvSpPr>
+        <p:spPr/>
+        <p:txBody>
+          <a:bodyPr/>
+          <a:lstStyle/>
+          <a:p>
+            <a:pPr>
+              <a:spcBef>
+                <a:spcPts val="0"/>
+              </a:spcBef>
+              <a:spcAft>
+                <a:spcPts val="0"/>
+              </a:spcAft>
+            </a:pPr>
+            <a:r>
+              <a:rPr lang="en-US"/>
+              <a:t>Images and containers</a:t>
+            </a:r>
+          </a:p>
+          <a:p>
+            <a:pPr>
+              <a:spcBef>
+                <a:spcPts val="0"/>
+              </a:spcBef>
+              <a:spcAft>
+                <a:spcPts val="0"/>
+              </a:spcAft>
+            </a:pPr>
+            <a:r>
+              <a:rPr lang="en-US"/>
+              <a:t>A container is launched by running an image. An </a:t>
+            </a:r>
+            <a:r>
+              <a:rPr lang="en-US" b="1"/>
+              <a:t>image</a:t>
+            </a:r>
+            <a:r>
+              <a:rPr lang="en-US"/>
+              <a:t> is an executable package that includes everything needed to run an application--the code, a runtime, libraries, environment variables, and configuration files.</a:t>
+            </a:r>
+          </a:p>
+          <a:p>
+            <a:pPr>
+              <a:spcBef>
+                <a:spcPts val="0"/>
+              </a:spcBef>
+              <a:spcAft>
+                <a:spcPts val="0"/>
+              </a:spcAft>
+            </a:pPr>
+            <a:r>
+              <a:rPr lang="en-US"/>
+              <a:t>A </a:t>
+            </a:r>
+            <a:r>
+              <a:rPr lang="en-US" b="1"/>
+              <a:t>container</a:t>
+            </a:r>
+            <a:r>
+              <a:rPr lang="en-US"/>
+              <a:t> is a runtime instance of an image--what the image becomes in memory when executed (that is, an image with state, or a user process). You can see a list of your running containers with the command, docker ps, just as you would in Linux.</a:t>
+            </a:r>
+          </a:p>
+          <a:p>
+            <a:endParaRPr lang="en-US" dirty="0">
+              <a:latin typeface="Calibri"/>
+              <a:cs typeface="Calibri"/>
+            </a:endParaRPr>
+          </a:p>
+        </p:txBody>
+      </p:sp>
+    </p:spTree>
+    <p:extLst>
+      <p:ext uri="{BB962C8B-B14F-4D97-AF65-F5344CB8AC3E}">
+        <p14:creationId xmlns:p14="http://schemas.microsoft.com/office/powerpoint/2010/main" val="2477954513"/>
+      </p:ext>
+    </p:extLst>
+  </p:cSld>
+  <p:clrMapOvr>
+    <a:masterClrMapping/>
+  </p:clrMapOvr>
+</p:notes>
+</file>
+
+<file path=ppt/notesSlides/notesSlide4.xml><?xml version="1.0" encoding="utf-8"?>
+<p:notes xmlns:a="http://schemas.openxmlformats.org/drawingml/2006/main" xmlns:r="http://schemas.openxmlformats.org/officeDocument/2006/relationships" xmlns:p="http://schemas.openxmlformats.org/presentationml/2006/main">
+  <p:cSld>
+    <p:spTree>
+      <p:nvGrpSpPr>
+        <p:cNvPr id="1" name=""/>
+        <p:cNvGrpSpPr/>
+        <p:nvPr/>
+      </p:nvGrpSpPr>
+      <p:grpSpPr>
+        <a:xfrm>
+          <a:off x="0" y="0"/>
+          <a:ext cx="0" cy="0"/>
+          <a:chOff x="0" y="0"/>
+          <a:chExt cx="0" cy="0"/>
+        </a:xfrm>
+      </p:grpSpPr>
+      <p:sp>
+        <p:nvSpPr>
+          <p:cNvPr id="2" name="Slide Image Placeholder 1"/>
+          <p:cNvSpPr>
+            <a:spLocks noGrp="1" noRot="1" noChangeAspect="1"/>
+          </p:cNvSpPr>
+          <p:nvPr>
+            <p:ph type="sldImg"/>
+          </p:nvPr>
+        </p:nvSpPr>
+        <p:spPr/>
+      </p:sp>
+      <p:sp>
+        <p:nvSpPr>
+          <p:cNvPr id="3" name="Notes Placeholder 2"/>
+          <p:cNvSpPr>
+            <a:spLocks noGrp="1"/>
+          </p:cNvSpPr>
+          <p:nvPr>
+            <p:ph type="body" idx="1"/>
+          </p:nvPr>
+        </p:nvSpPr>
+        <p:spPr/>
+        <p:txBody>
+          <a:bodyPr/>
+          <a:lstStyle/>
+          <a:p>
+            <a:r>
+              <a:rPr lang="en-US"/>
+              <a:t>In the past, if you were to start writing a Python app, your first order of business was to install a Python runtime onto your machine. But, that creates a situation where the environment on your machine needs to be perfect for your app to run as expected, and also needs to match your production environment.</a:t>
+            </a:r>
+          </a:p>
+          <a:p>
+            <a:r>
+              <a:rPr lang="en-US"/>
+              <a:t>With Docker, you can just grab a portable Python runtime as an image, no installation necessary. Then, your build can include the base Python image right alongside your app code, ensuring that your app, its dependencies, and the runtime, all travel together.</a:t>
+            </a:r>
+          </a:p>
+          <a:p>
+            <a:r>
+              <a:rPr lang="en-US"/>
+              <a:t>These portable images are defined by something called a Dockerfile</a:t>
+            </a:r>
+          </a:p>
+          <a:p>
+            <a:pPr>
+              <a:spcBef>
+                <a:spcPts val="0"/>
+              </a:spcBef>
+              <a:spcAft>
+                <a:spcPts val="0"/>
+              </a:spcAft>
+            </a:pPr>
+            <a:endParaRPr lang="en-US" dirty="0">
+              <a:cs typeface="Times New Roman"/>
+            </a:endParaRPr>
+          </a:p>
+          <a:p>
+            <a:endParaRPr lang="en-US" dirty="0">
+              <a:latin typeface="Calibri"/>
+              <a:cs typeface="Calibri"/>
+            </a:endParaRPr>
+          </a:p>
+        </p:txBody>
+      </p:sp>
+    </p:spTree>
+    <p:extLst>
+      <p:ext uri="{BB962C8B-B14F-4D97-AF65-F5344CB8AC3E}">
+        <p14:creationId xmlns:p14="http://schemas.microsoft.com/office/powerpoint/2010/main" val="787728271"/>
+      </p:ext>
+    </p:extLst>
+  </p:cSld>
+  <p:clrMapOvr>
+    <a:masterClrMapping/>
+  </p:clrMapOvr>
+</p:notes>
+</file>
+
+<file path=ppt/notesSlides/notesSlide5.xml><?xml version="1.0" encoding="utf-8"?>
+<p:notes xmlns:a="http://schemas.openxmlformats.org/drawingml/2006/main" xmlns:r="http://schemas.openxmlformats.org/officeDocument/2006/relationships" xmlns:p="http://schemas.openxmlformats.org/presentationml/2006/main">
+  <p:cSld>
+    <p:spTree>
+      <p:nvGrpSpPr>
+        <p:cNvPr id="1" name=""/>
+        <p:cNvGrpSpPr/>
+        <p:nvPr/>
+      </p:nvGrpSpPr>
+      <p:grpSpPr>
+        <a:xfrm>
+          <a:off x="0" y="0"/>
+          <a:ext cx="0" cy="0"/>
+          <a:chOff x="0" y="0"/>
+          <a:chExt cx="0" cy="0"/>
+        </a:xfrm>
+      </p:grpSpPr>
+      <p:sp>
+        <p:nvSpPr>
+          <p:cNvPr id="2" name="Slide Image Placeholder 1"/>
+          <p:cNvSpPr>
+            <a:spLocks noGrp="1" noRot="1" noChangeAspect="1"/>
+          </p:cNvSpPr>
+          <p:nvPr>
+            <p:ph type="sldImg"/>
+          </p:nvPr>
+        </p:nvSpPr>
+        <p:spPr/>
+      </p:sp>
+      <p:sp>
+        <p:nvSpPr>
+          <p:cNvPr id="3" name="Notes Placeholder 2"/>
+          <p:cNvSpPr>
+            <a:spLocks noGrp="1"/>
+          </p:cNvSpPr>
+          <p:nvPr>
+            <p:ph type="body" idx="1"/>
+          </p:nvPr>
+        </p:nvSpPr>
+        <p:spPr/>
+        <p:txBody>
+          <a:bodyPr/>
+          <a:lstStyle/>
+          <a:p>
+            <a:pPr>
+              <a:spcBef>
+                <a:spcPts val="0"/>
+              </a:spcBef>
+              <a:spcAft>
+                <a:spcPts val="0"/>
+              </a:spcAft>
+            </a:pPr>
+            <a:r>
+              <a:rPr lang="en-US"/>
+              <a:t>In a distributed application, different pieces of the app are called “services”. For example, if you imagine a video sharing site, it probably includes a service for storing application data in a database, a service for video transcoding in the background after a user uploads something, a service for the front-end, and so on.</a:t>
+            </a:r>
+          </a:p>
+          <a:p>
+            <a:pPr>
+              <a:spcBef>
+                <a:spcPts val="0"/>
+              </a:spcBef>
+              <a:spcAft>
+                <a:spcPts val="0"/>
+              </a:spcAft>
+            </a:pPr>
+            <a:r>
+              <a:rPr lang="en-US"/>
+              <a:t>Services are really just “containers in production.” A service only runs one image, but it codifies the way that image runs—what ports it should use, how many replicas of the container should run so the service has the capacity it needs, and so on. Scaling a service changes the number of container instances running that piece of software, assigning more computing resources to the service in the process.</a:t>
+            </a:r>
+          </a:p>
+          <a:p>
+            <a:pPr>
+              <a:spcBef>
+                <a:spcPts val="0"/>
+              </a:spcBef>
+              <a:spcAft>
+                <a:spcPts val="0"/>
+              </a:spcAft>
+            </a:pPr>
+            <a:r>
+              <a:rPr lang="en-US"/>
+              <a:t>Luckily it’s very easy to define, run, and scale services with the Docker platform -- just write a docker-compose.ymlfile.</a:t>
+            </a:r>
+          </a:p>
+          <a:p>
+            <a:pPr>
+              <a:spcBef>
+                <a:spcPts val="0"/>
+              </a:spcBef>
+              <a:spcAft>
+                <a:spcPts val="0"/>
+              </a:spcAft>
+            </a:pPr>
+            <a:endParaRPr lang="en-US" dirty="0">
+              <a:latin typeface="Times New Roman"/>
+              <a:cs typeface="Times New Roman"/>
+            </a:endParaRPr>
+          </a:p>
+          <a:p>
+            <a:pPr>
+              <a:spcBef>
+                <a:spcPts val="0"/>
+              </a:spcBef>
+              <a:spcAft>
+                <a:spcPts val="0"/>
+              </a:spcAft>
+            </a:pPr>
+            <a:r>
+              <a:rPr lang="en-US"/>
+              <a:t>YAML is a human-readable data serialization language. </a:t>
+            </a:r>
+          </a:p>
+          <a:p>
+            <a:endParaRPr lang="en-US" dirty="0">
+              <a:latin typeface="Calibri"/>
+              <a:cs typeface="Calibri"/>
+            </a:endParaRPr>
+          </a:p>
+          <a:p>
+            <a:endParaRPr lang="en-US" dirty="0">
+              <a:latin typeface="Calibri"/>
+              <a:cs typeface="Calibri"/>
+            </a:endParaRPr>
+          </a:p>
+          <a:p>
+            <a:r>
+              <a:rPr lang="en-US"/>
+              <a:t>This docker-compose.yml file tells Docker to do the following:</a:t>
+            </a:r>
+          </a:p>
+          <a:p>
+            <a:pPr marL="171450" indent="-171450">
+              <a:buFont typeface="Arial"/>
+              <a:buChar char="•"/>
+            </a:pPr>
+            <a:r>
+              <a:rPr lang="en-US"/>
+              <a:t>Pull </a:t>
+            </a:r>
+            <a:r>
+              <a:rPr lang="en-US" dirty="0">
+                <a:hlinkClick r:id="rId3"/>
+              </a:rPr>
+              <a:t>the image we uploaded in step 2</a:t>
+            </a:r>
+            <a:r>
+              <a:rPr lang="en-US"/>
+              <a:t> from the registry.</a:t>
+            </a:r>
+          </a:p>
+          <a:p>
+            <a:pPr marL="171450" indent="-171450">
+              <a:buFont typeface="Arial"/>
+              <a:buChar char="•"/>
+            </a:pPr>
+            <a:r>
+              <a:rPr lang="en-US"/>
+              <a:t>Run 5 instances of that image as a service called web, limiting each one to use, at most, 10% of the CPU (across all cores), and 50MB of RAM.</a:t>
+            </a:r>
+          </a:p>
+          <a:p>
+            <a:pPr marL="171450" indent="-171450">
+              <a:buFont typeface="Arial"/>
+              <a:buChar char="•"/>
+            </a:pPr>
+            <a:r>
+              <a:rPr lang="en-US"/>
+              <a:t>Immediately restart containers if one fails.</a:t>
+            </a:r>
+          </a:p>
+          <a:p>
+            <a:pPr marL="171450" indent="-171450">
+              <a:buFont typeface="Arial"/>
+              <a:buChar char="•"/>
+            </a:pPr>
+            <a:r>
+              <a:rPr lang="en-US"/>
+              <a:t>Map port 4000 on the host to web’s port 80.</a:t>
+            </a:r>
+          </a:p>
+          <a:p>
+            <a:pPr marL="171450" indent="-171450">
+              <a:buFont typeface="Arial"/>
+              <a:buChar char="•"/>
+            </a:pPr>
+            <a:r>
+              <a:rPr lang="en-US"/>
+              <a:t>Instruct web’s containers to share port 80 via a load-balanced network called webnet. (Internally, the containers themselves publish to web’s port 80 at an ephemeral port.)</a:t>
+            </a:r>
+          </a:p>
+          <a:p>
+            <a:pPr marL="171450" indent="-171450">
+              <a:buFont typeface="Arial"/>
+              <a:buChar char="•"/>
+            </a:pPr>
+            <a:r>
+              <a:rPr lang="en-US"/>
+              <a:t>Define the webnet network with the default settings (which is a load-balanced overlay network).</a:t>
+            </a:r>
+          </a:p>
+          <a:p>
+            <a:endParaRPr lang="en-US" dirty="0">
+              <a:latin typeface="Calibri"/>
+              <a:cs typeface="Calibri"/>
+            </a:endParaRPr>
+          </a:p>
+        </p:txBody>
+      </p:sp>
+    </p:spTree>
+    <p:extLst>
+      <p:ext uri="{BB962C8B-B14F-4D97-AF65-F5344CB8AC3E}">
+        <p14:creationId xmlns:p14="http://schemas.microsoft.com/office/powerpoint/2010/main" val="3279339281"/>
+      </p:ext>
+    </p:extLst>
+  </p:cSld>
+  <p:clrMapOvr>
+    <a:masterClrMapping/>
+  </p:clrMapOvr>
+</p:notes>
+</file>
+
+<file path=ppt/notesSlides/notesSlide6.xml><?xml version="1.0" encoding="utf-8"?>
 <p:notes xmlns:a="http://schemas.openxmlformats.org/drawingml/2006/main" xmlns:r="http://schemas.openxmlformats.org/officeDocument/2006/relationships" xmlns:p="http://schemas.openxmlformats.org/presentationml/2006/main">
   <p:cSld>
     <p:spTree>
@@ -8509,9 +9308,15 @@
       </p:grpSpPr>
       <p:sp>
         <p:nvSpPr>
-          <p:cNvPr id="136194" name="Rectangle 2"/>
+          <p:cNvPr id="2" name="Title 1">
+            <a:extLst>
+              <a:ext uri="{FF2B5EF4-FFF2-40B4-BE49-F238E27FC236}">
+                <a16:creationId xmlns:a16="http://schemas.microsoft.com/office/drawing/2014/main" id="{7A7944F0-99C0-4321-89DC-7A31B28DC242}"/>
+              </a:ext>
+            </a:extLst>
+          </p:cNvPr>
           <p:cNvSpPr>
-            <a:spLocks noGrp="1" noChangeArrowheads="1"/>
+            <a:spLocks noGrp="1"/>
           </p:cNvSpPr>
           <p:nvPr>
             <p:ph type="ctrTitle"/>
@@ -8523,17 +9328,26 @@
           <a:lstStyle/>
           <a:p>
             <a:r>
-              <a:rPr lang="en-US" dirty="0"/>
-              <a:t>Kubernetes: Production-based container orchestration</a:t>
-            </a:r>
+              <a:rPr lang="en-US" dirty="0">
+                <a:cs typeface="Calibri"/>
+              </a:rPr>
+              <a:t>Virtualization using Docker containers </a:t>
+            </a:r>
+            <a:endParaRPr lang="en-US" dirty="0"/>
           </a:p>
         </p:txBody>
       </p:sp>
       <p:sp>
         <p:nvSpPr>
-          <p:cNvPr id="136195" name="Rectangle 3"/>
+          <p:cNvPr id="3" name="Subtitle 2">
+            <a:extLst>
+              <a:ext uri="{FF2B5EF4-FFF2-40B4-BE49-F238E27FC236}">
+                <a16:creationId xmlns:a16="http://schemas.microsoft.com/office/drawing/2014/main" id="{BA52E3B0-CE0D-47BA-BD39-1D2882D53FA7}"/>
+              </a:ext>
+            </a:extLst>
+          </p:cNvPr>
           <p:cNvSpPr>
-            <a:spLocks noGrp="1" noChangeArrowheads="1"/>
+            <a:spLocks noGrp="1"/>
           </p:cNvSpPr>
           <p:nvPr>
             <p:ph type="subTitle" idx="1"/>
@@ -8541,23 +9355,40 @@
         </p:nvSpPr>
         <p:spPr/>
         <p:txBody>
-          <a:bodyPr/>
+          <a:bodyPr vert="horz" lIns="79366" tIns="39683" rIns="79366" bIns="39683" rtlCol="0" anchor="t">
+            <a:noAutofit/>
+          </a:bodyPr>
           <a:lstStyle/>
           <a:p>
             <a:r>
-              <a:rPr lang="en-US" dirty="0"/>
-              <a:t>Distributed computing – Lab Session. </a:t>
-            </a:r>
-          </a:p>
-          <a:p>
-            <a:r>
-              <a:rPr lang="en-US" dirty="0"/>
-              <a:t>Paola Soto</a:t>
-            </a:r>
+              <a:rPr lang="en-US" dirty="0">
+                <a:cs typeface="Calibri"/>
+              </a:rPr>
+              <a:t>Distributed computing – Lab Session 2. </a:t>
+            </a:r>
+          </a:p>
+          <a:p>
+            <a:r>
+              <a:rPr lang="en-US" dirty="0">
+                <a:cs typeface="Calibri"/>
+              </a:rPr>
+              <a:t>Miguel Camelo</a:t>
+            </a:r>
+            <a:endParaRPr lang="en-US" dirty="0"/>
+          </a:p>
+          <a:p>
+            <a:endParaRPr lang="en-US" dirty="0">
+              <a:cs typeface="Calibri"/>
+            </a:endParaRPr>
           </a:p>
         </p:txBody>
       </p:sp>
     </p:spTree>
+    <p:extLst>
+      <p:ext uri="{BB962C8B-B14F-4D97-AF65-F5344CB8AC3E}">
+        <p14:creationId xmlns:p14="http://schemas.microsoft.com/office/powerpoint/2010/main" val="3673470413"/>
+      </p:ext>
+    </p:extLst>
   </p:cSld>
   <p:clrMapOvr>
     <a:masterClrMapping/>
@@ -8599,7 +9430,7 @@
           <p:cNvPr id="2" name="Title 1">
             <a:extLst>
               <a:ext uri="{FF2B5EF4-FFF2-40B4-BE49-F238E27FC236}">
-                <a16:creationId xmlns:a16="http://schemas.microsoft.com/office/drawing/2014/main" id="{2E89CA6A-001E-0A49-A89A-8241E16F93C9}"/>
+                <a16:creationId xmlns:a16="http://schemas.microsoft.com/office/drawing/2014/main" id="{4D930C8E-0C76-4506-BF9D-ED579D56EEB6}"/>
               </a:ext>
             </a:extLst>
           </p:cNvPr>
@@ -8616,8 +9447,10 @@
           <a:lstStyle/>
           <a:p>
             <a:r>
-              <a:rPr lang="en-US" dirty="0"/>
-              <a:t>More Resources	</a:t>
+              <a:rPr lang="en-US">
+                <a:cs typeface="Calibri"/>
+              </a:rPr>
+              <a:t>Building your first container</a:t>
             </a:r>
           </a:p>
         </p:txBody>
@@ -8627,7 +9460,7 @@
           <p:cNvPr id="3" name="Content Placeholder 2">
             <a:extLst>
               <a:ext uri="{FF2B5EF4-FFF2-40B4-BE49-F238E27FC236}">
-                <a16:creationId xmlns:a16="http://schemas.microsoft.com/office/drawing/2014/main" id="{D13A0023-D348-F74A-96BB-D8A6B7016E83}"/>
+                <a16:creationId xmlns:a16="http://schemas.microsoft.com/office/drawing/2014/main" id="{D0C6D477-6A96-4E55-AF38-47601BC4ABC3}"/>
               </a:ext>
             </a:extLst>
           </p:cNvPr>
@@ -8638,69 +9471,66 @@
             <p:ph idx="1"/>
           </p:nvPr>
         </p:nvSpPr>
-        <p:spPr/>
+        <p:spPr>
+          <a:xfrm>
+            <a:off x="594819" y="1319444"/>
+            <a:ext cx="9176288" cy="1910126"/>
+          </a:xfrm>
+        </p:spPr>
         <p:txBody>
-          <a:bodyPr/>
+          <a:bodyPr vert="horz" lIns="0" tIns="39683" rIns="0" bIns="39683" rtlCol="0" anchor="t">
+            <a:noAutofit/>
+          </a:bodyPr>
           <a:lstStyle/>
           <a:p>
-            <a:pPr marL="514350" indent="-514350">
-              <a:buFont typeface="+mj-lt"/>
-              <a:buAutoNum type="arabicPeriod"/>
+            <a:pPr marL="457200" indent="-457200">
+              <a:buFont typeface="Arial"/>
+              <a:buChar char="•"/>
             </a:pPr>
             <a:r>
-              <a:rPr lang="en-US" dirty="0"/>
-              <a:t>Kubernetes documentation. Available online: </a:t>
-            </a:r>
-            <a:r>
-              <a:rPr lang="en-US" dirty="0">
-                <a:hlinkClick r:id="rId2"/>
+              <a:rPr lang="en-US">
+                <a:cs typeface="Calibri"/>
               </a:rPr>
-              <a:t>https://kubernetes.io/docs/home/</a:t>
-            </a:r>
-            <a:r>
-              <a:rPr lang="en-US" dirty="0"/>
-              <a:t> [accessed: 04/03/2019]</a:t>
-            </a:r>
-          </a:p>
-          <a:p>
-            <a:pPr marL="514350" indent="-514350">
-              <a:buFont typeface="+mj-lt"/>
-              <a:buAutoNum type="arabicPeriod"/>
+              <a:t>Dependencies (requeriments.txt)</a:t>
+            </a:r>
+            <a:endParaRPr lang="en-US"/>
+          </a:p>
+          <a:p>
+            <a:pPr marL="634365" lvl="2" indent="-237490">
+              <a:buFont typeface="Arial"/>
+              <a:buChar char="•"/>
             </a:pPr>
             <a:r>
-              <a:rPr lang="en-US" dirty="0"/>
-              <a:t>Borg, omega and Kubernetes. B. Burns et al. Available online: </a:t>
-            </a:r>
-            <a:r>
-              <a:rPr lang="en-US" dirty="0">
-                <a:hlinkClick r:id="rId3"/>
+              <a:rPr lang="en-US">
+                <a:cs typeface="Calibri"/>
               </a:rPr>
-              <a:t>https://storage.googleapis.com/pub-tools-public-publication-data/pdf/44843.pdf</a:t>
-            </a:r>
-            <a:r>
-              <a:rPr lang="en-US" dirty="0"/>
-              <a:t> [accessed: 04/03/2019]</a:t>
-            </a:r>
-          </a:p>
-          <a:p>
-            <a:pPr marL="514350" indent="-514350">
-              <a:buFont typeface="+mj-lt"/>
-              <a:buAutoNum type="arabicPeriod"/>
+              <a:t>File that determines what needs to be installed</a:t>
+            </a:r>
+            <a:endParaRPr lang="en-US" dirty="0">
+              <a:cs typeface="Calibri"/>
+            </a:endParaRPr>
+          </a:p>
+          <a:p>
+            <a:pPr marL="0" lvl="1" indent="0">
+              <a:buNone/>
             </a:pPr>
-            <a:r>
-              <a:rPr lang="en-US" dirty="0"/>
-              <a:t>Containers and cloud: From LXC to Docker to Kubernetes. D. Bernstein. Available online: </a:t>
-            </a:r>
-            <a:r>
-              <a:rPr lang="en-US" dirty="0">
-                <a:hlinkClick r:id="rId4"/>
-              </a:rPr>
-              <a:t>http://www.ce.uniroma2.it/courses/sdcc1617/articoli/bernstein_cc2014.pdf</a:t>
-            </a:r>
-            <a:r>
-              <a:rPr lang="en-US" dirty="0"/>
-              <a:t> [accessed: 04/03/2019]</a:t>
-            </a:r>
+            <a:endParaRPr lang="en-US" dirty="0">
+              <a:cs typeface="Calibri"/>
+            </a:endParaRPr>
+          </a:p>
+          <a:p>
+            <a:pPr marL="634365" lvl="2" indent="-237490">
+              <a:buFont typeface="Arial"/>
+              <a:buChar char="•"/>
+            </a:pPr>
+            <a:endParaRPr lang="en-US" dirty="0">
+              <a:cs typeface="Calibri"/>
+            </a:endParaRPr>
+          </a:p>
+          <a:p>
+            <a:endParaRPr lang="en-US" dirty="0">
+              <a:cs typeface="Calibri"/>
+            </a:endParaRPr>
           </a:p>
         </p:txBody>
       </p:sp>
@@ -8709,7 +9539,7 @@
           <p:cNvPr id="4" name="Footer Placeholder 3">
             <a:extLst>
               <a:ext uri="{FF2B5EF4-FFF2-40B4-BE49-F238E27FC236}">
-                <a16:creationId xmlns:a16="http://schemas.microsoft.com/office/drawing/2014/main" id="{41959FB4-A542-8046-99AD-7C11657A988C}"/>
+                <a16:creationId xmlns:a16="http://schemas.microsoft.com/office/drawing/2014/main" id="{1B087685-5AA3-4CE3-B8D5-4387907FC0D6}"/>
               </a:ext>
             </a:extLst>
           </p:cNvPr>
@@ -8732,10 +9562,40 @@
           </a:p>
         </p:txBody>
       </p:sp>
+      <p:pic>
+        <p:nvPicPr>
+          <p:cNvPr id="7" name="Picture 7" descr="A screenshot of a cell phone&#10;&#10;Description generated with very high confidence">
+            <a:extLst>
+              <a:ext uri="{FF2B5EF4-FFF2-40B4-BE49-F238E27FC236}">
+                <a16:creationId xmlns:a16="http://schemas.microsoft.com/office/drawing/2014/main" id="{2A545282-E001-4C90-AD24-3BA407A21DA5}"/>
+              </a:ext>
+            </a:extLst>
+          </p:cNvPr>
+          <p:cNvPicPr>
+            <a:picLocks noChangeAspect="1"/>
+          </p:cNvPicPr>
+          <p:nvPr/>
+        </p:nvPicPr>
+        <p:blipFill>
+          <a:blip r:embed="rId2"/>
+          <a:stretch>
+            <a:fillRect/>
+          </a:stretch>
+        </p:blipFill>
+        <p:spPr>
+          <a:xfrm>
+            <a:off x="1136968" y="2529966"/>
+            <a:ext cx="2841151" cy="1548974"/>
+          </a:xfrm>
+          <a:prstGeom prst="rect">
+            <a:avLst/>
+          </a:prstGeom>
+        </p:spPr>
+      </p:pic>
     </p:spTree>
     <p:extLst>
       <p:ext uri="{BB962C8B-B14F-4D97-AF65-F5344CB8AC3E}">
-        <p14:creationId xmlns:p14="http://schemas.microsoft.com/office/powerpoint/2010/main" val="1433732494"/>
+        <p14:creationId xmlns:p14="http://schemas.microsoft.com/office/powerpoint/2010/main" val="1657667"/>
       </p:ext>
     </p:extLst>
   </p:cSld>
@@ -8757,7 +9617,7 @@
 </p:sld>
 </file>
 
-<file path=ppt/slides/slide2.xml><?xml version="1.0" encoding="utf-8"?>
+<file path=ppt/slides/slide11.xml><?xml version="1.0" encoding="utf-8"?>
 <p:sld xmlns:a="http://schemas.openxmlformats.org/drawingml/2006/main" xmlns:r="http://schemas.openxmlformats.org/officeDocument/2006/relationships" xmlns:p="http://schemas.openxmlformats.org/presentationml/2006/main">
   <p:cSld>
     <p:spTree>
@@ -8776,6 +9636,845 @@
       </p:grpSpPr>
       <p:sp>
         <p:nvSpPr>
+          <p:cNvPr id="2" name="Title 1">
+            <a:extLst>
+              <a:ext uri="{FF2B5EF4-FFF2-40B4-BE49-F238E27FC236}">
+                <a16:creationId xmlns:a16="http://schemas.microsoft.com/office/drawing/2014/main" id="{4D930C8E-0C76-4506-BF9D-ED579D56EEB6}"/>
+              </a:ext>
+            </a:extLst>
+          </p:cNvPr>
+          <p:cNvSpPr>
+            <a:spLocks noGrp="1"/>
+          </p:cNvSpPr>
+          <p:nvPr>
+            <p:ph type="title"/>
+          </p:nvPr>
+        </p:nvSpPr>
+        <p:spPr/>
+        <p:txBody>
+          <a:bodyPr/>
+          <a:lstStyle/>
+          <a:p>
+            <a:r>
+              <a:rPr lang="en-US">
+                <a:cs typeface="Calibri"/>
+              </a:rPr>
+              <a:t>Building your first container</a:t>
+            </a:r>
+          </a:p>
+        </p:txBody>
+      </p:sp>
+      <p:sp>
+        <p:nvSpPr>
+          <p:cNvPr id="3" name="Content Placeholder 2">
+            <a:extLst>
+              <a:ext uri="{FF2B5EF4-FFF2-40B4-BE49-F238E27FC236}">
+                <a16:creationId xmlns:a16="http://schemas.microsoft.com/office/drawing/2014/main" id="{D0C6D477-6A96-4E55-AF38-47601BC4ABC3}"/>
+              </a:ext>
+            </a:extLst>
+          </p:cNvPr>
+          <p:cNvSpPr>
+            <a:spLocks noGrp="1"/>
+          </p:cNvSpPr>
+          <p:nvPr>
+            <p:ph idx="1"/>
+          </p:nvPr>
+        </p:nvSpPr>
+        <p:spPr>
+          <a:xfrm>
+            <a:off x="594819" y="1319444"/>
+            <a:ext cx="9176288" cy="1910126"/>
+          </a:xfrm>
+        </p:spPr>
+        <p:txBody>
+          <a:bodyPr vert="horz" lIns="0" tIns="39683" rIns="0" bIns="39683" rtlCol="0" anchor="t">
+            <a:noAutofit/>
+          </a:bodyPr>
+          <a:lstStyle/>
+          <a:p>
+            <a:pPr marL="237490" lvl="1" indent="-237490">
+              <a:buFont typeface="Arial"/>
+              <a:buChar char="•"/>
+            </a:pPr>
+            <a:r>
+              <a:rPr lang="en-US">
+                <a:cs typeface="Calibri"/>
+              </a:rPr>
+              <a:t>The app itself (app.py)</a:t>
+            </a:r>
+            <a:endParaRPr lang="en-US" dirty="0">
+              <a:cs typeface="Calibri"/>
+            </a:endParaRPr>
+          </a:p>
+          <a:p>
+            <a:pPr marL="634365" lvl="2" indent="-237490">
+              <a:buFont typeface="Arial"/>
+              <a:buChar char="•"/>
+            </a:pPr>
+            <a:r>
+              <a:rPr lang="en-US">
+                <a:cs typeface="Calibri"/>
+              </a:rPr>
+              <a:t>What it will run inside</a:t>
+            </a:r>
+            <a:endParaRPr lang="en-US" dirty="0">
+              <a:cs typeface="Calibri"/>
+            </a:endParaRPr>
+          </a:p>
+          <a:p>
+            <a:pPr marL="634365" lvl="2" indent="-237490">
+              <a:buFont typeface="Arial"/>
+              <a:buChar char="•"/>
+            </a:pPr>
+            <a:endParaRPr lang="en-US" dirty="0">
+              <a:cs typeface="Calibri"/>
+            </a:endParaRPr>
+          </a:p>
+          <a:p>
+            <a:endParaRPr lang="en-US" dirty="0">
+              <a:cs typeface="Calibri"/>
+            </a:endParaRPr>
+          </a:p>
+        </p:txBody>
+      </p:sp>
+      <p:sp>
+        <p:nvSpPr>
+          <p:cNvPr id="4" name="Footer Placeholder 3">
+            <a:extLst>
+              <a:ext uri="{FF2B5EF4-FFF2-40B4-BE49-F238E27FC236}">
+                <a16:creationId xmlns:a16="http://schemas.microsoft.com/office/drawing/2014/main" id="{1B087685-5AA3-4CE3-B8D5-4387907FC0D6}"/>
+              </a:ext>
+            </a:extLst>
+          </p:cNvPr>
+          <p:cNvSpPr>
+            <a:spLocks noGrp="1"/>
+          </p:cNvSpPr>
+          <p:nvPr>
+            <p:ph type="ftr" sz="quarter" idx="11"/>
+          </p:nvPr>
+        </p:nvSpPr>
+        <p:spPr/>
+        <p:txBody>
+          <a:bodyPr/>
+          <a:lstStyle/>
+          <a:p>
+            <a:r>
+              <a:rPr lang="nl-NL"/>
+              <a:t>* https://kubernetes.io/docs/tasks/tools/install-minikube/</a:t>
+            </a:r>
+          </a:p>
+        </p:txBody>
+      </p:sp>
+      <p:pic>
+        <p:nvPicPr>
+          <p:cNvPr id="12" name="Picture 12" descr="A screenshot of a cell phone&#10;&#10;Description generated with high confidence">
+            <a:extLst>
+              <a:ext uri="{FF2B5EF4-FFF2-40B4-BE49-F238E27FC236}">
+                <a16:creationId xmlns:a16="http://schemas.microsoft.com/office/drawing/2014/main" id="{B5786A05-29EB-4CE3-948D-C46296E91C5B}"/>
+              </a:ext>
+            </a:extLst>
+          </p:cNvPr>
+          <p:cNvPicPr>
+            <a:picLocks noChangeAspect="1"/>
+          </p:cNvPicPr>
+          <p:nvPr/>
+        </p:nvPicPr>
+        <p:blipFill>
+          <a:blip r:embed="rId2"/>
+          <a:stretch>
+            <a:fillRect/>
+          </a:stretch>
+        </p:blipFill>
+        <p:spPr>
+          <a:xfrm>
+            <a:off x="719504" y="2386978"/>
+            <a:ext cx="8608001" cy="4941228"/>
+          </a:xfrm>
+          <a:prstGeom prst="rect">
+            <a:avLst/>
+          </a:prstGeom>
+        </p:spPr>
+      </p:pic>
+    </p:spTree>
+    <p:extLst>
+      <p:ext uri="{BB962C8B-B14F-4D97-AF65-F5344CB8AC3E}">
+        <p14:creationId xmlns:p14="http://schemas.microsoft.com/office/powerpoint/2010/main" val="2612338515"/>
+      </p:ext>
+    </p:extLst>
+  </p:cSld>
+  <p:clrMapOvr>
+    <a:masterClrMapping/>
+  </p:clrMapOvr>
+  <mc:AlternateContent xmlns:mc="http://schemas.openxmlformats.org/markup-compatibility/2006" xmlns:p14="http://schemas.microsoft.com/office/powerpoint/2010/main">
+    <mc:Choice Requires="p14">
+      <p:transition spd="med" p14:dur="700">
+        <p:fade/>
+      </p:transition>
+    </mc:Choice>
+    <mc:Fallback xmlns="">
+      <p:transition spd="med">
+        <p:fade/>
+      </p:transition>
+    </mc:Fallback>
+  </mc:AlternateContent>
+</p:sld>
+</file>
+
+<file path=ppt/slides/slide12.xml><?xml version="1.0" encoding="utf-8"?>
+<p:sld xmlns:a="http://schemas.openxmlformats.org/drawingml/2006/main" xmlns:r="http://schemas.openxmlformats.org/officeDocument/2006/relationships" xmlns:p="http://schemas.openxmlformats.org/presentationml/2006/main">
+  <p:cSld>
+    <p:spTree>
+      <p:nvGrpSpPr>
+        <p:cNvPr id="1" name=""/>
+        <p:cNvGrpSpPr/>
+        <p:nvPr/>
+      </p:nvGrpSpPr>
+      <p:grpSpPr>
+        <a:xfrm>
+          <a:off x="0" y="0"/>
+          <a:ext cx="0" cy="0"/>
+          <a:chOff x="0" y="0"/>
+          <a:chExt cx="0" cy="0"/>
+        </a:xfrm>
+      </p:grpSpPr>
+      <p:sp>
+        <p:nvSpPr>
+          <p:cNvPr id="2" name="Title 1">
+            <a:extLst>
+              <a:ext uri="{FF2B5EF4-FFF2-40B4-BE49-F238E27FC236}">
+                <a16:creationId xmlns:a16="http://schemas.microsoft.com/office/drawing/2014/main" id="{30F62B49-C690-41A7-84A2-6618C6F8E10F}"/>
+              </a:ext>
+            </a:extLst>
+          </p:cNvPr>
+          <p:cNvSpPr>
+            <a:spLocks noGrp="1"/>
+          </p:cNvSpPr>
+          <p:nvPr>
+            <p:ph type="title"/>
+          </p:nvPr>
+        </p:nvSpPr>
+        <p:spPr/>
+        <p:txBody>
+          <a:bodyPr/>
+          <a:lstStyle/>
+          <a:p>
+            <a:r>
+              <a:rPr lang="en-US">
+                <a:cs typeface="Calibri"/>
+              </a:rPr>
+              <a:t>Building your first container</a:t>
+            </a:r>
+            <a:endParaRPr lang="en-US"/>
+          </a:p>
+        </p:txBody>
+      </p:sp>
+      <p:pic>
+        <p:nvPicPr>
+          <p:cNvPr id="5" name="Picture 5" descr="A close up of a logo&#10;&#10;Description generated with very high confidence">
+            <a:extLst>
+              <a:ext uri="{FF2B5EF4-FFF2-40B4-BE49-F238E27FC236}">
+                <a16:creationId xmlns:a16="http://schemas.microsoft.com/office/drawing/2014/main" id="{D243AA0E-A443-4C4E-873A-C80CF4115E25}"/>
+              </a:ext>
+            </a:extLst>
+          </p:cNvPr>
+          <p:cNvPicPr>
+            <a:picLocks noGrp="1" noChangeAspect="1"/>
+          </p:cNvPicPr>
+          <p:nvPr>
+            <p:ph idx="1"/>
+          </p:nvPr>
+        </p:nvPicPr>
+        <p:blipFill>
+          <a:blip r:embed="rId2"/>
+          <a:stretch>
+            <a:fillRect/>
+          </a:stretch>
+        </p:blipFill>
+        <p:spPr>
+          <a:xfrm>
+            <a:off x="523319" y="1764212"/>
+            <a:ext cx="9138642" cy="676035"/>
+          </a:xfrm>
+          <a:prstGeom prst="rect">
+            <a:avLst/>
+          </a:prstGeom>
+        </p:spPr>
+      </p:pic>
+      <p:sp>
+        <p:nvSpPr>
+          <p:cNvPr id="4" name="Footer Placeholder 3">
+            <a:extLst>
+              <a:ext uri="{FF2B5EF4-FFF2-40B4-BE49-F238E27FC236}">
+                <a16:creationId xmlns:a16="http://schemas.microsoft.com/office/drawing/2014/main" id="{C43CAF1E-B4D2-4A65-8E0A-042CE655C0B0}"/>
+              </a:ext>
+            </a:extLst>
+          </p:cNvPr>
+          <p:cNvSpPr>
+            <a:spLocks noGrp="1"/>
+          </p:cNvSpPr>
+          <p:nvPr>
+            <p:ph type="ftr" sz="quarter" idx="11"/>
+          </p:nvPr>
+        </p:nvSpPr>
+        <p:spPr/>
+        <p:txBody>
+          <a:bodyPr/>
+          <a:lstStyle/>
+          <a:p>
+            <a:r>
+              <a:rPr lang="nl-NL"/>
+              <a:t>* https://kubernetes.io/docs/tasks/tools/install-minikube/</a:t>
+            </a:r>
+          </a:p>
+        </p:txBody>
+      </p:sp>
+      <p:pic>
+        <p:nvPicPr>
+          <p:cNvPr id="7" name="Picture 7" descr="A clock mounted to the side&#10;&#10;Description generated with high confidence">
+            <a:extLst>
+              <a:ext uri="{FF2B5EF4-FFF2-40B4-BE49-F238E27FC236}">
+                <a16:creationId xmlns:a16="http://schemas.microsoft.com/office/drawing/2014/main" id="{76096DCD-BFB5-49A0-BBA4-F9AFACBC5E3F}"/>
+              </a:ext>
+            </a:extLst>
+          </p:cNvPr>
+          <p:cNvPicPr>
+            <a:picLocks noChangeAspect="1"/>
+          </p:cNvPicPr>
+          <p:nvPr/>
+        </p:nvPicPr>
+        <p:blipFill>
+          <a:blip r:embed="rId3"/>
+          <a:stretch>
+            <a:fillRect/>
+          </a:stretch>
+        </p:blipFill>
+        <p:spPr>
+          <a:xfrm>
+            <a:off x="530327" y="2772066"/>
+            <a:ext cx="8623853" cy="1690875"/>
+          </a:xfrm>
+          <a:prstGeom prst="rect">
+            <a:avLst/>
+          </a:prstGeom>
+        </p:spPr>
+      </p:pic>
+      <p:pic>
+        <p:nvPicPr>
+          <p:cNvPr id="9" name="Picture 9" descr="A screenshot of a cell phone&#10;&#10;Description generated with very high confidence">
+            <a:extLst>
+              <a:ext uri="{FF2B5EF4-FFF2-40B4-BE49-F238E27FC236}">
+                <a16:creationId xmlns:a16="http://schemas.microsoft.com/office/drawing/2014/main" id="{FFA17ACC-D187-4D31-BD88-55BCE9265132}"/>
+              </a:ext>
+            </a:extLst>
+          </p:cNvPr>
+          <p:cNvPicPr>
+            <a:picLocks noChangeAspect="1"/>
+          </p:cNvPicPr>
+          <p:nvPr/>
+        </p:nvPicPr>
+        <p:blipFill>
+          <a:blip r:embed="rId4"/>
+          <a:stretch>
+            <a:fillRect/>
+          </a:stretch>
+        </p:blipFill>
+        <p:spPr>
+          <a:xfrm>
+            <a:off x="2374801" y="4681520"/>
+            <a:ext cx="4677192" cy="1914636"/>
+          </a:xfrm>
+          <a:prstGeom prst="rect">
+            <a:avLst/>
+          </a:prstGeom>
+        </p:spPr>
+      </p:pic>
+    </p:spTree>
+    <p:extLst>
+      <p:ext uri="{BB962C8B-B14F-4D97-AF65-F5344CB8AC3E}">
+        <p14:creationId xmlns:p14="http://schemas.microsoft.com/office/powerpoint/2010/main" val="1154901134"/>
+      </p:ext>
+    </p:extLst>
+  </p:cSld>
+  <p:clrMapOvr>
+    <a:masterClrMapping/>
+  </p:clrMapOvr>
+  <mc:AlternateContent xmlns:mc="http://schemas.openxmlformats.org/markup-compatibility/2006" xmlns:p14="http://schemas.microsoft.com/office/powerpoint/2010/main">
+    <mc:Choice Requires="p14">
+      <p:transition spd="med" p14:dur="700">
+        <p:fade/>
+      </p:transition>
+    </mc:Choice>
+    <mc:Fallback xmlns="">
+      <p:transition xmlns:p14="http://schemas.microsoft.com/office/powerpoint/2010/main" spd="med">
+        <p:fade/>
+      </p:transition>
+    </mc:Fallback>
+  </mc:AlternateContent>
+</p:sld>
+</file>
+
+<file path=ppt/slides/slide13.xml><?xml version="1.0" encoding="utf-8"?>
+<p:sld xmlns:a="http://schemas.openxmlformats.org/drawingml/2006/main" xmlns:r="http://schemas.openxmlformats.org/officeDocument/2006/relationships" xmlns:p="http://schemas.openxmlformats.org/presentationml/2006/main">
+  <p:cSld>
+    <p:spTree>
+      <p:nvGrpSpPr>
+        <p:cNvPr id="1" name=""/>
+        <p:cNvGrpSpPr/>
+        <p:nvPr/>
+      </p:nvGrpSpPr>
+      <p:grpSpPr>
+        <a:xfrm>
+          <a:off x="0" y="0"/>
+          <a:ext cx="0" cy="0"/>
+          <a:chOff x="0" y="0"/>
+          <a:chExt cx="0" cy="0"/>
+        </a:xfrm>
+      </p:grpSpPr>
+      <p:sp>
+        <p:nvSpPr>
+          <p:cNvPr id="2" name="Title 1">
+            <a:extLst>
+              <a:ext uri="{FF2B5EF4-FFF2-40B4-BE49-F238E27FC236}">
+                <a16:creationId xmlns:a16="http://schemas.microsoft.com/office/drawing/2014/main" id="{A9F87A65-6E7F-42E8-93D5-3639AF80CD88}"/>
+              </a:ext>
+            </a:extLst>
+          </p:cNvPr>
+          <p:cNvSpPr>
+            <a:spLocks noGrp="1"/>
+          </p:cNvSpPr>
+          <p:nvPr>
+            <p:ph type="title"/>
+          </p:nvPr>
+        </p:nvSpPr>
+        <p:spPr/>
+        <p:txBody>
+          <a:bodyPr/>
+          <a:lstStyle/>
+          <a:p>
+            <a:r>
+              <a:rPr lang="en-US">
+                <a:cs typeface="Calibri"/>
+              </a:rPr>
+              <a:t>Building your first container</a:t>
+            </a:r>
+            <a:endParaRPr lang="en-US"/>
+          </a:p>
+        </p:txBody>
+      </p:sp>
+      <p:pic>
+        <p:nvPicPr>
+          <p:cNvPr id="5" name="Picture 5" descr="A screenshot of text&#10;&#10;Description generated with very high confidence">
+            <a:extLst>
+              <a:ext uri="{FF2B5EF4-FFF2-40B4-BE49-F238E27FC236}">
+                <a16:creationId xmlns:a16="http://schemas.microsoft.com/office/drawing/2014/main" id="{07F9F30E-11B1-4E41-A583-AB5EBF64C212}"/>
+              </a:ext>
+            </a:extLst>
+          </p:cNvPr>
+          <p:cNvPicPr>
+            <a:picLocks noGrp="1" noChangeAspect="1"/>
+          </p:cNvPicPr>
+          <p:nvPr>
+            <p:ph idx="1"/>
+          </p:nvPr>
+        </p:nvPicPr>
+        <p:blipFill>
+          <a:blip r:embed="rId2"/>
+          <a:stretch>
+            <a:fillRect/>
+          </a:stretch>
+        </p:blipFill>
+        <p:spPr>
+          <a:xfrm>
+            <a:off x="627022" y="2134033"/>
+            <a:ext cx="8813959" cy="3951117"/>
+          </a:xfrm>
+          <a:prstGeom prst="rect">
+            <a:avLst/>
+          </a:prstGeom>
+        </p:spPr>
+      </p:pic>
+      <p:sp>
+        <p:nvSpPr>
+          <p:cNvPr id="4" name="Footer Placeholder 3">
+            <a:extLst>
+              <a:ext uri="{FF2B5EF4-FFF2-40B4-BE49-F238E27FC236}">
+                <a16:creationId xmlns:a16="http://schemas.microsoft.com/office/drawing/2014/main" id="{93862498-ABF0-44EA-8743-9C9E4B84BB5E}"/>
+              </a:ext>
+            </a:extLst>
+          </p:cNvPr>
+          <p:cNvSpPr>
+            <a:spLocks noGrp="1"/>
+          </p:cNvSpPr>
+          <p:nvPr>
+            <p:ph type="ftr" sz="quarter" idx="11"/>
+          </p:nvPr>
+        </p:nvSpPr>
+        <p:spPr/>
+        <p:txBody>
+          <a:bodyPr/>
+          <a:lstStyle/>
+          <a:p>
+            <a:r>
+              <a:rPr lang="nl-NL"/>
+              <a:t>* https://kubernetes.io/docs/tasks/tools/install-minikube/</a:t>
+            </a:r>
+          </a:p>
+        </p:txBody>
+      </p:sp>
+    </p:spTree>
+    <p:extLst>
+      <p:ext uri="{BB962C8B-B14F-4D97-AF65-F5344CB8AC3E}">
+        <p14:creationId xmlns:p14="http://schemas.microsoft.com/office/powerpoint/2010/main" val="3919757051"/>
+      </p:ext>
+    </p:extLst>
+  </p:cSld>
+  <p:clrMapOvr>
+    <a:masterClrMapping/>
+  </p:clrMapOvr>
+  <mc:AlternateContent xmlns:mc="http://schemas.openxmlformats.org/markup-compatibility/2006" xmlns:p14="http://schemas.microsoft.com/office/powerpoint/2010/main">
+    <mc:Choice Requires="p14">
+      <p:transition spd="med" p14:dur="700">
+        <p:fade/>
+      </p:transition>
+    </mc:Choice>
+    <mc:Fallback xmlns="">
+      <p:transition xmlns:p14="http://schemas.microsoft.com/office/powerpoint/2010/main" spd="med">
+        <p:fade/>
+      </p:transition>
+    </mc:Fallback>
+  </mc:AlternateContent>
+</p:sld>
+</file>
+
+<file path=ppt/slides/slide14.xml><?xml version="1.0" encoding="utf-8"?>
+<p:sld xmlns:a="http://schemas.openxmlformats.org/drawingml/2006/main" xmlns:r="http://schemas.openxmlformats.org/officeDocument/2006/relationships" xmlns:p="http://schemas.openxmlformats.org/presentationml/2006/main">
+  <p:cSld>
+    <p:spTree>
+      <p:nvGrpSpPr>
+        <p:cNvPr id="1" name=""/>
+        <p:cNvGrpSpPr/>
+        <p:nvPr/>
+      </p:nvGrpSpPr>
+      <p:grpSpPr>
+        <a:xfrm>
+          <a:off x="0" y="0"/>
+          <a:ext cx="0" cy="0"/>
+          <a:chOff x="0" y="0"/>
+          <a:chExt cx="0" cy="0"/>
+        </a:xfrm>
+      </p:grpSpPr>
+      <p:sp>
+        <p:nvSpPr>
+          <p:cNvPr id="2" name="Title 1">
+            <a:extLst>
+              <a:ext uri="{FF2B5EF4-FFF2-40B4-BE49-F238E27FC236}">
+                <a16:creationId xmlns:a16="http://schemas.microsoft.com/office/drawing/2014/main" id="{BA3CD31D-742B-4987-81B8-8EDFB84EBDBB}"/>
+              </a:ext>
+            </a:extLst>
+          </p:cNvPr>
+          <p:cNvSpPr>
+            <a:spLocks noGrp="1"/>
+          </p:cNvSpPr>
+          <p:nvPr>
+            <p:ph type="title"/>
+          </p:nvPr>
+        </p:nvSpPr>
+        <p:spPr/>
+        <p:txBody>
+          <a:bodyPr/>
+          <a:lstStyle/>
+          <a:p>
+            <a:r>
+              <a:rPr lang="en-US">
+                <a:cs typeface="Calibri"/>
+              </a:rPr>
+              <a:t>Services with Docker</a:t>
+            </a:r>
+            <a:endParaRPr lang="en-US" dirty="0">
+              <a:cs typeface="Calibri"/>
+            </a:endParaRPr>
+          </a:p>
+        </p:txBody>
+      </p:sp>
+      <p:sp>
+        <p:nvSpPr>
+          <p:cNvPr id="3" name="Content Placeholder 2">
+            <a:extLst>
+              <a:ext uri="{FF2B5EF4-FFF2-40B4-BE49-F238E27FC236}">
+                <a16:creationId xmlns:a16="http://schemas.microsoft.com/office/drawing/2014/main" id="{2924057B-4265-4518-B7EC-E117F74127A7}"/>
+              </a:ext>
+            </a:extLst>
+          </p:cNvPr>
+          <p:cNvSpPr>
+            <a:spLocks noGrp="1"/>
+          </p:cNvSpPr>
+          <p:nvPr>
+            <p:ph idx="1"/>
+          </p:nvPr>
+        </p:nvSpPr>
+        <p:spPr/>
+        <p:txBody>
+          <a:bodyPr vert="horz" lIns="0" tIns="39683" rIns="0" bIns="39683" rtlCol="0" anchor="t">
+            <a:noAutofit/>
+          </a:bodyPr>
+          <a:lstStyle/>
+          <a:p>
+            <a:pPr marL="457200" indent="-457200">
+              <a:buFont typeface="Arial"/>
+              <a:buChar char="•"/>
+            </a:pPr>
+            <a:r>
+              <a:rPr lang="en-US">
+                <a:cs typeface="Calibri"/>
+              </a:rPr>
+              <a:t>docker-compose.yml file.</a:t>
+            </a:r>
+          </a:p>
+          <a:p>
+            <a:pPr marL="694690" lvl="1" indent="-457200">
+              <a:buFont typeface="Arial"/>
+              <a:buChar char="•"/>
+            </a:pPr>
+            <a:r>
+              <a:rPr lang="en-US">
+                <a:cs typeface="Calibri"/>
+              </a:rPr>
+              <a:t>A docker-compose.yml file is a YAML file that defines how Docker containers should behave in production.</a:t>
+            </a:r>
+            <a:endParaRPr lang="en-US" dirty="0">
+              <a:cs typeface="Calibri"/>
+            </a:endParaRPr>
+          </a:p>
+        </p:txBody>
+      </p:sp>
+      <p:sp>
+        <p:nvSpPr>
+          <p:cNvPr id="4" name="Footer Placeholder 3">
+            <a:extLst>
+              <a:ext uri="{FF2B5EF4-FFF2-40B4-BE49-F238E27FC236}">
+                <a16:creationId xmlns:a16="http://schemas.microsoft.com/office/drawing/2014/main" id="{C1288DBF-C999-455A-8EFB-4836EE0252A6}"/>
+              </a:ext>
+            </a:extLst>
+          </p:cNvPr>
+          <p:cNvSpPr>
+            <a:spLocks noGrp="1"/>
+          </p:cNvSpPr>
+          <p:nvPr>
+            <p:ph type="ftr" sz="quarter" idx="11"/>
+          </p:nvPr>
+        </p:nvSpPr>
+        <p:spPr/>
+        <p:txBody>
+          <a:bodyPr/>
+          <a:lstStyle/>
+          <a:p>
+            <a:r>
+              <a:rPr lang="nl-NL"/>
+              <a:t>* https://kubernetes.io/docs/tasks/tools/install-minikube/</a:t>
+            </a:r>
+          </a:p>
+        </p:txBody>
+      </p:sp>
+      <p:pic>
+        <p:nvPicPr>
+          <p:cNvPr id="5" name="Picture 5" descr="A screenshot of a cell phone&#10;&#10;Description generated with very high confidence">
+            <a:extLst>
+              <a:ext uri="{FF2B5EF4-FFF2-40B4-BE49-F238E27FC236}">
+                <a16:creationId xmlns:a16="http://schemas.microsoft.com/office/drawing/2014/main" id="{68E4926C-C059-4952-8565-F0825FA92FEA}"/>
+              </a:ext>
+            </a:extLst>
+          </p:cNvPr>
+          <p:cNvPicPr>
+            <a:picLocks noChangeAspect="1"/>
+          </p:cNvPicPr>
+          <p:nvPr/>
+        </p:nvPicPr>
+        <p:blipFill>
+          <a:blip r:embed="rId3"/>
+          <a:stretch>
+            <a:fillRect/>
+          </a:stretch>
+        </p:blipFill>
+        <p:spPr>
+          <a:xfrm>
+            <a:off x="798328" y="2897235"/>
+            <a:ext cx="8449502" cy="4249096"/>
+          </a:xfrm>
+          <a:prstGeom prst="rect">
+            <a:avLst/>
+          </a:prstGeom>
+        </p:spPr>
+      </p:pic>
+      <p:sp>
+        <p:nvSpPr>
+          <p:cNvPr id="7" name="TextBox 6">
+            <a:extLst>
+              <a:ext uri="{FF2B5EF4-FFF2-40B4-BE49-F238E27FC236}">
+                <a16:creationId xmlns:a16="http://schemas.microsoft.com/office/drawing/2014/main" id="{96C13D2B-A8C0-4B14-AABB-9C372442176E}"/>
+              </a:ext>
+            </a:extLst>
+          </p:cNvPr>
+          <p:cNvSpPr txBox="1"/>
+          <p:nvPr/>
+        </p:nvSpPr>
+        <p:spPr>
+          <a:xfrm>
+            <a:off x="4630361" y="7066405"/>
+            <a:ext cx="6515509" cy="461665"/>
+          </a:xfrm>
+          <a:prstGeom prst="rect">
+            <a:avLst/>
+          </a:prstGeom>
+        </p:spPr>
+        <p:txBody>
+          <a:bodyPr rot="0" spcFirstLastPara="0" vertOverflow="overflow" horzOverflow="overflow" vert="horz" wrap="square" lIns="91440" tIns="45720" rIns="91440" bIns="45720" numCol="1" spcCol="0" rtlCol="0" fromWordArt="0" anchor="t" anchorCtr="0" forceAA="0" compatLnSpc="1">
+            <a:prstTxWarp prst="textNoShape">
+              <a:avLst/>
+            </a:prstTxWarp>
+            <a:spAutoFit/>
+          </a:bodyPr>
+          <a:lstStyle/>
+          <a:p>
+            <a:r>
+              <a:rPr lang="en-US"/>
+              <a:t>https://docs.docker.com/get-started/part3/</a:t>
+            </a:r>
+          </a:p>
+        </p:txBody>
+      </p:sp>
+    </p:spTree>
+    <p:extLst>
+      <p:ext uri="{BB962C8B-B14F-4D97-AF65-F5344CB8AC3E}">
+        <p14:creationId xmlns:p14="http://schemas.microsoft.com/office/powerpoint/2010/main" val="2413937542"/>
+      </p:ext>
+    </p:extLst>
+  </p:cSld>
+  <p:clrMapOvr>
+    <a:masterClrMapping/>
+  </p:clrMapOvr>
+  <mc:AlternateContent xmlns:mc="http://schemas.openxmlformats.org/markup-compatibility/2006" xmlns:p14="http://schemas.microsoft.com/office/powerpoint/2010/main">
+    <mc:Choice Requires="p14">
+      <p:transition spd="med" p14:dur="700">
+        <p:fade/>
+      </p:transition>
+    </mc:Choice>
+    <mc:Fallback xmlns="">
+      <p:transition xmlns:p14="http://schemas.microsoft.com/office/powerpoint/2010/main" spd="med">
+        <p:fade/>
+      </p:transition>
+    </mc:Fallback>
+  </mc:AlternateContent>
+</p:sld>
+</file>
+
+<file path=ppt/slides/slide15.xml><?xml version="1.0" encoding="utf-8"?>
+<p:sld xmlns:a="http://schemas.openxmlformats.org/drawingml/2006/main" xmlns:r="http://schemas.openxmlformats.org/officeDocument/2006/relationships" xmlns:p="http://schemas.openxmlformats.org/presentationml/2006/main">
+  <p:cSld>
+    <p:spTree>
+      <p:nvGrpSpPr>
+        <p:cNvPr id="1" name=""/>
+        <p:cNvGrpSpPr/>
+        <p:nvPr/>
+      </p:nvGrpSpPr>
+      <p:grpSpPr>
+        <a:xfrm>
+          <a:off x="0" y="0"/>
+          <a:ext cx="0" cy="0"/>
+          <a:chOff x="0" y="0"/>
+          <a:chExt cx="0" cy="0"/>
+        </a:xfrm>
+      </p:grpSpPr>
+      <p:sp>
+        <p:nvSpPr>
+          <p:cNvPr id="136194" name="Rectangle 2"/>
+          <p:cNvSpPr>
+            <a:spLocks noGrp="1" noChangeArrowheads="1"/>
+          </p:cNvSpPr>
+          <p:nvPr>
+            <p:ph type="ctrTitle"/>
+          </p:nvPr>
+        </p:nvSpPr>
+        <p:spPr/>
+        <p:txBody>
+          <a:bodyPr/>
+          <a:lstStyle/>
+          <a:p>
+            <a:r>
+              <a:rPr lang="en-US" dirty="0"/>
+              <a:t>Kubernetes: Production-based container orchestration</a:t>
+            </a:r>
+          </a:p>
+        </p:txBody>
+      </p:sp>
+      <p:sp>
+        <p:nvSpPr>
+          <p:cNvPr id="136195" name="Rectangle 3"/>
+          <p:cNvSpPr>
+            <a:spLocks noGrp="1" noChangeArrowheads="1"/>
+          </p:cNvSpPr>
+          <p:nvPr>
+            <p:ph type="subTitle" idx="1"/>
+          </p:nvPr>
+        </p:nvSpPr>
+        <p:spPr/>
+        <p:txBody>
+          <a:bodyPr vert="horz" lIns="79366" tIns="39683" rIns="79366" bIns="39683" rtlCol="0" anchor="t">
+            <a:noAutofit/>
+          </a:bodyPr>
+          <a:lstStyle/>
+          <a:p>
+            <a:r>
+              <a:rPr lang="en-US" dirty="0"/>
+              <a:t>Distributed computing – Lab Session 2. </a:t>
+            </a:r>
+          </a:p>
+          <a:p>
+            <a:r>
+              <a:rPr lang="en-US" dirty="0"/>
+              <a:t>Paola Soto</a:t>
+            </a:r>
+          </a:p>
+        </p:txBody>
+      </p:sp>
+    </p:spTree>
+  </p:cSld>
+  <p:clrMapOvr>
+    <a:masterClrMapping/>
+  </p:clrMapOvr>
+  <mc:AlternateContent xmlns:mc="http://schemas.openxmlformats.org/markup-compatibility/2006" xmlns:p14="http://schemas.microsoft.com/office/powerpoint/2010/main">
+    <mc:Choice Requires="p14">
+      <p:transition spd="med" p14:dur="700">
+        <p:fade/>
+      </p:transition>
+    </mc:Choice>
+    <mc:Fallback xmlns="">
+      <p:transition xmlns:p14="http://schemas.microsoft.com/office/powerpoint/2010/main" spd="med">
+        <p:fade/>
+      </p:transition>
+    </mc:Fallback>
+  </mc:AlternateContent>
+</p:sld>
+</file>
+
+<file path=ppt/slides/slide16.xml><?xml version="1.0" encoding="utf-8"?>
+<p:sld xmlns:a="http://schemas.openxmlformats.org/drawingml/2006/main" xmlns:r="http://schemas.openxmlformats.org/officeDocument/2006/relationships" xmlns:p="http://schemas.openxmlformats.org/presentationml/2006/main">
+  <p:cSld>
+    <p:spTree>
+      <p:nvGrpSpPr>
+        <p:cNvPr id="1" name=""/>
+        <p:cNvGrpSpPr/>
+        <p:nvPr/>
+      </p:nvGrpSpPr>
+      <p:grpSpPr>
+        <a:xfrm>
+          <a:off x="0" y="0"/>
+          <a:ext cx="0" cy="0"/>
+          <a:chOff x="0" y="0"/>
+          <a:chExt cx="0" cy="0"/>
+        </a:xfrm>
+      </p:grpSpPr>
+      <p:sp>
+        <p:nvSpPr>
           <p:cNvPr id="6" name="Title 5">
             <a:extLst>
               <a:ext uri="{FF2B5EF4-FFF2-40B4-BE49-F238E27FC236}">
@@ -8796,9 +10495,10 @@
           <a:lstStyle/>
           <a:p>
             <a:r>
-              <a:rPr lang="en-US" dirty="0"/>
-              <a:t>Agenda	</a:t>
-            </a:r>
+              <a:rPr lang="en-US"/>
+              <a:t>Agenda (Part 2) </a:t>
+            </a:r>
+            <a:endParaRPr lang="en-US" dirty="0"/>
           </a:p>
         </p:txBody>
       </p:sp>
@@ -8917,7 +10617,7 @@
 </p:sld>
 </file>
 
-<file path=ppt/slides/slide3.xml><?xml version="1.0" encoding="utf-8"?>
+<file path=ppt/slides/slide17.xml><?xml version="1.0" encoding="utf-8"?>
 <p:sld xmlns:a="http://schemas.openxmlformats.org/drawingml/2006/main" xmlns:r="http://schemas.openxmlformats.org/officeDocument/2006/relationships" xmlns:p="http://schemas.openxmlformats.org/presentationml/2006/main">
   <p:cSld>
     <p:spTree>
@@ -9508,6 +11208,2225 @@
 </p:sld>
 </file>
 
+<file path=ppt/slides/slide18.xml><?xml version="1.0" encoding="utf-8"?>
+<p:sld xmlns:a="http://schemas.openxmlformats.org/drawingml/2006/main" xmlns:r="http://schemas.openxmlformats.org/officeDocument/2006/relationships" xmlns:p="http://schemas.openxmlformats.org/presentationml/2006/main">
+  <p:cSld>
+    <p:spTree>
+      <p:nvGrpSpPr>
+        <p:cNvPr id="1" name=""/>
+        <p:cNvGrpSpPr/>
+        <p:nvPr/>
+      </p:nvGrpSpPr>
+      <p:grpSpPr>
+        <a:xfrm>
+          <a:off x="0" y="0"/>
+          <a:ext cx="0" cy="0"/>
+          <a:chOff x="0" y="0"/>
+          <a:chExt cx="0" cy="0"/>
+        </a:xfrm>
+      </p:grpSpPr>
+      <p:sp>
+        <p:nvSpPr>
+          <p:cNvPr id="2" name="Title 1">
+            <a:extLst>
+              <a:ext uri="{FF2B5EF4-FFF2-40B4-BE49-F238E27FC236}">
+                <a16:creationId xmlns:a16="http://schemas.microsoft.com/office/drawing/2014/main" id="{FF94C554-F753-4A4D-85EE-80192E79EBE3}"/>
+              </a:ext>
+            </a:extLst>
+          </p:cNvPr>
+          <p:cNvSpPr>
+            <a:spLocks noGrp="1"/>
+          </p:cNvSpPr>
+          <p:nvPr>
+            <p:ph type="title"/>
+          </p:nvPr>
+        </p:nvSpPr>
+        <p:spPr/>
+        <p:txBody>
+          <a:bodyPr/>
+          <a:lstStyle/>
+          <a:p>
+            <a:r>
+              <a:rPr lang="en-US" dirty="0"/>
+              <a:t>K8s architecture	</a:t>
+            </a:r>
+          </a:p>
+        </p:txBody>
+      </p:sp>
+      <p:sp>
+        <p:nvSpPr>
+          <p:cNvPr id="3" name="Content Placeholder 2">
+            <a:extLst>
+              <a:ext uri="{FF2B5EF4-FFF2-40B4-BE49-F238E27FC236}">
+                <a16:creationId xmlns:a16="http://schemas.microsoft.com/office/drawing/2014/main" id="{B50ABA72-4BCE-7C43-A895-2BFFC6208A24}"/>
+              </a:ext>
+            </a:extLst>
+          </p:cNvPr>
+          <p:cNvSpPr>
+            <a:spLocks noGrp="1"/>
+          </p:cNvSpPr>
+          <p:nvPr>
+            <p:ph idx="1"/>
+          </p:nvPr>
+        </p:nvSpPr>
+        <p:spPr>
+          <a:xfrm>
+            <a:off x="594819" y="1331565"/>
+            <a:ext cx="8890988" cy="5396768"/>
+          </a:xfrm>
+        </p:spPr>
+        <p:txBody>
+          <a:bodyPr/>
+          <a:lstStyle/>
+          <a:p>
+            <a:r>
+              <a:rPr lang="en-US" dirty="0"/>
+              <a:t>In a simple cluster creation we have a hierarchical infrastructure. </a:t>
+            </a:r>
+          </a:p>
+          <a:p>
+            <a:endParaRPr lang="en-US" dirty="0"/>
+          </a:p>
+          <a:p>
+            <a:endParaRPr lang="en-US" dirty="0"/>
+          </a:p>
+          <a:p>
+            <a:endParaRPr lang="en-US" dirty="0"/>
+          </a:p>
+          <a:p>
+            <a:endParaRPr lang="en-US" dirty="0"/>
+          </a:p>
+          <a:p>
+            <a:r>
+              <a:rPr lang="en-US" dirty="0"/>
+              <a:t>Master node is in charge of the control plane of the cluster (decisions like scheduling, failure handling, scaling in/out).</a:t>
+            </a:r>
+          </a:p>
+          <a:p>
+            <a:r>
+              <a:rPr lang="en-US" dirty="0"/>
+              <a:t>Workers/ nodes are responsible for keeping the containerized applications running. </a:t>
+            </a:r>
+          </a:p>
+        </p:txBody>
+      </p:sp>
+      <p:graphicFrame>
+        <p:nvGraphicFramePr>
+          <p:cNvPr id="5" name="Diagram 4">
+            <a:extLst>
+              <a:ext uri="{FF2B5EF4-FFF2-40B4-BE49-F238E27FC236}">
+                <a16:creationId xmlns:a16="http://schemas.microsoft.com/office/drawing/2014/main" id="{67DDCEA0-1BAE-6842-9473-D6B4E203C6C9}"/>
+              </a:ext>
+            </a:extLst>
+          </p:cNvPr>
+          <p:cNvGraphicFramePr/>
+          <p:nvPr>
+            <p:extLst>
+              <p:ext uri="{D42A27DB-BD31-4B8C-83A1-F6EECF244321}">
+                <p14:modId xmlns:p14="http://schemas.microsoft.com/office/powerpoint/2010/main" val="3632963083"/>
+              </p:ext>
+            </p:extLst>
+          </p:nvPr>
+        </p:nvGraphicFramePr>
+        <p:xfrm>
+          <a:off x="4661271" y="1619597"/>
+          <a:ext cx="4824535" cy="3104234"/>
+        </p:xfrm>
+        <a:graphic>
+          <a:graphicData uri="http://schemas.openxmlformats.org/drawingml/2006/diagram">
+            <dgm:relIds xmlns:dgm="http://schemas.openxmlformats.org/drawingml/2006/diagram" xmlns:r="http://schemas.openxmlformats.org/officeDocument/2006/relationships" r:dm="rId2" r:lo="rId3" r:qs="rId4" r:cs="rId5"/>
+          </a:graphicData>
+        </a:graphic>
+      </p:graphicFrame>
+      <p:sp>
+        <p:nvSpPr>
+          <p:cNvPr id="6" name="Footer Placeholder 5">
+            <a:extLst>
+              <a:ext uri="{FF2B5EF4-FFF2-40B4-BE49-F238E27FC236}">
+                <a16:creationId xmlns:a16="http://schemas.microsoft.com/office/drawing/2014/main" id="{33BACC7A-2E4A-A644-B003-03E6AE87765B}"/>
+              </a:ext>
+            </a:extLst>
+          </p:cNvPr>
+          <p:cNvSpPr>
+            <a:spLocks noGrp="1"/>
+          </p:cNvSpPr>
+          <p:nvPr>
+            <p:ph type="ftr" sz="quarter" idx="11"/>
+          </p:nvPr>
+        </p:nvSpPr>
+        <p:spPr/>
+        <p:txBody>
+          <a:bodyPr/>
+          <a:lstStyle/>
+          <a:p>
+            <a:r>
+              <a:rPr lang="nl-NL"/>
+              <a:t>* https://kubernetes.io/docs/tasks/tools/install-minikube/</a:t>
+            </a:r>
+          </a:p>
+        </p:txBody>
+      </p:sp>
+    </p:spTree>
+    <p:extLst>
+      <p:ext uri="{BB962C8B-B14F-4D97-AF65-F5344CB8AC3E}">
+        <p14:creationId xmlns:p14="http://schemas.microsoft.com/office/powerpoint/2010/main" val="3210006319"/>
+      </p:ext>
+    </p:extLst>
+  </p:cSld>
+  <p:clrMapOvr>
+    <a:masterClrMapping/>
+  </p:clrMapOvr>
+  <mc:AlternateContent xmlns:mc="http://schemas.openxmlformats.org/markup-compatibility/2006" xmlns:p14="http://schemas.microsoft.com/office/powerpoint/2010/main">
+    <mc:Choice Requires="p14">
+      <p:transition spd="med" p14:dur="700">
+        <p:fade/>
+      </p:transition>
+    </mc:Choice>
+    <mc:Fallback xmlns="">
+      <p:transition xmlns:p14="http://schemas.microsoft.com/office/powerpoint/2010/main" spd="med">
+        <p:fade/>
+      </p:transition>
+    </mc:Fallback>
+  </mc:AlternateContent>
+</p:sld>
+</file>
+
+<file path=ppt/slides/slide19.xml><?xml version="1.0" encoding="utf-8"?>
+<p:sld xmlns:a="http://schemas.openxmlformats.org/drawingml/2006/main" xmlns:r="http://schemas.openxmlformats.org/officeDocument/2006/relationships" xmlns:p="http://schemas.openxmlformats.org/presentationml/2006/main">
+  <p:cSld>
+    <p:spTree>
+      <p:nvGrpSpPr>
+        <p:cNvPr id="1" name=""/>
+        <p:cNvGrpSpPr/>
+        <p:nvPr/>
+      </p:nvGrpSpPr>
+      <p:grpSpPr>
+        <a:xfrm>
+          <a:off x="0" y="0"/>
+          <a:ext cx="0" cy="0"/>
+          <a:chOff x="0" y="0"/>
+          <a:chExt cx="0" cy="0"/>
+        </a:xfrm>
+      </p:grpSpPr>
+      <p:sp>
+        <p:nvSpPr>
+          <p:cNvPr id="2" name="Title 1">
+            <a:extLst>
+              <a:ext uri="{FF2B5EF4-FFF2-40B4-BE49-F238E27FC236}">
+                <a16:creationId xmlns:a16="http://schemas.microsoft.com/office/drawing/2014/main" id="{CF25CD01-1128-294C-A088-EE2E16EDA42B}"/>
+              </a:ext>
+            </a:extLst>
+          </p:cNvPr>
+          <p:cNvSpPr>
+            <a:spLocks noGrp="1"/>
+          </p:cNvSpPr>
+          <p:nvPr>
+            <p:ph type="title"/>
+          </p:nvPr>
+        </p:nvSpPr>
+        <p:spPr/>
+        <p:txBody>
+          <a:bodyPr/>
+          <a:lstStyle/>
+          <a:p>
+            <a:r>
+              <a:rPr lang="en-US" dirty="0"/>
+              <a:t>K8s architecture – Master Components</a:t>
+            </a:r>
+            <a:r>
+              <a:rPr lang="en-US" baseline="30000" dirty="0"/>
+              <a:t>1</a:t>
+            </a:r>
+          </a:p>
+        </p:txBody>
+      </p:sp>
+      <p:sp>
+        <p:nvSpPr>
+          <p:cNvPr id="3" name="Content Placeholder 2">
+            <a:extLst>
+              <a:ext uri="{FF2B5EF4-FFF2-40B4-BE49-F238E27FC236}">
+                <a16:creationId xmlns:a16="http://schemas.microsoft.com/office/drawing/2014/main" id="{B5B566F7-13B5-BA4B-B21D-AAD6A2CA0D88}"/>
+              </a:ext>
+            </a:extLst>
+          </p:cNvPr>
+          <p:cNvSpPr>
+            <a:spLocks noGrp="1"/>
+          </p:cNvSpPr>
+          <p:nvPr>
+            <p:ph idx="1"/>
+          </p:nvPr>
+        </p:nvSpPr>
+        <p:spPr>
+          <a:xfrm>
+            <a:off x="594818" y="4643933"/>
+            <a:ext cx="8890988" cy="1927029"/>
+          </a:xfrm>
+        </p:spPr>
+        <p:txBody>
+          <a:bodyPr/>
+          <a:lstStyle/>
+          <a:p>
+            <a:r>
+              <a:rPr lang="en-US" dirty="0" err="1"/>
+              <a:t>Apiserver</a:t>
+            </a:r>
+            <a:r>
+              <a:rPr lang="en-US" dirty="0"/>
+              <a:t>: exposes the k8s API to interact with the cluster. </a:t>
+            </a:r>
+          </a:p>
+          <a:p>
+            <a:r>
+              <a:rPr lang="en-US" dirty="0" err="1"/>
+              <a:t>Etcd</a:t>
+            </a:r>
+            <a:r>
+              <a:rPr lang="en-US" dirty="0"/>
+              <a:t>: key, value store for storing cluster data. </a:t>
+            </a:r>
+          </a:p>
+          <a:p>
+            <a:r>
+              <a:rPr lang="en-US" dirty="0"/>
+              <a:t>Controller manager: centralizes information and take decisions. </a:t>
+            </a:r>
+          </a:p>
+          <a:p>
+            <a:r>
+              <a:rPr lang="en-US" dirty="0"/>
+              <a:t>Scheduler: selects where the containers will run. </a:t>
+            </a:r>
+          </a:p>
+          <a:p>
+            <a:endParaRPr lang="en-US" dirty="0"/>
+          </a:p>
+        </p:txBody>
+      </p:sp>
+      <p:pic>
+        <p:nvPicPr>
+          <p:cNvPr id="9" name="Picture 8" descr="A close up of a map&#10;&#10;Description automatically generated">
+            <a:extLst>
+              <a:ext uri="{FF2B5EF4-FFF2-40B4-BE49-F238E27FC236}">
+                <a16:creationId xmlns:a16="http://schemas.microsoft.com/office/drawing/2014/main" id="{6DE4BACC-1B82-F84A-B5B9-4DF26A0F4094}"/>
+              </a:ext>
+            </a:extLst>
+          </p:cNvPr>
+          <p:cNvPicPr>
+            <a:picLocks noChangeAspect="1"/>
+          </p:cNvPicPr>
+          <p:nvPr/>
+        </p:nvPicPr>
+        <p:blipFill>
+          <a:blip r:embed="rId2">
+            <a:extLst>
+              <a:ext uri="{28A0092B-C50C-407E-A947-70E740481C1C}">
+                <a14:useLocalDpi xmlns:a14="http://schemas.microsoft.com/office/drawing/2010/main" val="0"/>
+              </a:ext>
+            </a:extLst>
+          </a:blip>
+          <a:stretch>
+            <a:fillRect/>
+          </a:stretch>
+        </p:blipFill>
+        <p:spPr>
+          <a:xfrm>
+            <a:off x="594818" y="1152767"/>
+            <a:ext cx="8890988" cy="3636415"/>
+          </a:xfrm>
+          <a:prstGeom prst="rect">
+            <a:avLst/>
+          </a:prstGeom>
+        </p:spPr>
+      </p:pic>
+      <p:sp>
+        <p:nvSpPr>
+          <p:cNvPr id="10" name="Footer Placeholder 9">
+            <a:extLst>
+              <a:ext uri="{FF2B5EF4-FFF2-40B4-BE49-F238E27FC236}">
+                <a16:creationId xmlns:a16="http://schemas.microsoft.com/office/drawing/2014/main" id="{DC217910-FCBC-E644-9994-33AE64E55960}"/>
+              </a:ext>
+            </a:extLst>
+          </p:cNvPr>
+          <p:cNvSpPr>
+            <a:spLocks noGrp="1"/>
+          </p:cNvSpPr>
+          <p:nvPr>
+            <p:ph type="ftr" sz="quarter" idx="11"/>
+          </p:nvPr>
+        </p:nvSpPr>
+        <p:spPr>
+          <a:xfrm>
+            <a:off x="2808064" y="7233520"/>
+            <a:ext cx="6280823" cy="74709"/>
+          </a:xfrm>
+        </p:spPr>
+        <p:txBody>
+          <a:bodyPr/>
+          <a:lstStyle/>
+          <a:p>
+            <a:r>
+              <a:rPr lang="nl-NL" dirty="0">
+                <a:solidFill>
+                  <a:schemeClr val="tx2"/>
+                </a:solidFill>
+              </a:rPr>
+              <a:t>1. </a:t>
+            </a:r>
+            <a:r>
+              <a:rPr lang="nl-NL" dirty="0" err="1">
+                <a:solidFill>
+                  <a:schemeClr val="tx2"/>
+                </a:solidFill>
+              </a:rPr>
+              <a:t>https</a:t>
+            </a:r>
+            <a:r>
+              <a:rPr lang="nl-NL" dirty="0">
+                <a:solidFill>
+                  <a:schemeClr val="tx2"/>
+                </a:solidFill>
+              </a:rPr>
+              <a:t>://</a:t>
+            </a:r>
+            <a:r>
+              <a:rPr lang="nl-NL" dirty="0" err="1">
+                <a:solidFill>
+                  <a:schemeClr val="tx2"/>
+                </a:solidFill>
+              </a:rPr>
+              <a:t>kubernetes.io</a:t>
+            </a:r>
+            <a:r>
+              <a:rPr lang="nl-NL" dirty="0">
+                <a:solidFill>
+                  <a:schemeClr val="tx2"/>
+                </a:solidFill>
+              </a:rPr>
+              <a:t>/</a:t>
+            </a:r>
+            <a:r>
+              <a:rPr lang="nl-NL" dirty="0" err="1">
+                <a:solidFill>
+                  <a:schemeClr val="tx2"/>
+                </a:solidFill>
+              </a:rPr>
+              <a:t>docs</a:t>
+            </a:r>
+            <a:r>
+              <a:rPr lang="nl-NL" dirty="0">
+                <a:solidFill>
+                  <a:schemeClr val="tx2"/>
+                </a:solidFill>
+              </a:rPr>
+              <a:t>/</a:t>
+            </a:r>
+            <a:r>
+              <a:rPr lang="nl-NL" dirty="0" err="1">
+                <a:solidFill>
+                  <a:schemeClr val="tx2"/>
+                </a:solidFill>
+              </a:rPr>
+              <a:t>concepts</a:t>
+            </a:r>
+            <a:r>
+              <a:rPr lang="nl-NL" dirty="0">
+                <a:solidFill>
+                  <a:schemeClr val="tx2"/>
+                </a:solidFill>
+              </a:rPr>
+              <a:t>/</a:t>
+            </a:r>
+            <a:r>
+              <a:rPr lang="nl-NL" dirty="0" err="1">
+                <a:solidFill>
+                  <a:schemeClr val="tx2"/>
+                </a:solidFill>
+              </a:rPr>
+              <a:t>overview</a:t>
+            </a:r>
+            <a:r>
+              <a:rPr lang="nl-NL" dirty="0">
+                <a:solidFill>
+                  <a:schemeClr val="tx2"/>
+                </a:solidFill>
+              </a:rPr>
+              <a:t>/</a:t>
+            </a:r>
+            <a:r>
+              <a:rPr lang="nl-NL" dirty="0" err="1">
+                <a:solidFill>
+                  <a:schemeClr val="tx2"/>
+                </a:solidFill>
+              </a:rPr>
+              <a:t>components</a:t>
+            </a:r>
+            <a:r>
+              <a:rPr lang="nl-NL" dirty="0">
+                <a:solidFill>
+                  <a:schemeClr val="tx2"/>
+                </a:solidFill>
+              </a:rPr>
+              <a:t>/#master-</a:t>
+            </a:r>
+            <a:r>
+              <a:rPr lang="nl-NL" dirty="0" err="1">
+                <a:solidFill>
+                  <a:schemeClr val="tx2"/>
+                </a:solidFill>
+              </a:rPr>
+              <a:t>components</a:t>
+            </a:r>
+            <a:endParaRPr lang="nl-NL" dirty="0">
+              <a:solidFill>
+                <a:schemeClr val="tx2"/>
+              </a:solidFill>
+            </a:endParaRPr>
+          </a:p>
+        </p:txBody>
+      </p:sp>
+    </p:spTree>
+    <p:extLst>
+      <p:ext uri="{BB962C8B-B14F-4D97-AF65-F5344CB8AC3E}">
+        <p14:creationId xmlns:p14="http://schemas.microsoft.com/office/powerpoint/2010/main" val="1397220145"/>
+      </p:ext>
+    </p:extLst>
+  </p:cSld>
+  <p:clrMapOvr>
+    <a:masterClrMapping/>
+  </p:clrMapOvr>
+  <mc:AlternateContent xmlns:mc="http://schemas.openxmlformats.org/markup-compatibility/2006" xmlns:p14="http://schemas.microsoft.com/office/powerpoint/2010/main">
+    <mc:Choice Requires="p14">
+      <p:transition spd="med" p14:dur="700">
+        <p:fade/>
+      </p:transition>
+    </mc:Choice>
+    <mc:Fallback xmlns="">
+      <p:transition xmlns:p14="http://schemas.microsoft.com/office/powerpoint/2010/main" spd="med">
+        <p:fade/>
+      </p:transition>
+    </mc:Fallback>
+  </mc:AlternateContent>
+</p:sld>
+</file>
+
+<file path=ppt/slides/slide2.xml><?xml version="1.0" encoding="utf-8"?>
+<p:sld xmlns:a="http://schemas.openxmlformats.org/drawingml/2006/main" xmlns:r="http://schemas.openxmlformats.org/officeDocument/2006/relationships" xmlns:p="http://schemas.openxmlformats.org/presentationml/2006/main">
+  <p:cSld>
+    <p:spTree>
+      <p:nvGrpSpPr>
+        <p:cNvPr id="1" name=""/>
+        <p:cNvGrpSpPr/>
+        <p:nvPr/>
+      </p:nvGrpSpPr>
+      <p:grpSpPr>
+        <a:xfrm>
+          <a:off x="0" y="0"/>
+          <a:ext cx="0" cy="0"/>
+          <a:chOff x="0" y="0"/>
+          <a:chExt cx="0" cy="0"/>
+        </a:xfrm>
+      </p:grpSpPr>
+      <p:sp>
+        <p:nvSpPr>
+          <p:cNvPr id="4" name="Title 3">
+            <a:extLst>
+              <a:ext uri="{FF2B5EF4-FFF2-40B4-BE49-F238E27FC236}">
+                <a16:creationId xmlns:a16="http://schemas.microsoft.com/office/drawing/2014/main" id="{E9C88060-A0CA-4E83-BE2D-01DB17699C12}"/>
+              </a:ext>
+            </a:extLst>
+          </p:cNvPr>
+          <p:cNvSpPr>
+            <a:spLocks noGrp="1"/>
+          </p:cNvSpPr>
+          <p:nvPr>
+            <p:ph type="title"/>
+          </p:nvPr>
+        </p:nvSpPr>
+        <p:spPr/>
+        <p:txBody>
+          <a:bodyPr/>
+          <a:lstStyle/>
+          <a:p>
+            <a:r>
+              <a:rPr lang="en-US">
+                <a:cs typeface="Calibri"/>
+              </a:rPr>
+              <a:t>Agenda (Part 1)</a:t>
+            </a:r>
+            <a:endParaRPr lang="en-US"/>
+          </a:p>
+        </p:txBody>
+      </p:sp>
+      <p:sp>
+        <p:nvSpPr>
+          <p:cNvPr id="5" name="Subtitle 4">
+            <a:extLst>
+              <a:ext uri="{FF2B5EF4-FFF2-40B4-BE49-F238E27FC236}">
+                <a16:creationId xmlns:a16="http://schemas.microsoft.com/office/drawing/2014/main" id="{55F1589A-9AA0-40F7-9E92-5949B18AAD4D}"/>
+              </a:ext>
+            </a:extLst>
+          </p:cNvPr>
+          <p:cNvSpPr>
+            <a:spLocks noGrp="1"/>
+          </p:cNvSpPr>
+          <p:nvPr>
+            <p:ph idx="1"/>
+          </p:nvPr>
+        </p:nvSpPr>
+        <p:spPr/>
+        <p:txBody>
+          <a:bodyPr vert="horz" lIns="0" tIns="39683" rIns="0" bIns="39683" rtlCol="0" anchor="t">
+            <a:noAutofit/>
+          </a:bodyPr>
+          <a:lstStyle/>
+          <a:p>
+            <a:pPr marL="457200" indent="-457200">
+              <a:buFont typeface="Arial"/>
+              <a:buChar char="•"/>
+            </a:pPr>
+            <a:r>
+              <a:rPr lang="en-US">
+                <a:cs typeface="Calibri"/>
+              </a:rPr>
+              <a:t>Introduction to Docker</a:t>
+            </a:r>
+            <a:endParaRPr lang="en-US"/>
+          </a:p>
+          <a:p>
+            <a:pPr marL="457200" indent="-457200">
+              <a:buFont typeface="Arial"/>
+              <a:buChar char="•"/>
+            </a:pPr>
+            <a:r>
+              <a:rPr lang="en-US">
+                <a:cs typeface="Calibri"/>
+              </a:rPr>
+              <a:t>Building your first container</a:t>
+            </a:r>
+            <a:endParaRPr lang="en-US" dirty="0">
+              <a:cs typeface="Calibri"/>
+            </a:endParaRPr>
+          </a:p>
+          <a:p>
+            <a:pPr marL="457200" indent="-457200">
+              <a:buFont typeface="Arial"/>
+              <a:buChar char="•"/>
+            </a:pPr>
+            <a:r>
+              <a:rPr lang="en-US">
+                <a:cs typeface="Calibri"/>
+              </a:rPr>
+              <a:t>Services with Docker</a:t>
+            </a:r>
+            <a:endParaRPr lang="en-US" dirty="0">
+              <a:cs typeface="Calibri"/>
+            </a:endParaRPr>
+          </a:p>
+          <a:p>
+            <a:pPr marL="457200" indent="-457200">
+              <a:buFont typeface="Arial"/>
+              <a:buChar char="•"/>
+            </a:pPr>
+            <a:endParaRPr lang="en-US" dirty="0">
+              <a:cs typeface="Calibri"/>
+            </a:endParaRPr>
+          </a:p>
+        </p:txBody>
+      </p:sp>
+    </p:spTree>
+    <p:extLst>
+      <p:ext uri="{BB962C8B-B14F-4D97-AF65-F5344CB8AC3E}">
+        <p14:creationId xmlns:p14="http://schemas.microsoft.com/office/powerpoint/2010/main" val="3300047162"/>
+      </p:ext>
+    </p:extLst>
+  </p:cSld>
+  <p:clrMapOvr>
+    <a:masterClrMapping/>
+  </p:clrMapOvr>
+  <mc:AlternateContent xmlns:mc="http://schemas.openxmlformats.org/markup-compatibility/2006" xmlns:p14="http://schemas.microsoft.com/office/powerpoint/2010/main">
+    <mc:Choice Requires="p14">
+      <p:transition spd="med" p14:dur="700">
+        <p:fade/>
+      </p:transition>
+    </mc:Choice>
+    <mc:Fallback xmlns="">
+      <p:transition xmlns:p14="http://schemas.microsoft.com/office/powerpoint/2010/main" spd="med">
+        <p:fade/>
+      </p:transition>
+    </mc:Fallback>
+  </mc:AlternateContent>
+</p:sld>
+</file>
+
+<file path=ppt/slides/slide20.xml><?xml version="1.0" encoding="utf-8"?>
+<p:sld xmlns:a="http://schemas.openxmlformats.org/drawingml/2006/main" xmlns:r="http://schemas.openxmlformats.org/officeDocument/2006/relationships" xmlns:p="http://schemas.openxmlformats.org/presentationml/2006/main">
+  <p:cSld>
+    <p:spTree>
+      <p:nvGrpSpPr>
+        <p:cNvPr id="1" name=""/>
+        <p:cNvGrpSpPr/>
+        <p:nvPr/>
+      </p:nvGrpSpPr>
+      <p:grpSpPr>
+        <a:xfrm>
+          <a:off x="0" y="0"/>
+          <a:ext cx="0" cy="0"/>
+          <a:chOff x="0" y="0"/>
+          <a:chExt cx="0" cy="0"/>
+        </a:xfrm>
+      </p:grpSpPr>
+      <p:sp>
+        <p:nvSpPr>
+          <p:cNvPr id="2" name="Title 1">
+            <a:extLst>
+              <a:ext uri="{FF2B5EF4-FFF2-40B4-BE49-F238E27FC236}">
+                <a16:creationId xmlns:a16="http://schemas.microsoft.com/office/drawing/2014/main" id="{CF25CD01-1128-294C-A088-EE2E16EDA42B}"/>
+              </a:ext>
+            </a:extLst>
+          </p:cNvPr>
+          <p:cNvSpPr>
+            <a:spLocks noGrp="1"/>
+          </p:cNvSpPr>
+          <p:nvPr>
+            <p:ph type="title"/>
+          </p:nvPr>
+        </p:nvSpPr>
+        <p:spPr/>
+        <p:txBody>
+          <a:bodyPr/>
+          <a:lstStyle/>
+          <a:p>
+            <a:r>
+              <a:rPr lang="en-US" dirty="0"/>
+              <a:t>K8s architecture – Node Components</a:t>
+            </a:r>
+            <a:r>
+              <a:rPr lang="en-US" baseline="30000" dirty="0"/>
+              <a:t>2</a:t>
+            </a:r>
+          </a:p>
+        </p:txBody>
+      </p:sp>
+      <p:sp>
+        <p:nvSpPr>
+          <p:cNvPr id="3" name="Content Placeholder 2">
+            <a:extLst>
+              <a:ext uri="{FF2B5EF4-FFF2-40B4-BE49-F238E27FC236}">
+                <a16:creationId xmlns:a16="http://schemas.microsoft.com/office/drawing/2014/main" id="{B5B566F7-13B5-BA4B-B21D-AAD6A2CA0D88}"/>
+              </a:ext>
+            </a:extLst>
+          </p:cNvPr>
+          <p:cNvSpPr>
+            <a:spLocks noGrp="1"/>
+          </p:cNvSpPr>
+          <p:nvPr>
+            <p:ph idx="1"/>
+          </p:nvPr>
+        </p:nvSpPr>
+        <p:spPr>
+          <a:xfrm>
+            <a:off x="594819" y="4789182"/>
+            <a:ext cx="8890988" cy="1927029"/>
+          </a:xfrm>
+        </p:spPr>
+        <p:txBody>
+          <a:bodyPr/>
+          <a:lstStyle/>
+          <a:p>
+            <a:r>
+              <a:rPr lang="en-US" dirty="0" err="1"/>
+              <a:t>Kubelet</a:t>
+            </a:r>
+            <a:r>
+              <a:rPr lang="en-US" dirty="0"/>
+              <a:t>: agent that makes sure the containers run.</a:t>
+            </a:r>
+          </a:p>
+          <a:p>
+            <a:r>
+              <a:rPr lang="en-US" dirty="0"/>
+              <a:t>Proxy: handles cluster networking. </a:t>
+            </a:r>
+          </a:p>
+          <a:p>
+            <a:r>
+              <a:rPr lang="en-US" dirty="0"/>
+              <a:t>Container runtime: responsible for running containers. </a:t>
+            </a:r>
+          </a:p>
+        </p:txBody>
+      </p:sp>
+      <p:pic>
+        <p:nvPicPr>
+          <p:cNvPr id="9" name="Picture 8" descr="A close up of a map&#10;&#10;Description automatically generated">
+            <a:extLst>
+              <a:ext uri="{FF2B5EF4-FFF2-40B4-BE49-F238E27FC236}">
+                <a16:creationId xmlns:a16="http://schemas.microsoft.com/office/drawing/2014/main" id="{6DE4BACC-1B82-F84A-B5B9-4DF26A0F4094}"/>
+              </a:ext>
+            </a:extLst>
+          </p:cNvPr>
+          <p:cNvPicPr>
+            <a:picLocks noChangeAspect="1"/>
+          </p:cNvPicPr>
+          <p:nvPr/>
+        </p:nvPicPr>
+        <p:blipFill>
+          <a:blip r:embed="rId2">
+            <a:extLst>
+              <a:ext uri="{28A0092B-C50C-407E-A947-70E740481C1C}">
+                <a14:useLocalDpi xmlns:a14="http://schemas.microsoft.com/office/drawing/2010/main" val="0"/>
+              </a:ext>
+            </a:extLst>
+          </a:blip>
+          <a:stretch>
+            <a:fillRect/>
+          </a:stretch>
+        </p:blipFill>
+        <p:spPr>
+          <a:xfrm>
+            <a:off x="327742" y="1043533"/>
+            <a:ext cx="9158064" cy="3745649"/>
+          </a:xfrm>
+          <a:prstGeom prst="rect">
+            <a:avLst/>
+          </a:prstGeom>
+        </p:spPr>
+      </p:pic>
+      <p:sp>
+        <p:nvSpPr>
+          <p:cNvPr id="5" name="Footer Placeholder 4">
+            <a:extLst>
+              <a:ext uri="{FF2B5EF4-FFF2-40B4-BE49-F238E27FC236}">
+                <a16:creationId xmlns:a16="http://schemas.microsoft.com/office/drawing/2014/main" id="{514C9E22-8A1A-4F45-8EE1-A880AC2DEA5A}"/>
+              </a:ext>
+            </a:extLst>
+          </p:cNvPr>
+          <p:cNvSpPr>
+            <a:spLocks noGrp="1"/>
+          </p:cNvSpPr>
+          <p:nvPr>
+            <p:ph type="ftr" sz="quarter" idx="11"/>
+          </p:nvPr>
+        </p:nvSpPr>
+        <p:spPr>
+          <a:xfrm>
+            <a:off x="2952080" y="7233520"/>
+            <a:ext cx="6136807" cy="197589"/>
+          </a:xfrm>
+        </p:spPr>
+        <p:txBody>
+          <a:bodyPr/>
+          <a:lstStyle/>
+          <a:p>
+            <a:r>
+              <a:rPr lang="nl-NL" dirty="0">
+                <a:solidFill>
+                  <a:schemeClr val="tx2"/>
+                </a:solidFill>
+              </a:rPr>
+              <a:t>2. </a:t>
+            </a:r>
+            <a:r>
+              <a:rPr lang="nl-NL" dirty="0" err="1">
+                <a:solidFill>
+                  <a:schemeClr val="tx2"/>
+                </a:solidFill>
+              </a:rPr>
+              <a:t>https</a:t>
+            </a:r>
+            <a:r>
+              <a:rPr lang="nl-NL" dirty="0">
+                <a:solidFill>
+                  <a:schemeClr val="tx2"/>
+                </a:solidFill>
+              </a:rPr>
+              <a:t>://</a:t>
+            </a:r>
+            <a:r>
+              <a:rPr lang="nl-NL" dirty="0" err="1">
+                <a:solidFill>
+                  <a:schemeClr val="tx2"/>
+                </a:solidFill>
+              </a:rPr>
+              <a:t>kubernetes.io</a:t>
+            </a:r>
+            <a:r>
+              <a:rPr lang="nl-NL" dirty="0">
+                <a:solidFill>
+                  <a:schemeClr val="tx2"/>
+                </a:solidFill>
+              </a:rPr>
+              <a:t>/</a:t>
+            </a:r>
+            <a:r>
+              <a:rPr lang="nl-NL" dirty="0" err="1">
+                <a:solidFill>
+                  <a:schemeClr val="tx2"/>
+                </a:solidFill>
+              </a:rPr>
+              <a:t>docs</a:t>
+            </a:r>
+            <a:r>
+              <a:rPr lang="nl-NL" dirty="0">
+                <a:solidFill>
+                  <a:schemeClr val="tx2"/>
+                </a:solidFill>
+              </a:rPr>
+              <a:t>/</a:t>
+            </a:r>
+            <a:r>
+              <a:rPr lang="nl-NL" dirty="0" err="1">
+                <a:solidFill>
+                  <a:schemeClr val="tx2"/>
+                </a:solidFill>
+              </a:rPr>
+              <a:t>concepts</a:t>
+            </a:r>
+            <a:r>
+              <a:rPr lang="nl-NL" dirty="0">
+                <a:solidFill>
+                  <a:schemeClr val="tx2"/>
+                </a:solidFill>
+              </a:rPr>
+              <a:t>/</a:t>
+            </a:r>
+            <a:r>
+              <a:rPr lang="nl-NL" dirty="0" err="1">
+                <a:solidFill>
+                  <a:schemeClr val="tx2"/>
+                </a:solidFill>
+              </a:rPr>
+              <a:t>overview</a:t>
+            </a:r>
+            <a:r>
+              <a:rPr lang="nl-NL" dirty="0">
+                <a:solidFill>
+                  <a:schemeClr val="tx2"/>
+                </a:solidFill>
+              </a:rPr>
+              <a:t>/</a:t>
+            </a:r>
+            <a:r>
+              <a:rPr lang="nl-NL" dirty="0" err="1">
+                <a:solidFill>
+                  <a:schemeClr val="tx2"/>
+                </a:solidFill>
+              </a:rPr>
+              <a:t>components</a:t>
+            </a:r>
+            <a:r>
+              <a:rPr lang="nl-NL" dirty="0">
+                <a:solidFill>
+                  <a:schemeClr val="tx2"/>
+                </a:solidFill>
+              </a:rPr>
+              <a:t>/#node-</a:t>
+            </a:r>
+            <a:r>
+              <a:rPr lang="nl-NL" dirty="0" err="1">
+                <a:solidFill>
+                  <a:schemeClr val="tx2"/>
+                </a:solidFill>
+              </a:rPr>
+              <a:t>components</a:t>
+            </a:r>
+            <a:endParaRPr lang="nl-NL" dirty="0">
+              <a:solidFill>
+                <a:schemeClr val="tx2"/>
+              </a:solidFill>
+            </a:endParaRPr>
+          </a:p>
+        </p:txBody>
+      </p:sp>
+    </p:spTree>
+    <p:extLst>
+      <p:ext uri="{BB962C8B-B14F-4D97-AF65-F5344CB8AC3E}">
+        <p14:creationId xmlns:p14="http://schemas.microsoft.com/office/powerpoint/2010/main" val="1558887878"/>
+      </p:ext>
+    </p:extLst>
+  </p:cSld>
+  <p:clrMapOvr>
+    <a:masterClrMapping/>
+  </p:clrMapOvr>
+  <mc:AlternateContent xmlns:mc="http://schemas.openxmlformats.org/markup-compatibility/2006" xmlns:p14="http://schemas.microsoft.com/office/powerpoint/2010/main">
+    <mc:Choice Requires="p14">
+      <p:transition spd="med" p14:dur="700">
+        <p:fade/>
+      </p:transition>
+    </mc:Choice>
+    <mc:Fallback xmlns="">
+      <p:transition xmlns:p14="http://schemas.microsoft.com/office/powerpoint/2010/main" spd="med">
+        <p:fade/>
+      </p:transition>
+    </mc:Fallback>
+  </mc:AlternateContent>
+</p:sld>
+</file>
+
+<file path=ppt/slides/slide21.xml><?xml version="1.0" encoding="utf-8"?>
+<p:sld xmlns:a="http://schemas.openxmlformats.org/drawingml/2006/main" xmlns:r="http://schemas.openxmlformats.org/officeDocument/2006/relationships" xmlns:p="http://schemas.openxmlformats.org/presentationml/2006/main">
+  <p:cSld>
+    <p:spTree>
+      <p:nvGrpSpPr>
+        <p:cNvPr id="1" name=""/>
+        <p:cNvGrpSpPr/>
+        <p:nvPr/>
+      </p:nvGrpSpPr>
+      <p:grpSpPr>
+        <a:xfrm>
+          <a:off x="0" y="0"/>
+          <a:ext cx="0" cy="0"/>
+          <a:chOff x="0" y="0"/>
+          <a:chExt cx="0" cy="0"/>
+        </a:xfrm>
+      </p:grpSpPr>
+      <p:sp>
+        <p:nvSpPr>
+          <p:cNvPr id="2" name="Title 1">
+            <a:extLst>
+              <a:ext uri="{FF2B5EF4-FFF2-40B4-BE49-F238E27FC236}">
+                <a16:creationId xmlns:a16="http://schemas.microsoft.com/office/drawing/2014/main" id="{026837A5-F265-BC46-8FA8-C38D9BD25274}"/>
+              </a:ext>
+            </a:extLst>
+          </p:cNvPr>
+          <p:cNvSpPr>
+            <a:spLocks noGrp="1"/>
+          </p:cNvSpPr>
+          <p:nvPr>
+            <p:ph type="title"/>
+          </p:nvPr>
+        </p:nvSpPr>
+        <p:spPr/>
+        <p:txBody>
+          <a:bodyPr/>
+          <a:lstStyle/>
+          <a:p>
+            <a:r>
+              <a:rPr lang="en-US" dirty="0"/>
+              <a:t>Clusters in Kubernetes</a:t>
+            </a:r>
+            <a:r>
+              <a:rPr lang="en-US" baseline="30000" dirty="0"/>
+              <a:t>3</a:t>
+            </a:r>
+          </a:p>
+        </p:txBody>
+      </p:sp>
+      <p:sp>
+        <p:nvSpPr>
+          <p:cNvPr id="3" name="Content Placeholder 2">
+            <a:extLst>
+              <a:ext uri="{FF2B5EF4-FFF2-40B4-BE49-F238E27FC236}">
+                <a16:creationId xmlns:a16="http://schemas.microsoft.com/office/drawing/2014/main" id="{3FF7EC1F-3F2B-8F40-BE0F-B615725D4189}"/>
+              </a:ext>
+            </a:extLst>
+          </p:cNvPr>
+          <p:cNvSpPr>
+            <a:spLocks noGrp="1"/>
+          </p:cNvSpPr>
+          <p:nvPr>
+            <p:ph idx="1"/>
+          </p:nvPr>
+        </p:nvSpPr>
+        <p:spPr/>
+        <p:txBody>
+          <a:bodyPr/>
+          <a:lstStyle/>
+          <a:p>
+            <a:r>
+              <a:rPr lang="en-US" dirty="0"/>
+              <a:t>Kick the tires: </a:t>
+            </a:r>
+          </a:p>
+          <a:p>
+            <a:r>
+              <a:rPr lang="en-US" dirty="0"/>
+              <a:t>	- Single-node k8s cluster with </a:t>
+            </a:r>
+            <a:r>
+              <a:rPr lang="en-US" dirty="0" err="1"/>
+              <a:t>minikube</a:t>
+            </a:r>
+            <a:r>
+              <a:rPr lang="en-US" dirty="0"/>
+              <a:t>. </a:t>
+            </a:r>
+          </a:p>
+          <a:p>
+            <a:r>
+              <a:rPr lang="en-US" dirty="0"/>
+              <a:t>	- Multi-node k8s cluster with docker-in-docker (</a:t>
+            </a:r>
+            <a:r>
+              <a:rPr lang="en-US" dirty="0" err="1"/>
+              <a:t>dind</a:t>
+            </a:r>
+            <a:r>
+              <a:rPr lang="en-US" dirty="0"/>
+              <a:t>)</a:t>
+            </a:r>
+          </a:p>
+          <a:p>
+            <a:r>
+              <a:rPr lang="en-US" dirty="0"/>
+              <a:t>Hosted solutions:</a:t>
+            </a:r>
+          </a:p>
+          <a:p>
+            <a:r>
+              <a:rPr lang="en-US" dirty="0"/>
+              <a:t>	- Amazon Elastic Container Service for Kubernetes. </a:t>
+            </a:r>
+          </a:p>
+          <a:p>
+            <a:r>
+              <a:rPr lang="en-US" dirty="0"/>
+              <a:t>	- Azure Kubernetes Service (AKS). </a:t>
+            </a:r>
+          </a:p>
+          <a:p>
+            <a:r>
+              <a:rPr lang="en-US" dirty="0"/>
+              <a:t>	- Google Kubernetes Engine (GKE)</a:t>
+            </a:r>
+          </a:p>
+          <a:p>
+            <a:r>
+              <a:rPr lang="en-US" dirty="0"/>
+              <a:t>Custom solutions:</a:t>
+            </a:r>
+          </a:p>
+          <a:p>
+            <a:r>
+              <a:rPr lang="en-US" dirty="0"/>
+              <a:t>	- </a:t>
+            </a:r>
+            <a:r>
+              <a:rPr lang="en-US" dirty="0" err="1"/>
+              <a:t>kubeadm</a:t>
+            </a:r>
+            <a:r>
+              <a:rPr lang="en-US" dirty="0"/>
+              <a:t>: multi-node, single-master cluster. </a:t>
+            </a:r>
+          </a:p>
+          <a:p>
+            <a:r>
+              <a:rPr lang="en-US" dirty="0"/>
+              <a:t>	- </a:t>
+            </a:r>
+            <a:r>
+              <a:rPr lang="en-US" dirty="0" err="1"/>
+              <a:t>kubefed</a:t>
+            </a:r>
+            <a:r>
+              <a:rPr lang="en-US" dirty="0"/>
+              <a:t>: Manage multiple clusters</a:t>
+            </a:r>
+          </a:p>
+        </p:txBody>
+      </p:sp>
+      <p:sp>
+        <p:nvSpPr>
+          <p:cNvPr id="5" name="Footer Placeholder 4">
+            <a:extLst>
+              <a:ext uri="{FF2B5EF4-FFF2-40B4-BE49-F238E27FC236}">
+                <a16:creationId xmlns:a16="http://schemas.microsoft.com/office/drawing/2014/main" id="{996F8446-4D73-1D46-9A59-CA993C1CF6B4}"/>
+              </a:ext>
+            </a:extLst>
+          </p:cNvPr>
+          <p:cNvSpPr>
+            <a:spLocks noGrp="1"/>
+          </p:cNvSpPr>
+          <p:nvPr>
+            <p:ph type="ftr" sz="quarter" idx="11"/>
+          </p:nvPr>
+        </p:nvSpPr>
+        <p:spPr>
+          <a:xfrm>
+            <a:off x="4824288" y="7233520"/>
+            <a:ext cx="4264599" cy="197589"/>
+          </a:xfrm>
+        </p:spPr>
+        <p:txBody>
+          <a:bodyPr/>
+          <a:lstStyle/>
+          <a:p>
+            <a:r>
+              <a:rPr lang="nl-NL" dirty="0">
+                <a:solidFill>
+                  <a:schemeClr val="tx2"/>
+                </a:solidFill>
+              </a:rPr>
+              <a:t>3. </a:t>
+            </a:r>
+            <a:r>
+              <a:rPr lang="nl-NL" dirty="0" err="1">
+                <a:solidFill>
+                  <a:schemeClr val="tx2"/>
+                </a:solidFill>
+              </a:rPr>
+              <a:t>https</a:t>
+            </a:r>
+            <a:r>
+              <a:rPr lang="nl-NL" dirty="0">
+                <a:solidFill>
+                  <a:schemeClr val="tx2"/>
+                </a:solidFill>
+              </a:rPr>
+              <a:t>://</a:t>
+            </a:r>
+            <a:r>
+              <a:rPr lang="nl-NL" dirty="0" err="1">
+                <a:solidFill>
+                  <a:schemeClr val="tx2"/>
+                </a:solidFill>
+              </a:rPr>
+              <a:t>kubernetes.io</a:t>
+            </a:r>
+            <a:r>
+              <a:rPr lang="nl-NL" dirty="0">
+                <a:solidFill>
+                  <a:schemeClr val="tx2"/>
+                </a:solidFill>
+              </a:rPr>
+              <a:t>/</a:t>
+            </a:r>
+            <a:r>
+              <a:rPr lang="nl-NL" dirty="0" err="1">
+                <a:solidFill>
+                  <a:schemeClr val="tx2"/>
+                </a:solidFill>
+              </a:rPr>
+              <a:t>docs</a:t>
+            </a:r>
+            <a:r>
+              <a:rPr lang="nl-NL" dirty="0">
+                <a:solidFill>
+                  <a:schemeClr val="tx2"/>
+                </a:solidFill>
+              </a:rPr>
+              <a:t>/setup/</a:t>
+            </a:r>
+            <a:r>
+              <a:rPr lang="nl-NL" dirty="0" err="1">
+                <a:solidFill>
+                  <a:schemeClr val="tx2"/>
+                </a:solidFill>
+              </a:rPr>
+              <a:t>pick</a:t>
+            </a:r>
+            <a:r>
+              <a:rPr lang="nl-NL" dirty="0">
+                <a:solidFill>
+                  <a:schemeClr val="tx2"/>
+                </a:solidFill>
+              </a:rPr>
+              <a:t>-right-solution/</a:t>
+            </a:r>
+          </a:p>
+        </p:txBody>
+      </p:sp>
+    </p:spTree>
+    <p:extLst>
+      <p:ext uri="{BB962C8B-B14F-4D97-AF65-F5344CB8AC3E}">
+        <p14:creationId xmlns:p14="http://schemas.microsoft.com/office/powerpoint/2010/main" val="2678384151"/>
+      </p:ext>
+    </p:extLst>
+  </p:cSld>
+  <p:clrMapOvr>
+    <a:masterClrMapping/>
+  </p:clrMapOvr>
+  <mc:AlternateContent xmlns:mc="http://schemas.openxmlformats.org/markup-compatibility/2006" xmlns:p14="http://schemas.microsoft.com/office/powerpoint/2010/main">
+    <mc:Choice Requires="p14">
+      <p:transition spd="med" p14:dur="700">
+        <p:fade/>
+      </p:transition>
+    </mc:Choice>
+    <mc:Fallback xmlns="">
+      <p:transition xmlns:p14="http://schemas.microsoft.com/office/powerpoint/2010/main" spd="med">
+        <p:fade/>
+      </p:transition>
+    </mc:Fallback>
+  </mc:AlternateContent>
+</p:sld>
+</file>
+
+<file path=ppt/slides/slide22.xml><?xml version="1.0" encoding="utf-8"?>
+<p:sld xmlns:a="http://schemas.openxmlformats.org/drawingml/2006/main" xmlns:r="http://schemas.openxmlformats.org/officeDocument/2006/relationships" xmlns:p="http://schemas.openxmlformats.org/presentationml/2006/main">
+  <p:cSld>
+    <p:spTree>
+      <p:nvGrpSpPr>
+        <p:cNvPr id="1" name=""/>
+        <p:cNvGrpSpPr/>
+        <p:nvPr/>
+      </p:nvGrpSpPr>
+      <p:grpSpPr>
+        <a:xfrm>
+          <a:off x="0" y="0"/>
+          <a:ext cx="0" cy="0"/>
+          <a:chOff x="0" y="0"/>
+          <a:chExt cx="0" cy="0"/>
+        </a:xfrm>
+      </p:grpSpPr>
+      <p:sp>
+        <p:nvSpPr>
+          <p:cNvPr id="2" name="Title 1">
+            <a:extLst>
+              <a:ext uri="{FF2B5EF4-FFF2-40B4-BE49-F238E27FC236}">
+                <a16:creationId xmlns:a16="http://schemas.microsoft.com/office/drawing/2014/main" id="{9DB9D517-05E2-D347-A779-7B263AA06B38}"/>
+              </a:ext>
+            </a:extLst>
+          </p:cNvPr>
+          <p:cNvSpPr>
+            <a:spLocks noGrp="1"/>
+          </p:cNvSpPr>
+          <p:nvPr>
+            <p:ph type="title"/>
+          </p:nvPr>
+        </p:nvSpPr>
+        <p:spPr/>
+        <p:txBody>
+          <a:bodyPr/>
+          <a:lstStyle/>
+          <a:p>
+            <a:r>
+              <a:rPr lang="en-US" dirty="0"/>
+              <a:t>Kubernetes objects</a:t>
+            </a:r>
+            <a:r>
+              <a:rPr lang="en-US" baseline="30000" dirty="0"/>
+              <a:t>4</a:t>
+            </a:r>
+          </a:p>
+        </p:txBody>
+      </p:sp>
+      <p:sp>
+        <p:nvSpPr>
+          <p:cNvPr id="3" name="Content Placeholder 2">
+            <a:extLst>
+              <a:ext uri="{FF2B5EF4-FFF2-40B4-BE49-F238E27FC236}">
+                <a16:creationId xmlns:a16="http://schemas.microsoft.com/office/drawing/2014/main" id="{46C83BD9-0789-B64D-8BE1-CD5375F631D0}"/>
+              </a:ext>
+            </a:extLst>
+          </p:cNvPr>
+          <p:cNvSpPr>
+            <a:spLocks noGrp="1"/>
+          </p:cNvSpPr>
+          <p:nvPr>
+            <p:ph idx="1"/>
+          </p:nvPr>
+        </p:nvSpPr>
+        <p:spPr>
+          <a:xfrm>
+            <a:off x="594819" y="1319444"/>
+            <a:ext cx="8890988" cy="3684529"/>
+          </a:xfrm>
+        </p:spPr>
+        <p:txBody>
+          <a:bodyPr/>
+          <a:lstStyle/>
+          <a:p>
+            <a:r>
+              <a:rPr lang="en-US" dirty="0"/>
+              <a:t>Persistent entities that describe the state of the cluster. </a:t>
+            </a:r>
+          </a:p>
+          <a:p>
+            <a:r>
+              <a:rPr lang="en-US" dirty="0" err="1"/>
+              <a:t>ObjectSpec</a:t>
+            </a:r>
+            <a:r>
+              <a:rPr lang="en-US" dirty="0"/>
+              <a:t>:</a:t>
+            </a:r>
+          </a:p>
+          <a:p>
+            <a:r>
+              <a:rPr lang="en-US" dirty="0"/>
+              <a:t>	- Specifies the desired state of an object. </a:t>
+            </a:r>
+          </a:p>
+          <a:p>
+            <a:r>
+              <a:rPr lang="en-US" dirty="0"/>
+              <a:t>	- Normally written in .</a:t>
+            </a:r>
+            <a:r>
+              <a:rPr lang="en-US" dirty="0" err="1"/>
+              <a:t>yaml</a:t>
+            </a:r>
+            <a:r>
+              <a:rPr lang="en-US" dirty="0"/>
+              <a:t>. </a:t>
+            </a:r>
+          </a:p>
+          <a:p>
+            <a:r>
+              <a:rPr lang="en-US" dirty="0"/>
+              <a:t>	- Provided by user.</a:t>
+            </a:r>
+          </a:p>
+          <a:p>
+            <a:r>
+              <a:rPr lang="en-US" dirty="0"/>
+              <a:t>The Kubernetes system deploys the desired state and update the cluster status accordingly.  </a:t>
+            </a:r>
+          </a:p>
+          <a:p>
+            <a:endParaRPr lang="en-US" dirty="0"/>
+          </a:p>
+          <a:p>
+            <a:endParaRPr lang="en-US" dirty="0"/>
+          </a:p>
+        </p:txBody>
+      </p:sp>
+      <p:sp>
+        <p:nvSpPr>
+          <p:cNvPr id="4" name="Footer Placeholder 3">
+            <a:extLst>
+              <a:ext uri="{FF2B5EF4-FFF2-40B4-BE49-F238E27FC236}">
+                <a16:creationId xmlns:a16="http://schemas.microsoft.com/office/drawing/2014/main" id="{684BE59D-27C3-2C4B-A1F0-8C41ECE9D7EB}"/>
+              </a:ext>
+            </a:extLst>
+          </p:cNvPr>
+          <p:cNvSpPr>
+            <a:spLocks noGrp="1"/>
+          </p:cNvSpPr>
+          <p:nvPr>
+            <p:ph type="ftr" sz="quarter" idx="11"/>
+          </p:nvPr>
+        </p:nvSpPr>
+        <p:spPr>
+          <a:xfrm>
+            <a:off x="2448024" y="6804174"/>
+            <a:ext cx="6640863" cy="504056"/>
+          </a:xfrm>
+        </p:spPr>
+        <p:txBody>
+          <a:bodyPr/>
+          <a:lstStyle/>
+          <a:p>
+            <a:r>
+              <a:rPr lang="nl-NL" dirty="0">
+                <a:solidFill>
+                  <a:schemeClr val="tx2"/>
+                </a:solidFill>
+              </a:rPr>
+              <a:t>4. </a:t>
+            </a:r>
+            <a:r>
+              <a:rPr lang="nl-NL" dirty="0">
+                <a:solidFill>
+                  <a:schemeClr val="tx2"/>
+                </a:solidFill>
+                <a:hlinkClick r:id="rId2"/>
+              </a:rPr>
+              <a:t>https://kubernetes.io/docs/concepts/overview/working-with-objects/kubernetes-objects/</a:t>
+            </a:r>
+            <a:endParaRPr lang="nl-NL" dirty="0">
+              <a:solidFill>
+                <a:schemeClr val="tx2"/>
+              </a:solidFill>
+            </a:endParaRPr>
+          </a:p>
+          <a:p>
+            <a:r>
+              <a:rPr lang="nl-NL" dirty="0">
+                <a:solidFill>
+                  <a:schemeClr val="tx2"/>
+                </a:solidFill>
+                <a:hlinkClick r:id="rId3"/>
+              </a:rPr>
+              <a:t>https://kubernetes.io/docs/concepts/#kubernetes-objects</a:t>
+            </a:r>
+            <a:r>
+              <a:rPr lang="nl-NL" dirty="0">
+                <a:solidFill>
+                  <a:schemeClr val="tx2"/>
+                </a:solidFill>
+              </a:rPr>
+              <a:t> </a:t>
+            </a:r>
+          </a:p>
+        </p:txBody>
+      </p:sp>
+    </p:spTree>
+    <p:extLst>
+      <p:ext uri="{BB962C8B-B14F-4D97-AF65-F5344CB8AC3E}">
+        <p14:creationId xmlns:p14="http://schemas.microsoft.com/office/powerpoint/2010/main" val="3203177684"/>
+      </p:ext>
+    </p:extLst>
+  </p:cSld>
+  <p:clrMapOvr>
+    <a:masterClrMapping/>
+  </p:clrMapOvr>
+  <mc:AlternateContent xmlns:mc="http://schemas.openxmlformats.org/markup-compatibility/2006" xmlns:p14="http://schemas.microsoft.com/office/powerpoint/2010/main">
+    <mc:Choice Requires="p14">
+      <p:transition spd="med" p14:dur="700">
+        <p:fade/>
+      </p:transition>
+    </mc:Choice>
+    <mc:Fallback xmlns="">
+      <p:transition xmlns:p14="http://schemas.microsoft.com/office/powerpoint/2010/main" spd="med">
+        <p:fade/>
+      </p:transition>
+    </mc:Fallback>
+  </mc:AlternateContent>
+</p:sld>
+</file>
+
+<file path=ppt/slides/slide23.xml><?xml version="1.0" encoding="utf-8"?>
+<p:sld xmlns:a="http://schemas.openxmlformats.org/drawingml/2006/main" xmlns:r="http://schemas.openxmlformats.org/officeDocument/2006/relationships" xmlns:p="http://schemas.openxmlformats.org/presentationml/2006/main">
+  <p:cSld>
+    <p:spTree>
+      <p:nvGrpSpPr>
+        <p:cNvPr id="1" name=""/>
+        <p:cNvGrpSpPr/>
+        <p:nvPr/>
+      </p:nvGrpSpPr>
+      <p:grpSpPr>
+        <a:xfrm>
+          <a:off x="0" y="0"/>
+          <a:ext cx="0" cy="0"/>
+          <a:chOff x="0" y="0"/>
+          <a:chExt cx="0" cy="0"/>
+        </a:xfrm>
+      </p:grpSpPr>
+      <p:sp>
+        <p:nvSpPr>
+          <p:cNvPr id="2" name="Title 1">
+            <a:extLst>
+              <a:ext uri="{FF2B5EF4-FFF2-40B4-BE49-F238E27FC236}">
+                <a16:creationId xmlns:a16="http://schemas.microsoft.com/office/drawing/2014/main" id="{1F6A27DF-20F1-5D4E-BBC5-9DC7E88FC8E8}"/>
+              </a:ext>
+            </a:extLst>
+          </p:cNvPr>
+          <p:cNvSpPr>
+            <a:spLocks noGrp="1"/>
+          </p:cNvSpPr>
+          <p:nvPr>
+            <p:ph type="title"/>
+          </p:nvPr>
+        </p:nvSpPr>
+        <p:spPr/>
+        <p:txBody>
+          <a:bodyPr/>
+          <a:lstStyle/>
+          <a:p>
+            <a:r>
+              <a:rPr lang="en-US" dirty="0"/>
+              <a:t>Exercises</a:t>
+            </a:r>
+          </a:p>
+        </p:txBody>
+      </p:sp>
+      <p:sp>
+        <p:nvSpPr>
+          <p:cNvPr id="3" name="Content Placeholder 2">
+            <a:extLst>
+              <a:ext uri="{FF2B5EF4-FFF2-40B4-BE49-F238E27FC236}">
+                <a16:creationId xmlns:a16="http://schemas.microsoft.com/office/drawing/2014/main" id="{B81B8481-FD44-CB4C-A68D-3ABE90E02D71}"/>
+              </a:ext>
+            </a:extLst>
+          </p:cNvPr>
+          <p:cNvSpPr>
+            <a:spLocks noGrp="1"/>
+          </p:cNvSpPr>
+          <p:nvPr>
+            <p:ph idx="1"/>
+          </p:nvPr>
+        </p:nvSpPr>
+        <p:spPr>
+          <a:xfrm>
+            <a:off x="600251" y="1331565"/>
+            <a:ext cx="8890988" cy="5396768"/>
+          </a:xfrm>
+        </p:spPr>
+        <p:txBody>
+          <a:bodyPr/>
+          <a:lstStyle/>
+          <a:p>
+            <a:pPr marL="514350" indent="-514350">
+              <a:buAutoNum type="arabicPeriod"/>
+            </a:pPr>
+            <a:r>
+              <a:rPr lang="en-US" dirty="0"/>
+              <a:t>Install Minikube</a:t>
+            </a:r>
+            <a:r>
+              <a:rPr lang="en-US" baseline="30000" dirty="0"/>
+              <a:t>5</a:t>
+            </a:r>
+          </a:p>
+          <a:p>
+            <a:pPr marL="514350" indent="-514350">
+              <a:buAutoNum type="arabicPeriod"/>
+            </a:pPr>
+            <a:r>
+              <a:rPr lang="en-US" dirty="0"/>
+              <a:t>Deploy an app</a:t>
+            </a:r>
+            <a:r>
+              <a:rPr lang="en-US" baseline="30000" dirty="0"/>
+              <a:t>6</a:t>
+            </a:r>
+            <a:r>
+              <a:rPr lang="en-US" dirty="0"/>
+              <a:t> </a:t>
+            </a:r>
+          </a:p>
+          <a:p>
+            <a:pPr marL="514350" indent="-514350">
+              <a:buAutoNum type="arabicPeriod"/>
+            </a:pPr>
+            <a:r>
+              <a:rPr lang="en-US" dirty="0"/>
+              <a:t>Create a service</a:t>
+            </a:r>
+            <a:r>
+              <a:rPr lang="en-US" baseline="30000" dirty="0"/>
+              <a:t>7</a:t>
+            </a:r>
+          </a:p>
+          <a:p>
+            <a:pPr marL="514350" indent="-514350">
+              <a:buAutoNum type="arabicPeriod"/>
+            </a:pPr>
+            <a:r>
+              <a:rPr lang="en-US" dirty="0"/>
+              <a:t>Pull an image from private repository</a:t>
+            </a:r>
+            <a:r>
+              <a:rPr lang="en-US" baseline="30000" dirty="0"/>
+              <a:t>8</a:t>
+            </a:r>
+            <a:r>
+              <a:rPr lang="en-US" dirty="0"/>
+              <a:t> </a:t>
+            </a:r>
+          </a:p>
+          <a:p>
+            <a:pPr marL="514350" indent="-514350">
+              <a:buAutoNum type="arabicPeriod"/>
+            </a:pPr>
+            <a:endParaRPr lang="en-US" dirty="0"/>
+          </a:p>
+          <a:p>
+            <a:pPr marL="514350" indent="-514350">
+              <a:buAutoNum type="arabicPeriod"/>
+            </a:pPr>
+            <a:endParaRPr lang="en-US" dirty="0"/>
+          </a:p>
+        </p:txBody>
+      </p:sp>
+      <p:sp>
+        <p:nvSpPr>
+          <p:cNvPr id="5" name="Footer Placeholder 4">
+            <a:extLst>
+              <a:ext uri="{FF2B5EF4-FFF2-40B4-BE49-F238E27FC236}">
+                <a16:creationId xmlns:a16="http://schemas.microsoft.com/office/drawing/2014/main" id="{C4071C2E-2D1B-2146-9BA8-CD448A0D0241}"/>
+              </a:ext>
+            </a:extLst>
+          </p:cNvPr>
+          <p:cNvSpPr>
+            <a:spLocks noGrp="1"/>
+          </p:cNvSpPr>
+          <p:nvPr>
+            <p:ph type="ftr" sz="quarter" idx="11"/>
+          </p:nvPr>
+        </p:nvSpPr>
+        <p:spPr>
+          <a:xfrm>
+            <a:off x="2520032" y="6228110"/>
+            <a:ext cx="6568855" cy="1080120"/>
+          </a:xfrm>
+        </p:spPr>
+        <p:txBody>
+          <a:bodyPr/>
+          <a:lstStyle/>
+          <a:p>
+            <a:r>
+              <a:rPr lang="nl-NL" dirty="0">
+                <a:solidFill>
+                  <a:schemeClr val="tx2"/>
+                </a:solidFill>
+              </a:rPr>
+              <a:t>5. </a:t>
+            </a:r>
+            <a:r>
+              <a:rPr lang="nl-NL" dirty="0">
+                <a:solidFill>
+                  <a:schemeClr val="tx2"/>
+                </a:solidFill>
+                <a:hlinkClick r:id="rId2"/>
+              </a:rPr>
+              <a:t>https://kubernetes.io/docs/tasks/tools/install-minikube/</a:t>
+            </a:r>
+            <a:endParaRPr lang="nl-NL" dirty="0">
+              <a:solidFill>
+                <a:schemeClr val="tx2"/>
+              </a:solidFill>
+            </a:endParaRPr>
+          </a:p>
+          <a:p>
+            <a:r>
+              <a:rPr lang="nl-NL" dirty="0">
+                <a:solidFill>
+                  <a:schemeClr val="tx2"/>
+                </a:solidFill>
+              </a:rPr>
+              <a:t>6. </a:t>
+            </a:r>
+            <a:r>
+              <a:rPr lang="nl-NL" dirty="0">
+                <a:solidFill>
+                  <a:schemeClr val="tx2"/>
+                </a:solidFill>
+                <a:hlinkClick r:id="rId3"/>
+              </a:rPr>
+              <a:t>https://kubernetes.io/docs/tutorials/kubernetes-basics/deploy-app/deploy-intro/</a:t>
+            </a:r>
+            <a:endParaRPr lang="nl-NL" dirty="0">
+              <a:solidFill>
+                <a:schemeClr val="tx2"/>
+              </a:solidFill>
+            </a:endParaRPr>
+          </a:p>
+          <a:p>
+            <a:r>
+              <a:rPr lang="nl-NL" dirty="0">
+                <a:solidFill>
+                  <a:schemeClr val="tx2"/>
+                </a:solidFill>
+              </a:rPr>
+              <a:t>7. </a:t>
+            </a:r>
+            <a:r>
+              <a:rPr lang="nl-NL" dirty="0">
+                <a:solidFill>
+                  <a:schemeClr val="tx2"/>
+                </a:solidFill>
+                <a:hlinkClick r:id="rId4"/>
+              </a:rPr>
+              <a:t>https://kubernetes.io/docs/tutorials/kubernetes-basics/expose/expose-intro/</a:t>
+            </a:r>
+            <a:endParaRPr lang="nl-NL" dirty="0">
+              <a:solidFill>
+                <a:schemeClr val="tx2"/>
+              </a:solidFill>
+            </a:endParaRPr>
+          </a:p>
+          <a:p>
+            <a:r>
+              <a:rPr lang="nl-NL" dirty="0">
+                <a:solidFill>
+                  <a:schemeClr val="tx2"/>
+                </a:solidFill>
+              </a:rPr>
+              <a:t>8. </a:t>
+            </a:r>
+            <a:r>
+              <a:rPr lang="nl-NL" dirty="0">
+                <a:solidFill>
+                  <a:schemeClr val="tx2"/>
+                </a:solidFill>
+                <a:hlinkClick r:id="rId5"/>
+              </a:rPr>
+              <a:t>https://kubernetes.io/docs/tasks/configure-pod-container/pull-image-private-registry/</a:t>
+            </a:r>
+            <a:endParaRPr lang="nl-NL" dirty="0">
+              <a:solidFill>
+                <a:schemeClr val="tx2"/>
+              </a:solidFill>
+            </a:endParaRPr>
+          </a:p>
+        </p:txBody>
+      </p:sp>
+    </p:spTree>
+    <p:extLst>
+      <p:ext uri="{BB962C8B-B14F-4D97-AF65-F5344CB8AC3E}">
+        <p14:creationId xmlns:p14="http://schemas.microsoft.com/office/powerpoint/2010/main" val="3647384977"/>
+      </p:ext>
+    </p:extLst>
+  </p:cSld>
+  <p:clrMapOvr>
+    <a:masterClrMapping/>
+  </p:clrMapOvr>
+  <mc:AlternateContent xmlns:mc="http://schemas.openxmlformats.org/markup-compatibility/2006" xmlns:p14="http://schemas.microsoft.com/office/powerpoint/2010/main">
+    <mc:Choice Requires="p14">
+      <p:transition spd="med" p14:dur="700">
+        <p:fade/>
+      </p:transition>
+    </mc:Choice>
+    <mc:Fallback xmlns="">
+      <p:transition xmlns:p14="http://schemas.microsoft.com/office/powerpoint/2010/main" spd="med">
+        <p:fade/>
+      </p:transition>
+    </mc:Fallback>
+  </mc:AlternateContent>
+</p:sld>
+</file>
+
+<file path=ppt/slides/slide24.xml><?xml version="1.0" encoding="utf-8"?>
+<p:sld xmlns:a="http://schemas.openxmlformats.org/drawingml/2006/main" xmlns:r="http://schemas.openxmlformats.org/officeDocument/2006/relationships" xmlns:p="http://schemas.openxmlformats.org/presentationml/2006/main">
+  <p:cSld>
+    <p:spTree>
+      <p:nvGrpSpPr>
+        <p:cNvPr id="1" name=""/>
+        <p:cNvGrpSpPr/>
+        <p:nvPr/>
+      </p:nvGrpSpPr>
+      <p:grpSpPr>
+        <a:xfrm>
+          <a:off x="0" y="0"/>
+          <a:ext cx="0" cy="0"/>
+          <a:chOff x="0" y="0"/>
+          <a:chExt cx="0" cy="0"/>
+        </a:xfrm>
+      </p:grpSpPr>
+      <p:sp>
+        <p:nvSpPr>
+          <p:cNvPr id="2" name="Title 1">
+            <a:extLst>
+              <a:ext uri="{FF2B5EF4-FFF2-40B4-BE49-F238E27FC236}">
+                <a16:creationId xmlns:a16="http://schemas.microsoft.com/office/drawing/2014/main" id="{2E89CA6A-001E-0A49-A89A-8241E16F93C9}"/>
+              </a:ext>
+            </a:extLst>
+          </p:cNvPr>
+          <p:cNvSpPr>
+            <a:spLocks noGrp="1"/>
+          </p:cNvSpPr>
+          <p:nvPr>
+            <p:ph type="title"/>
+          </p:nvPr>
+        </p:nvSpPr>
+        <p:spPr/>
+        <p:txBody>
+          <a:bodyPr/>
+          <a:lstStyle/>
+          <a:p>
+            <a:r>
+              <a:rPr lang="en-US" dirty="0"/>
+              <a:t>More Resources	</a:t>
+            </a:r>
+          </a:p>
+        </p:txBody>
+      </p:sp>
+      <p:sp>
+        <p:nvSpPr>
+          <p:cNvPr id="3" name="Content Placeholder 2">
+            <a:extLst>
+              <a:ext uri="{FF2B5EF4-FFF2-40B4-BE49-F238E27FC236}">
+                <a16:creationId xmlns:a16="http://schemas.microsoft.com/office/drawing/2014/main" id="{D13A0023-D348-F74A-96BB-D8A6B7016E83}"/>
+              </a:ext>
+            </a:extLst>
+          </p:cNvPr>
+          <p:cNvSpPr>
+            <a:spLocks noGrp="1"/>
+          </p:cNvSpPr>
+          <p:nvPr>
+            <p:ph idx="1"/>
+          </p:nvPr>
+        </p:nvSpPr>
+        <p:spPr/>
+        <p:txBody>
+          <a:bodyPr/>
+          <a:lstStyle/>
+          <a:p>
+            <a:pPr marL="514350" indent="-514350">
+              <a:buFont typeface="+mj-lt"/>
+              <a:buAutoNum type="arabicPeriod"/>
+            </a:pPr>
+            <a:r>
+              <a:rPr lang="en-US" dirty="0"/>
+              <a:t>Kubernetes documentation. Available online: </a:t>
+            </a:r>
+            <a:r>
+              <a:rPr lang="en-US" dirty="0">
+                <a:hlinkClick r:id="rId2"/>
+              </a:rPr>
+              <a:t>https://kubernetes.io/docs/home/</a:t>
+            </a:r>
+            <a:r>
+              <a:rPr lang="en-US" dirty="0"/>
+              <a:t> [accessed: 04/03/2019]</a:t>
+            </a:r>
+          </a:p>
+          <a:p>
+            <a:pPr marL="514350" indent="-514350">
+              <a:buFont typeface="+mj-lt"/>
+              <a:buAutoNum type="arabicPeriod"/>
+            </a:pPr>
+            <a:r>
+              <a:rPr lang="en-US" dirty="0"/>
+              <a:t>Borg, omega and Kubernetes. B. Burns et al. Available online: </a:t>
+            </a:r>
+            <a:r>
+              <a:rPr lang="en-US" dirty="0">
+                <a:hlinkClick r:id="rId3"/>
+              </a:rPr>
+              <a:t>https://storage.googleapis.com/pub-tools-public-publication-data/pdf/44843.pdf</a:t>
+            </a:r>
+            <a:r>
+              <a:rPr lang="en-US" dirty="0"/>
+              <a:t> [accessed: 04/03/2019]</a:t>
+            </a:r>
+          </a:p>
+          <a:p>
+            <a:pPr marL="514350" indent="-514350">
+              <a:buFont typeface="+mj-lt"/>
+              <a:buAutoNum type="arabicPeriod"/>
+            </a:pPr>
+            <a:r>
+              <a:rPr lang="en-US" dirty="0"/>
+              <a:t>Containers and cloud: From LXC to Docker to Kubernetes. D. Bernstein. Available online: </a:t>
+            </a:r>
+            <a:r>
+              <a:rPr lang="en-US" dirty="0">
+                <a:hlinkClick r:id="rId4"/>
+              </a:rPr>
+              <a:t>http://www.ce.uniroma2.it/courses/sdcc1617/articoli/bernstein_cc2014.pdf</a:t>
+            </a:r>
+            <a:r>
+              <a:rPr lang="en-US" dirty="0"/>
+              <a:t> [accessed: 04/03/2019]</a:t>
+            </a:r>
+          </a:p>
+        </p:txBody>
+      </p:sp>
+      <p:sp>
+        <p:nvSpPr>
+          <p:cNvPr id="4" name="Footer Placeholder 3">
+            <a:extLst>
+              <a:ext uri="{FF2B5EF4-FFF2-40B4-BE49-F238E27FC236}">
+                <a16:creationId xmlns:a16="http://schemas.microsoft.com/office/drawing/2014/main" id="{41959FB4-A542-8046-99AD-7C11657A988C}"/>
+              </a:ext>
+            </a:extLst>
+          </p:cNvPr>
+          <p:cNvSpPr>
+            <a:spLocks noGrp="1"/>
+          </p:cNvSpPr>
+          <p:nvPr>
+            <p:ph type="ftr" sz="quarter" idx="11"/>
+          </p:nvPr>
+        </p:nvSpPr>
+        <p:spPr/>
+        <p:txBody>
+          <a:bodyPr/>
+          <a:lstStyle/>
+          <a:p>
+            <a:r>
+              <a:rPr lang="nl-NL"/>
+              <a:t>* https://kubernetes.io/docs/tasks/tools/install-minikube/</a:t>
+            </a:r>
+          </a:p>
+        </p:txBody>
+      </p:sp>
+    </p:spTree>
+    <p:extLst>
+      <p:ext uri="{BB962C8B-B14F-4D97-AF65-F5344CB8AC3E}">
+        <p14:creationId xmlns:p14="http://schemas.microsoft.com/office/powerpoint/2010/main" val="1433732494"/>
+      </p:ext>
+    </p:extLst>
+  </p:cSld>
+  <p:clrMapOvr>
+    <a:masterClrMapping/>
+  </p:clrMapOvr>
+  <mc:AlternateContent xmlns:mc="http://schemas.openxmlformats.org/markup-compatibility/2006" xmlns:p14="http://schemas.microsoft.com/office/powerpoint/2010/main">
+    <mc:Choice Requires="p14">
+      <p:transition spd="med" p14:dur="700">
+        <p:fade/>
+      </p:transition>
+    </mc:Choice>
+    <mc:Fallback xmlns="">
+      <p:transition xmlns:p14="http://schemas.microsoft.com/office/powerpoint/2010/main" spd="med">
+        <p:fade/>
+      </p:transition>
+    </mc:Fallback>
+  </mc:AlternateContent>
+</p:sld>
+</file>
+
+<file path=ppt/slides/slide3.xml><?xml version="1.0" encoding="utf-8"?>
+<p:sld xmlns:a="http://schemas.openxmlformats.org/drawingml/2006/main" xmlns:r="http://schemas.openxmlformats.org/officeDocument/2006/relationships" xmlns:p="http://schemas.openxmlformats.org/presentationml/2006/main">
+  <p:cSld>
+    <p:spTree>
+      <p:nvGrpSpPr>
+        <p:cNvPr id="1" name=""/>
+        <p:cNvGrpSpPr/>
+        <p:nvPr/>
+      </p:nvGrpSpPr>
+      <p:grpSpPr>
+        <a:xfrm>
+          <a:off x="0" y="0"/>
+          <a:ext cx="0" cy="0"/>
+          <a:chOff x="0" y="0"/>
+          <a:chExt cx="0" cy="0"/>
+        </a:xfrm>
+      </p:grpSpPr>
+      <p:sp>
+        <p:nvSpPr>
+          <p:cNvPr id="2" name="Title 1">
+            <a:extLst>
+              <a:ext uri="{FF2B5EF4-FFF2-40B4-BE49-F238E27FC236}">
+                <a16:creationId xmlns:a16="http://schemas.microsoft.com/office/drawing/2014/main" id="{1090BDD0-6344-4820-BA99-4EEA174E9CC1}"/>
+              </a:ext>
+            </a:extLst>
+          </p:cNvPr>
+          <p:cNvSpPr>
+            <a:spLocks noGrp="1"/>
+          </p:cNvSpPr>
+          <p:nvPr>
+            <p:ph type="title"/>
+          </p:nvPr>
+        </p:nvSpPr>
+        <p:spPr/>
+        <p:txBody>
+          <a:bodyPr/>
+          <a:lstStyle/>
+          <a:p>
+            <a:r>
+              <a:rPr lang="en-US">
+                <a:cs typeface="Calibri"/>
+              </a:rPr>
+              <a:t>Introduction: What is Docker</a:t>
+            </a:r>
+          </a:p>
+        </p:txBody>
+      </p:sp>
+      <p:sp>
+        <p:nvSpPr>
+          <p:cNvPr id="3" name="Content Placeholder 2">
+            <a:extLst>
+              <a:ext uri="{FF2B5EF4-FFF2-40B4-BE49-F238E27FC236}">
+                <a16:creationId xmlns:a16="http://schemas.microsoft.com/office/drawing/2014/main" id="{92A5D168-34AD-4F4B-B283-9BD6D675CD70}"/>
+              </a:ext>
+            </a:extLst>
+          </p:cNvPr>
+          <p:cNvSpPr>
+            <a:spLocks noGrp="1"/>
+          </p:cNvSpPr>
+          <p:nvPr>
+            <p:ph idx="1"/>
+          </p:nvPr>
+        </p:nvSpPr>
+        <p:spPr/>
+        <p:txBody>
+          <a:bodyPr vert="horz" lIns="0" tIns="39683" rIns="0" bIns="39683" rtlCol="0" anchor="t">
+            <a:noAutofit/>
+          </a:bodyPr>
+          <a:lstStyle/>
+          <a:p>
+            <a:pPr algn="ctr"/>
+            <a:r>
+              <a:rPr lang="en-US" i="1" dirty="0">
+                <a:cs typeface="Calibri"/>
+              </a:rPr>
+              <a:t>Docker is a platform for developers and sysadmins to </a:t>
+            </a:r>
+            <a:r>
+              <a:rPr lang="en-US" b="1" i="1" dirty="0">
+                <a:cs typeface="Calibri"/>
+              </a:rPr>
+              <a:t>develop, deploy, and run</a:t>
+            </a:r>
+            <a:r>
+              <a:rPr lang="en-US" i="1">
+                <a:cs typeface="Calibri"/>
+              </a:rPr>
+              <a:t> applications with containers*</a:t>
+            </a:r>
+          </a:p>
+          <a:p>
+            <a:pPr algn="ctr"/>
+            <a:endParaRPr lang="en-US" i="1" dirty="0"/>
+          </a:p>
+          <a:p>
+            <a:pPr algn="ctr"/>
+            <a:r>
+              <a:rPr lang="en-US" i="1"/>
+              <a:t>A container is a standardized unit of software**</a:t>
+            </a:r>
+            <a:endParaRPr lang="en-US" i="1">
+              <a:cs typeface="Calibri"/>
+            </a:endParaRPr>
+          </a:p>
+          <a:p>
+            <a:pPr algn="ctr"/>
+            <a:endParaRPr lang="en-US" i="1" dirty="0">
+              <a:cs typeface="Calibri"/>
+            </a:endParaRPr>
+          </a:p>
+        </p:txBody>
+      </p:sp>
+      <p:sp>
+        <p:nvSpPr>
+          <p:cNvPr id="4" name="Footer Placeholder 3">
+            <a:extLst>
+              <a:ext uri="{FF2B5EF4-FFF2-40B4-BE49-F238E27FC236}">
+                <a16:creationId xmlns:a16="http://schemas.microsoft.com/office/drawing/2014/main" id="{C481213C-4004-440D-96D7-DB233FC41149}"/>
+              </a:ext>
+            </a:extLst>
+          </p:cNvPr>
+          <p:cNvSpPr>
+            <a:spLocks noGrp="1"/>
+          </p:cNvSpPr>
+          <p:nvPr>
+            <p:ph type="ftr" sz="quarter" idx="11"/>
+          </p:nvPr>
+        </p:nvSpPr>
+        <p:spPr/>
+        <p:txBody>
+          <a:bodyPr/>
+          <a:lstStyle/>
+          <a:p>
+            <a:r>
+              <a:rPr lang="nl-NL"/>
+              <a:t>* https://kubernetes.io/docs/tasks/tools/install-minikube/</a:t>
+            </a:r>
+          </a:p>
+        </p:txBody>
+      </p:sp>
+      <p:sp>
+        <p:nvSpPr>
+          <p:cNvPr id="5" name="TextBox 4">
+            <a:extLst>
+              <a:ext uri="{FF2B5EF4-FFF2-40B4-BE49-F238E27FC236}">
+                <a16:creationId xmlns:a16="http://schemas.microsoft.com/office/drawing/2014/main" id="{E9890264-C299-4AC9-9284-7039B313EF33}"/>
+              </a:ext>
+            </a:extLst>
+          </p:cNvPr>
+          <p:cNvSpPr txBox="1"/>
+          <p:nvPr/>
+        </p:nvSpPr>
+        <p:spPr>
+          <a:xfrm>
+            <a:off x="6009732" y="6895108"/>
+            <a:ext cx="3877936" cy="954107"/>
+          </a:xfrm>
+          <a:prstGeom prst="rect">
+            <a:avLst/>
+          </a:prstGeom>
+        </p:spPr>
+        <p:txBody>
+          <a:bodyPr rot="0" spcFirstLastPara="0" vertOverflow="overflow" horzOverflow="overflow" vert="horz" wrap="square" lIns="91440" tIns="45720" rIns="91440" bIns="45720" numCol="1" spcCol="0" rtlCol="0" fromWordArt="0" anchor="t" anchorCtr="0" forceAA="0" compatLnSpc="1">
+            <a:prstTxWarp prst="textNoShape">
+              <a:avLst/>
+            </a:prstTxWarp>
+            <a:spAutoFit/>
+          </a:bodyPr>
+          <a:lstStyle/>
+          <a:p>
+            <a:r>
+              <a:rPr lang="en-US" sz="1400">
+                <a:latin typeface="Times New Roman"/>
+                <a:cs typeface="Times New Roman"/>
+              </a:rPr>
+              <a:t>* </a:t>
+            </a:r>
+            <a:r>
+              <a:rPr lang="en-US" sz="1400" dirty="0">
+                <a:latin typeface="Times New Roman"/>
+                <a:cs typeface="Times New Roman"/>
+                <a:hlinkClick r:id="rId3"/>
+              </a:rPr>
+              <a:t>https://docs.docker.com/get-started/</a:t>
+            </a:r>
+            <a:endParaRPr lang="en-US" sz="1400">
+              <a:cs typeface="Times New Roman"/>
+            </a:endParaRPr>
+          </a:p>
+          <a:p>
+            <a:r>
+              <a:rPr lang="en-US" sz="1400">
+                <a:solidFill>
+                  <a:srgbClr val="33444C"/>
+                </a:solidFill>
+                <a:latin typeface="Times New Roman"/>
+                <a:cs typeface="Times New Roman"/>
+              </a:rPr>
+              <a:t>**https://www.docker.com/resources/wha</a:t>
+            </a:r>
+            <a:r>
+              <a:rPr lang="en-US" sz="1400" dirty="0">
+                <a:solidFill>
+                  <a:srgbClr val="33444C"/>
+                </a:solidFill>
+                <a:latin typeface="Times New Roman"/>
+                <a:cs typeface="Times New Roman"/>
+              </a:rPr>
+              <a:t>t-container</a:t>
+            </a:r>
+            <a:endParaRPr lang="en-US" sz="1400" dirty="0">
+              <a:latin typeface="Times New Roman"/>
+              <a:cs typeface="Times New Roman"/>
+            </a:endParaRPr>
+          </a:p>
+          <a:p>
+            <a:endParaRPr lang="en-US" sz="1400" dirty="0">
+              <a:latin typeface="Times New Roman"/>
+              <a:cs typeface="Times New Roman"/>
+            </a:endParaRPr>
+          </a:p>
+        </p:txBody>
+      </p:sp>
+      <p:pic>
+        <p:nvPicPr>
+          <p:cNvPr id="7" name="Picture 7">
+            <a:extLst>
+              <a:ext uri="{FF2B5EF4-FFF2-40B4-BE49-F238E27FC236}">
+                <a16:creationId xmlns:a16="http://schemas.microsoft.com/office/drawing/2014/main" id="{15861D95-230A-4041-8EB8-8518FDDCD2DE}"/>
+              </a:ext>
+            </a:extLst>
+          </p:cNvPr>
+          <p:cNvPicPr>
+            <a:picLocks noChangeAspect="1"/>
+          </p:cNvPicPr>
+          <p:nvPr/>
+        </p:nvPicPr>
+        <p:blipFill>
+          <a:blip r:embed="rId4"/>
+          <a:stretch>
+            <a:fillRect/>
+          </a:stretch>
+        </p:blipFill>
+        <p:spPr>
+          <a:xfrm>
+            <a:off x="2122566" y="3599183"/>
+            <a:ext cx="5818395" cy="3248730"/>
+          </a:xfrm>
+          <a:prstGeom prst="rect">
+            <a:avLst/>
+          </a:prstGeom>
+        </p:spPr>
+      </p:pic>
+    </p:spTree>
+    <p:extLst>
+      <p:ext uri="{BB962C8B-B14F-4D97-AF65-F5344CB8AC3E}">
+        <p14:creationId xmlns:p14="http://schemas.microsoft.com/office/powerpoint/2010/main" val="4236195612"/>
+      </p:ext>
+    </p:extLst>
+  </p:cSld>
+  <p:clrMapOvr>
+    <a:masterClrMapping/>
+  </p:clrMapOvr>
+  <mc:AlternateContent xmlns:mc="http://schemas.openxmlformats.org/markup-compatibility/2006" xmlns:p14="http://schemas.microsoft.com/office/powerpoint/2010/main">
+    <mc:Choice Requires="p14">
+      <p:transition spd="med" p14:dur="700">
+        <p:fade/>
+      </p:transition>
+    </mc:Choice>
+    <mc:Fallback xmlns="">
+      <p:transition xmlns:p14="http://schemas.microsoft.com/office/powerpoint/2010/main" spd="med">
+        <p:fade/>
+      </p:transition>
+    </mc:Fallback>
+  </mc:AlternateContent>
+</p:sld>
+</file>
+
 <file path=ppt/slides/slide4.xml><?xml version="1.0" encoding="utf-8"?>
 <p:sld xmlns:a="http://schemas.openxmlformats.org/drawingml/2006/main" xmlns:r="http://schemas.openxmlformats.org/officeDocument/2006/relationships" xmlns:p="http://schemas.openxmlformats.org/presentationml/2006/main">
   <p:cSld>
@@ -9530,7 +13449,7 @@
           <p:cNvPr id="2" name="Title 1">
             <a:extLst>
               <a:ext uri="{FF2B5EF4-FFF2-40B4-BE49-F238E27FC236}">
-                <a16:creationId xmlns:a16="http://schemas.microsoft.com/office/drawing/2014/main" id="{FF94C554-F753-4A4D-85EE-80192E79EBE3}"/>
+                <a16:creationId xmlns:a16="http://schemas.microsoft.com/office/drawing/2014/main" id="{DC16068D-253E-4CD2-8F8C-9D9264740499}"/>
               </a:ext>
             </a:extLst>
           </p:cNvPr>
@@ -9547,18 +13466,53 @@
           <a:lstStyle/>
           <a:p>
             <a:r>
-              <a:rPr lang="en-US" dirty="0"/>
-              <a:t>K8s architecture	</a:t>
-            </a:r>
+              <a:rPr lang="en-US">
+                <a:cs typeface="Calibri"/>
+              </a:rPr>
+              <a:t>Introduction: Why containers?</a:t>
+            </a:r>
+            <a:endParaRPr lang="en-US"/>
           </a:p>
         </p:txBody>
       </p:sp>
-      <p:sp>
-        <p:nvSpPr>
-          <p:cNvPr id="3" name="Content Placeholder 2">
+      <p:pic>
+        <p:nvPicPr>
+          <p:cNvPr id="5" name="Picture 5" descr="A close up of a sign&#10;&#10;Description generated with high confidence">
             <a:extLst>
               <a:ext uri="{FF2B5EF4-FFF2-40B4-BE49-F238E27FC236}">
-                <a16:creationId xmlns:a16="http://schemas.microsoft.com/office/drawing/2014/main" id="{B50ABA72-4BCE-7C43-A895-2BFFC6208A24}"/>
+                <a16:creationId xmlns:a16="http://schemas.microsoft.com/office/drawing/2014/main" id="{B8F907AD-4632-4EB1-AAC1-F8A67918C078}"/>
+              </a:ext>
+            </a:extLst>
+          </p:cNvPr>
+          <p:cNvPicPr>
+            <a:picLocks noGrp="1" noChangeAspect="1"/>
+          </p:cNvPicPr>
+          <p:nvPr>
+            <p:ph idx="1"/>
+          </p:nvPr>
+        </p:nvPicPr>
+        <p:blipFill>
+          <a:blip r:embed="rId3"/>
+          <a:stretch>
+            <a:fillRect/>
+          </a:stretch>
+        </p:blipFill>
+        <p:spPr>
+          <a:xfrm>
+            <a:off x="659532" y="1438951"/>
+            <a:ext cx="8750472" cy="3592688"/>
+          </a:xfrm>
+          <a:prstGeom prst="rect">
+            <a:avLst/>
+          </a:prstGeom>
+        </p:spPr>
+      </p:pic>
+      <p:sp>
+        <p:nvSpPr>
+          <p:cNvPr id="4" name="Footer Placeholder 3">
+            <a:extLst>
+              <a:ext uri="{FF2B5EF4-FFF2-40B4-BE49-F238E27FC236}">
+                <a16:creationId xmlns:a16="http://schemas.microsoft.com/office/drawing/2014/main" id="{0EA757DC-E2AE-42C0-8880-61ED3BF3EEB4}"/>
               </a:ext>
             </a:extLst>
           </p:cNvPr>
@@ -9566,91 +13520,6 @@
             <a:spLocks noGrp="1"/>
           </p:cNvSpPr>
           <p:nvPr>
-            <p:ph idx="1"/>
-          </p:nvPr>
-        </p:nvSpPr>
-        <p:spPr>
-          <a:xfrm>
-            <a:off x="594819" y="1331565"/>
-            <a:ext cx="8890988" cy="5396768"/>
-          </a:xfrm>
-        </p:spPr>
-        <p:txBody>
-          <a:bodyPr/>
-          <a:lstStyle/>
-          <a:p>
-            <a:r>
-              <a:rPr lang="en-US" dirty="0"/>
-              <a:t>In a simple cluster creation we have a hierarchical infrastructure. </a:t>
-            </a:r>
-          </a:p>
-          <a:p>
-            <a:endParaRPr lang="en-US" dirty="0"/>
-          </a:p>
-          <a:p>
-            <a:endParaRPr lang="en-US" dirty="0"/>
-          </a:p>
-          <a:p>
-            <a:endParaRPr lang="en-US" dirty="0"/>
-          </a:p>
-          <a:p>
-            <a:endParaRPr lang="en-US" dirty="0"/>
-          </a:p>
-          <a:p>
-            <a:r>
-              <a:rPr lang="en-US" dirty="0"/>
-              <a:t>Master node is in charge of the control plane of the cluster (decisions like scheduling, failure handling, scaling in/out).</a:t>
-            </a:r>
-          </a:p>
-          <a:p>
-            <a:r>
-              <a:rPr lang="en-US" dirty="0"/>
-              <a:t>Workers/ nodes are responsible for keeping the containerized applications running. </a:t>
-            </a:r>
-          </a:p>
-        </p:txBody>
-      </p:sp>
-      <p:graphicFrame>
-        <p:nvGraphicFramePr>
-          <p:cNvPr id="5" name="Diagram 4">
-            <a:extLst>
-              <a:ext uri="{FF2B5EF4-FFF2-40B4-BE49-F238E27FC236}">
-                <a16:creationId xmlns:a16="http://schemas.microsoft.com/office/drawing/2014/main" id="{67DDCEA0-1BAE-6842-9473-D6B4E203C6C9}"/>
-              </a:ext>
-            </a:extLst>
-          </p:cNvPr>
-          <p:cNvGraphicFramePr/>
-          <p:nvPr>
-            <p:extLst>
-              <p:ext uri="{D42A27DB-BD31-4B8C-83A1-F6EECF244321}">
-                <p14:modId xmlns:p14="http://schemas.microsoft.com/office/powerpoint/2010/main" val="3632963083"/>
-              </p:ext>
-            </p:extLst>
-          </p:nvPr>
-        </p:nvGraphicFramePr>
-        <p:xfrm>
-          <a:off x="4661271" y="1619597"/>
-          <a:ext cx="4824535" cy="3104234"/>
-        </p:xfrm>
-        <a:graphic>
-          <a:graphicData uri="http://schemas.openxmlformats.org/drawingml/2006/diagram">
-            <dgm:relIds xmlns:dgm="http://schemas.openxmlformats.org/drawingml/2006/diagram" xmlns:r="http://schemas.openxmlformats.org/officeDocument/2006/relationships" r:dm="rId2" r:lo="rId3" r:qs="rId4" r:cs="rId5"/>
-          </a:graphicData>
-        </a:graphic>
-      </p:graphicFrame>
-      <p:sp>
-        <p:nvSpPr>
-          <p:cNvPr id="6" name="Footer Placeholder 5">
-            <a:extLst>
-              <a:ext uri="{FF2B5EF4-FFF2-40B4-BE49-F238E27FC236}">
-                <a16:creationId xmlns:a16="http://schemas.microsoft.com/office/drawing/2014/main" id="{33BACC7A-2E4A-A644-B003-03E6AE87765B}"/>
-              </a:ext>
-            </a:extLst>
-          </p:cNvPr>
-          <p:cNvSpPr>
-            <a:spLocks noGrp="1"/>
-          </p:cNvSpPr>
-          <p:nvPr>
             <p:ph type="ftr" sz="quarter" idx="11"/>
           </p:nvPr>
         </p:nvSpPr>
@@ -9666,10 +13535,192 @@
           </a:p>
         </p:txBody>
       </p:sp>
+      <p:graphicFrame>
+        <p:nvGraphicFramePr>
+          <p:cNvPr id="7" name="Table 7">
+            <a:extLst>
+              <a:ext uri="{FF2B5EF4-FFF2-40B4-BE49-F238E27FC236}">
+                <a16:creationId xmlns:a16="http://schemas.microsoft.com/office/drawing/2014/main" id="{0DC495DB-ED1E-42EC-817B-78E8D46AFF5D}"/>
+              </a:ext>
+            </a:extLst>
+          </p:cNvPr>
+          <p:cNvGraphicFramePr>
+            <a:graphicFrameLocks noGrp="1"/>
+          </p:cNvGraphicFramePr>
+          <p:nvPr>
+            <p:extLst>
+              <p:ext uri="{D42A27DB-BD31-4B8C-83A1-F6EECF244321}">
+                <p14:modId xmlns:p14="http://schemas.microsoft.com/office/powerpoint/2010/main" val="2763455911"/>
+              </p:ext>
+            </p:extLst>
+          </p:nvPr>
+        </p:nvGraphicFramePr>
+        <p:xfrm>
+          <a:off x="381594" y="5106161"/>
+          <a:ext cx="9370471" cy="2178363"/>
+        </p:xfrm>
+        <a:graphic>
+          <a:graphicData uri="http://schemas.openxmlformats.org/drawingml/2006/table">
+            <a:tbl>
+              <a:tblPr firstRow="1" bandRow="1">
+                <a:tableStyleId>{5C22544A-7EE6-4342-B048-85BDC9FD1C3A}</a:tableStyleId>
+              </a:tblPr>
+              <a:tblGrid>
+                <a:gridCol w="4783988">
+                  <a:extLst>
+                    <a:ext uri="{9D8B030D-6E8A-4147-A177-3AD203B41FA5}">
+                      <a16:colId xmlns:a16="http://schemas.microsoft.com/office/drawing/2014/main" val="3604510255"/>
+                    </a:ext>
+                  </a:extLst>
+                </a:gridCol>
+                <a:gridCol w="4586483">
+                  <a:extLst>
+                    <a:ext uri="{9D8B030D-6E8A-4147-A177-3AD203B41FA5}">
+                      <a16:colId xmlns:a16="http://schemas.microsoft.com/office/drawing/2014/main" val="1396676324"/>
+                    </a:ext>
+                  </a:extLst>
+                </a:gridCol>
+              </a:tblGrid>
+              <a:tr h="2178363">
+                <a:tc>
+                  <a:txBody>
+                    <a:bodyPr/>
+                    <a:lstStyle/>
+                    <a:p>
+                      <a:pPr marL="342900" indent="-342900">
+                        <a:buFont typeface="Arial"/>
+                        <a:buChar char="•"/>
+                      </a:pPr>
+                      <a:r>
+                        <a:rPr lang="en-US" sz="1800"/>
+                        <a:t>Abstraction at app layer</a:t>
+                      </a:r>
+                      <a:endParaRPr lang="en-US"/>
+                    </a:p>
+                    <a:p>
+                      <a:pPr marL="342900" lvl="0" indent="-342900">
+                        <a:buFont typeface="Arial"/>
+                        <a:buChar char="•"/>
+                      </a:pPr>
+                      <a:r>
+                        <a:rPr lang="en-US" sz="1800"/>
+                        <a:t>Only application and dependencies</a:t>
+                      </a:r>
+                      <a:endParaRPr lang="en-US"/>
+                    </a:p>
+                    <a:p>
+                      <a:pPr marL="342900" lvl="0" indent="-342900">
+                        <a:buFont typeface="Arial"/>
+                        <a:buChar char="•"/>
+                      </a:pPr>
+                      <a:r>
+                        <a:rPr lang="en-US" sz="1800"/>
+                        <a:t>It runs isolated in user space</a:t>
+                      </a:r>
+                    </a:p>
+                    <a:p>
+                      <a:pPr marL="342900" lvl="0" indent="-342900">
+                        <a:buFont typeface="Arial"/>
+                        <a:buChar char="•"/>
+                      </a:pPr>
+                      <a:r>
+                        <a:rPr lang="en-US" sz="1800"/>
+                        <a:t>Share OS kernel with other containers</a:t>
+                      </a:r>
+                    </a:p>
+                    <a:p>
+                      <a:pPr marL="342900" lvl="0" indent="-342900">
+                        <a:buFont typeface="Arial"/>
+                        <a:buChar char="•"/>
+                      </a:pPr>
+                      <a:r>
+                        <a:rPr lang="en-US" sz="1800"/>
+                        <a:t>Size of 10's MBs</a:t>
+                      </a:r>
+                      <a:endParaRPr lang="en-US" sz="1800" dirty="0"/>
+                    </a:p>
+                    <a:p>
+                      <a:pPr marL="342900" lvl="0" indent="-342900">
+                        <a:buFont typeface="Arial"/>
+                        <a:buChar char="•"/>
+                      </a:pPr>
+                      <a:endParaRPr lang="en-US" sz="1800" dirty="0"/>
+                    </a:p>
+                  </a:txBody>
+                  <a:tcPr/>
+                </a:tc>
+                <a:tc>
+                  <a:txBody>
+                    <a:bodyPr/>
+                    <a:lstStyle/>
+                    <a:p>
+                      <a:pPr marL="285750" indent="-285750" algn="l">
+                        <a:buFont typeface="Arial"/>
+                        <a:buChar char="•"/>
+                      </a:pPr>
+                      <a:r>
+                        <a:rPr lang="en-US" sz="1800"/>
+                        <a:t>Abstraction of physical hardware</a:t>
+                      </a:r>
+                    </a:p>
+                    <a:p>
+                      <a:pPr marL="285750" lvl="0" indent="-285750" algn="l">
+                        <a:buFont typeface="Arial"/>
+                        <a:buChar char="•"/>
+                      </a:pPr>
+                      <a:r>
+                        <a:rPr lang="en-US" sz="1800"/>
+                        <a:t>Uses hypervisor to run multiple VMs </a:t>
+                      </a:r>
+                    </a:p>
+                    <a:p>
+                      <a:pPr marL="0" lvl="0" indent="0" algn="l">
+                        <a:buNone/>
+                      </a:pPr>
+                      <a:r>
+                        <a:rPr lang="en-US" sz="1800"/>
+                        <a:t>on a single machine</a:t>
+                      </a:r>
+                      <a:endParaRPr lang="en-US"/>
+                    </a:p>
+                    <a:p>
+                      <a:pPr marL="285750" lvl="0" indent="-285750" algn="l">
+                        <a:buFont typeface="Arial"/>
+                        <a:buChar char="•"/>
+                      </a:pPr>
+                      <a:r>
+                        <a:rPr lang="en-US" sz="1800"/>
+                        <a:t>Includes full OS, apps and requires binaries.</a:t>
+                      </a:r>
+                      <a:endParaRPr lang="en-US" sz="1800" dirty="0"/>
+                    </a:p>
+                    <a:p>
+                      <a:pPr marL="285750" lvl="0" indent="-285750" algn="l">
+                        <a:buFont typeface="Arial"/>
+                        <a:buChar char="•"/>
+                      </a:pPr>
+                      <a:r>
+                        <a:rPr lang="en-US" sz="1800"/>
+                        <a:t>10's of GBs</a:t>
+                      </a:r>
+                    </a:p>
+                  </a:txBody>
+                  <a:tcPr/>
+                </a:tc>
+                <a:extLst>
+                  <a:ext uri="{0D108BD9-81ED-4DB2-BD59-A6C34878D82A}">
+                    <a16:rowId xmlns:a16="http://schemas.microsoft.com/office/drawing/2014/main" val="863625963"/>
+                  </a:ext>
+                </a:extLst>
+              </a:tr>
+            </a:tbl>
+          </a:graphicData>
+        </a:graphic>
+      </p:graphicFrame>
     </p:spTree>
     <p:extLst>
       <p:ext uri="{BB962C8B-B14F-4D97-AF65-F5344CB8AC3E}">
-        <p14:creationId xmlns:p14="http://schemas.microsoft.com/office/powerpoint/2010/main" val="3210006319"/>
+        <p14:creationId xmlns:p14="http://schemas.microsoft.com/office/powerpoint/2010/main" val="3978071870"/>
       </p:ext>
     </p:extLst>
   </p:cSld>
@@ -9713,7 +13764,7 @@
           <p:cNvPr id="2" name="Title 1">
             <a:extLst>
               <a:ext uri="{FF2B5EF4-FFF2-40B4-BE49-F238E27FC236}">
-                <a16:creationId xmlns:a16="http://schemas.microsoft.com/office/drawing/2014/main" id="{CF25CD01-1128-294C-A088-EE2E16EDA42B}"/>
+                <a16:creationId xmlns:a16="http://schemas.microsoft.com/office/drawing/2014/main" id="{0E6CA613-BE01-4DF1-BD6E-002E4FE142EB}"/>
               </a:ext>
             </a:extLst>
           </p:cNvPr>
@@ -9730,12 +13781,10 @@
           <a:lstStyle/>
           <a:p>
             <a:r>
-              <a:rPr lang="en-US" dirty="0"/>
-              <a:t>K8s architecture – Master Components</a:t>
-            </a:r>
-            <a:r>
-              <a:rPr lang="en-US" baseline="30000" dirty="0"/>
-              <a:t>1</a:t>
+              <a:rPr lang="en-US">
+                <a:cs typeface="Calibri"/>
+              </a:rPr>
+              <a:t>Introduction: Why containers?</a:t>
             </a:r>
           </a:p>
         </p:txBody>
@@ -9745,7 +13794,7 @@
           <p:cNvPr id="3" name="Content Placeholder 2">
             <a:extLst>
               <a:ext uri="{FF2B5EF4-FFF2-40B4-BE49-F238E27FC236}">
-                <a16:creationId xmlns:a16="http://schemas.microsoft.com/office/drawing/2014/main" id="{B5B566F7-13B5-BA4B-B21D-AAD6A2CA0D88}"/>
+                <a16:creationId xmlns:a16="http://schemas.microsoft.com/office/drawing/2014/main" id="{817A2343-1624-4E8A-AF69-4B23995F8AFB}"/>
               </a:ext>
             </a:extLst>
           </p:cNvPr>
@@ -9756,94 +13805,125 @@
             <p:ph idx="1"/>
           </p:nvPr>
         </p:nvSpPr>
-        <p:spPr>
-          <a:xfrm>
-            <a:off x="594818" y="4643933"/>
-            <a:ext cx="8890988" cy="1927029"/>
-          </a:xfrm>
-        </p:spPr>
+        <p:spPr/>
         <p:txBody>
-          <a:bodyPr/>
+          <a:bodyPr vert="horz" lIns="0" tIns="39683" rIns="0" bIns="39683" rtlCol="0" anchor="t">
+            <a:noAutofit/>
+          </a:bodyPr>
           <a:lstStyle/>
           <a:p>
             <a:r>
-              <a:rPr lang="en-US" dirty="0" err="1"/>
-              <a:t>Apiserver</a:t>
-            </a:r>
-            <a:r>
-              <a:rPr lang="en-US" dirty="0"/>
-              <a:t>: exposes the k8s API to interact with the cluster. </a:t>
-            </a:r>
-          </a:p>
-          <a:p>
-            <a:r>
-              <a:rPr lang="en-US" dirty="0" err="1"/>
-              <a:t>Etcd</a:t>
-            </a:r>
-            <a:r>
-              <a:rPr lang="en-US" dirty="0"/>
-              <a:t>: key, value store for storing cluster data. </a:t>
-            </a:r>
-          </a:p>
-          <a:p>
-            <a:r>
-              <a:rPr lang="en-US" dirty="0"/>
-              <a:t>Controller manager: centralizes information and take decisions. </a:t>
-            </a:r>
-          </a:p>
-          <a:p>
-            <a:r>
-              <a:rPr lang="en-US" dirty="0"/>
-              <a:t>Scheduler: selects where the containers will run. </a:t>
-            </a:r>
-          </a:p>
-          <a:p>
-            <a:endParaRPr lang="en-US" dirty="0"/>
+              <a:rPr lang="en-US">
+                <a:cs typeface="Calibri"/>
+              </a:rPr>
+              <a:t>Containerization is increasingly popular because containers are:</a:t>
+            </a:r>
+            <a:endParaRPr lang="en-US"/>
+          </a:p>
+          <a:p>
+            <a:pPr marL="457200" indent="-457200">
+              <a:buFont typeface="Arial"/>
+              <a:buChar char="•"/>
+            </a:pPr>
+            <a:r>
+              <a:rPr lang="en-US" sz="2400">
+                <a:cs typeface="Calibri"/>
+              </a:rPr>
+              <a:t>Flexible: Any application can be containerized.</a:t>
+            </a:r>
+          </a:p>
+          <a:p>
+            <a:pPr marL="457200" indent="-457200">
+              <a:buFont typeface="Arial"/>
+              <a:buChar char="•"/>
+            </a:pPr>
+            <a:r>
+              <a:rPr lang="en-US" sz="2400">
+                <a:cs typeface="Calibri"/>
+              </a:rPr>
+              <a:t>Lightweight: Containers share the host kernel.</a:t>
+            </a:r>
+            <a:endParaRPr lang="en-US" sz="2400" dirty="0">
+              <a:cs typeface="Calibri"/>
+            </a:endParaRPr>
+          </a:p>
+          <a:p>
+            <a:pPr marL="457200" indent="-457200">
+              <a:buFont typeface="Arial"/>
+              <a:buChar char="•"/>
+            </a:pPr>
+            <a:r>
+              <a:rPr lang="en-US" sz="2400">
+                <a:cs typeface="Calibri"/>
+              </a:rPr>
+              <a:t>Interchangeable: Deploy updates and upgrades on-the-fly.</a:t>
+            </a:r>
+            <a:endParaRPr lang="en-US" sz="2400" dirty="0">
+              <a:cs typeface="Calibri"/>
+            </a:endParaRPr>
+          </a:p>
+          <a:p>
+            <a:pPr marL="457200" indent="-457200">
+              <a:buFont typeface="Arial"/>
+              <a:buChar char="•"/>
+            </a:pPr>
+            <a:r>
+              <a:rPr lang="en-US" sz="2400">
+                <a:cs typeface="Calibri"/>
+              </a:rPr>
+              <a:t>Portable: Build locally, deploy to the cloud, and run anywhere.</a:t>
+            </a:r>
+            <a:endParaRPr lang="en-US" sz="2400" dirty="0">
+              <a:cs typeface="Calibri"/>
+            </a:endParaRPr>
+          </a:p>
+          <a:p>
+            <a:pPr marL="457200" indent="-457200">
+              <a:buFont typeface="Arial"/>
+              <a:buChar char="•"/>
+            </a:pPr>
+            <a:r>
+              <a:rPr lang="en-US" sz="2400">
+                <a:cs typeface="Calibri"/>
+              </a:rPr>
+              <a:t>Scalable: Increase and automatically distribute container replicas.</a:t>
+            </a:r>
+            <a:endParaRPr lang="en-US" sz="2400" dirty="0">
+              <a:cs typeface="Calibri"/>
+            </a:endParaRPr>
+          </a:p>
+          <a:p>
+            <a:pPr marL="457200" indent="-457200">
+              <a:buFont typeface="Arial"/>
+              <a:buChar char="•"/>
+            </a:pPr>
+            <a:r>
+              <a:rPr lang="en-US" sz="2400">
+                <a:cs typeface="Calibri"/>
+              </a:rPr>
+              <a:t>Stackable: You can stack services vertically and on-the-fly.</a:t>
+            </a:r>
+            <a:endParaRPr lang="en-US" sz="2400" dirty="0">
+              <a:cs typeface="Calibri"/>
+            </a:endParaRPr>
+          </a:p>
+          <a:p>
+            <a:pPr marL="457200" indent="-457200">
+              <a:buFont typeface="Arial"/>
+              <a:buChar char="•"/>
+            </a:pPr>
+            <a:endParaRPr lang="en-US" sz="2400" dirty="0">
+              <a:cs typeface="Calibri"/>
+            </a:endParaRPr>
           </a:p>
         </p:txBody>
       </p:sp>
-      <p:pic>
-        <p:nvPicPr>
-          <p:cNvPr id="9" name="Picture 8" descr="A close up of a map&#10;&#10;Description automatically generated">
+      <p:sp>
+        <p:nvSpPr>
+          <p:cNvPr id="4" name="Footer Placeholder 3">
             <a:extLst>
               <a:ext uri="{FF2B5EF4-FFF2-40B4-BE49-F238E27FC236}">
-                <a16:creationId xmlns:a16="http://schemas.microsoft.com/office/drawing/2014/main" id="{6DE4BACC-1B82-F84A-B5B9-4DF26A0F4094}"/>
-              </a:ext>
-            </a:extLst>
-          </p:cNvPr>
-          <p:cNvPicPr>
-            <a:picLocks noChangeAspect="1"/>
-          </p:cNvPicPr>
-          <p:nvPr/>
-        </p:nvPicPr>
-        <p:blipFill>
-          <a:blip r:embed="rId2">
-            <a:extLst>
-              <a:ext uri="{28A0092B-C50C-407E-A947-70E740481C1C}">
-                <a14:useLocalDpi xmlns:a14="http://schemas.microsoft.com/office/drawing/2010/main" val="0"/>
-              </a:ext>
-            </a:extLst>
-          </a:blip>
-          <a:stretch>
-            <a:fillRect/>
-          </a:stretch>
-        </p:blipFill>
-        <p:spPr>
-          <a:xfrm>
-            <a:off x="594818" y="1152767"/>
-            <a:ext cx="8890988" cy="3636415"/>
-          </a:xfrm>
-          <a:prstGeom prst="rect">
-            <a:avLst/>
-          </a:prstGeom>
-        </p:spPr>
-      </p:pic>
-      <p:sp>
-        <p:nvSpPr>
-          <p:cNvPr id="10" name="Footer Placeholder 9">
-            <a:extLst>
-              <a:ext uri="{FF2B5EF4-FFF2-40B4-BE49-F238E27FC236}">
-                <a16:creationId xmlns:a16="http://schemas.microsoft.com/office/drawing/2014/main" id="{DC217910-FCBC-E644-9994-33AE64E55960}"/>
+                <a16:creationId xmlns:a16="http://schemas.microsoft.com/office/drawing/2014/main" id="{870EDAA6-F376-4BDE-9DA9-F5DEAD9EBF3E}"/>
               </a:ext>
             </a:extLst>
           </p:cNvPr>
@@ -9854,140 +13934,22 @@
             <p:ph type="ftr" sz="quarter" idx="11"/>
           </p:nvPr>
         </p:nvSpPr>
-        <p:spPr>
-          <a:xfrm>
-            <a:off x="2808064" y="7233520"/>
-            <a:ext cx="6280823" cy="74709"/>
-          </a:xfrm>
-        </p:spPr>
+        <p:spPr/>
         <p:txBody>
           <a:bodyPr/>
           <a:lstStyle/>
           <a:p>
             <a:r>
-              <a:rPr lang="nl-NL" dirty="0">
-                <a:solidFill>
-                  <a:schemeClr val="tx2"/>
-                </a:solidFill>
-              </a:rPr>
-              <a:t>1. </a:t>
-            </a:r>
-            <a:r>
-              <a:rPr lang="nl-NL" dirty="0" err="1">
-                <a:solidFill>
-                  <a:schemeClr val="tx2"/>
-                </a:solidFill>
-              </a:rPr>
-              <a:t>https</a:t>
-            </a:r>
-            <a:r>
-              <a:rPr lang="nl-NL" dirty="0">
-                <a:solidFill>
-                  <a:schemeClr val="tx2"/>
-                </a:solidFill>
-              </a:rPr>
-              <a:t>://</a:t>
-            </a:r>
-            <a:r>
-              <a:rPr lang="nl-NL" dirty="0" err="1">
-                <a:solidFill>
-                  <a:schemeClr val="tx2"/>
-                </a:solidFill>
-              </a:rPr>
-              <a:t>kubernetes.io</a:t>
-            </a:r>
-            <a:r>
-              <a:rPr lang="nl-NL" dirty="0">
-                <a:solidFill>
-                  <a:schemeClr val="tx2"/>
-                </a:solidFill>
-              </a:rPr>
-              <a:t>/</a:t>
-            </a:r>
-            <a:r>
-              <a:rPr lang="nl-NL" dirty="0" err="1">
-                <a:solidFill>
-                  <a:schemeClr val="tx2"/>
-                </a:solidFill>
-              </a:rPr>
-              <a:t>docs</a:t>
-            </a:r>
-            <a:r>
-              <a:rPr lang="nl-NL" dirty="0">
-                <a:solidFill>
-                  <a:schemeClr val="tx2"/>
-                </a:solidFill>
-              </a:rPr>
-              <a:t>/</a:t>
-            </a:r>
-            <a:r>
-              <a:rPr lang="nl-NL" dirty="0" err="1">
-                <a:solidFill>
-                  <a:schemeClr val="tx2"/>
-                </a:solidFill>
-              </a:rPr>
-              <a:t>concepts</a:t>
-            </a:r>
-            <a:r>
-              <a:rPr lang="nl-NL" dirty="0">
-                <a:solidFill>
-                  <a:schemeClr val="tx2"/>
-                </a:solidFill>
-              </a:rPr>
-              <a:t>/</a:t>
-            </a:r>
-            <a:r>
-              <a:rPr lang="nl-NL" dirty="0" err="1">
-                <a:solidFill>
-                  <a:schemeClr val="tx2"/>
-                </a:solidFill>
-              </a:rPr>
-              <a:t>overview</a:t>
-            </a:r>
-            <a:r>
-              <a:rPr lang="nl-NL" dirty="0">
-                <a:solidFill>
-                  <a:schemeClr val="tx2"/>
-                </a:solidFill>
-              </a:rPr>
-              <a:t>/</a:t>
-            </a:r>
-            <a:r>
-              <a:rPr lang="nl-NL" dirty="0" err="1">
-                <a:solidFill>
-                  <a:schemeClr val="tx2"/>
-                </a:solidFill>
-              </a:rPr>
-              <a:t>components</a:t>
-            </a:r>
-            <a:r>
-              <a:rPr lang="nl-NL" dirty="0">
-                <a:solidFill>
-                  <a:schemeClr val="tx2"/>
-                </a:solidFill>
-              </a:rPr>
-              <a:t>/#master-</a:t>
-            </a:r>
-            <a:r>
-              <a:rPr lang="nl-NL" dirty="0" err="1">
-                <a:solidFill>
-                  <a:schemeClr val="tx2"/>
-                </a:solidFill>
-              </a:rPr>
-              <a:t>components</a:t>
-            </a:r>
-            <a:endParaRPr lang="nl-NL" dirty="0">
-              <a:solidFill>
-                <a:schemeClr val="tx2"/>
-              </a:solidFill>
-            </a:endParaRPr>
+              <a:rPr lang="nl-NL"/>
+              <a:t>* https://kubernetes.io/docs/tasks/tools/install-minikube/</a:t>
+            </a:r>
           </a:p>
         </p:txBody>
       </p:sp>
     </p:spTree>
     <p:extLst>
       <p:ext uri="{BB962C8B-B14F-4D97-AF65-F5344CB8AC3E}">
-        <p14:creationId xmlns:p14="http://schemas.microsoft.com/office/powerpoint/2010/main" val="1397220145"/>
+        <p14:creationId xmlns:p14="http://schemas.microsoft.com/office/powerpoint/2010/main" val="818564919"/>
       </p:ext>
     </p:extLst>
   </p:cSld>
@@ -10031,7 +13993,7 @@
           <p:cNvPr id="2" name="Title 1">
             <a:extLst>
               <a:ext uri="{FF2B5EF4-FFF2-40B4-BE49-F238E27FC236}">
-                <a16:creationId xmlns:a16="http://schemas.microsoft.com/office/drawing/2014/main" id="{CF25CD01-1128-294C-A088-EE2E16EDA42B}"/>
+                <a16:creationId xmlns:a16="http://schemas.microsoft.com/office/drawing/2014/main" id="{4FB29522-88FA-40C3-AFDA-55B0C8D14AAB}"/>
               </a:ext>
             </a:extLst>
           </p:cNvPr>
@@ -10048,12 +14010,10 @@
           <a:lstStyle/>
           <a:p>
             <a:r>
-              <a:rPr lang="en-US" dirty="0"/>
-              <a:t>K8s architecture – Node Components</a:t>
-            </a:r>
-            <a:r>
-              <a:rPr lang="en-US" baseline="30000" dirty="0"/>
-              <a:t>2</a:t>
+              <a:rPr lang="en-US">
+                <a:cs typeface="Calibri"/>
+              </a:rPr>
+              <a:t>Introduction: Hello World</a:t>
             </a:r>
           </a:p>
         </p:txBody>
@@ -10063,7 +14023,7 @@
           <p:cNvPr id="3" name="Content Placeholder 2">
             <a:extLst>
               <a:ext uri="{FF2B5EF4-FFF2-40B4-BE49-F238E27FC236}">
-                <a16:creationId xmlns:a16="http://schemas.microsoft.com/office/drawing/2014/main" id="{B5B566F7-13B5-BA4B-B21D-AAD6A2CA0D88}"/>
+                <a16:creationId xmlns:a16="http://schemas.microsoft.com/office/drawing/2014/main" id="{C21C435F-B945-4E38-B4EC-4D5A44BFA996}"/>
               </a:ext>
             </a:extLst>
           </p:cNvPr>
@@ -10074,45 +14034,145 @@
             <p:ph idx="1"/>
           </p:nvPr>
         </p:nvSpPr>
-        <p:spPr>
-          <a:xfrm>
-            <a:off x="594819" y="4789182"/>
-            <a:ext cx="8890988" cy="1927029"/>
-          </a:xfrm>
-        </p:spPr>
+        <p:spPr/>
+        <p:txBody>
+          <a:bodyPr vert="horz" lIns="0" tIns="39683" rIns="0" bIns="39683" rtlCol="0" anchor="t">
+            <a:noAutofit/>
+          </a:bodyPr>
+          <a:lstStyle/>
+          <a:p>
+            <a:pPr marL="457200" indent="-457200">
+              <a:buFont typeface="Arial"/>
+              <a:buChar char="•"/>
+            </a:pPr>
+            <a:r>
+              <a:rPr lang="en-US" b="1">
+                <a:cs typeface="Calibri"/>
+              </a:rPr>
+              <a:t>Simple Command </a:t>
+            </a:r>
+            <a:endParaRPr lang="en-US"/>
+          </a:p>
+          <a:p>
+            <a:pPr marL="634365" lvl="2" indent="-237490">
+              <a:buFont typeface="Arial"/>
+              <a:buChar char="•"/>
+            </a:pPr>
+            <a:r>
+              <a:rPr lang="en-US">
+                <a:cs typeface="Calibri"/>
+              </a:rPr>
+              <a:t>docker run hello-world    ***</a:t>
+            </a:r>
+            <a:endParaRPr lang="en-US" dirty="0">
+              <a:cs typeface="Calibri"/>
+            </a:endParaRPr>
+          </a:p>
+          <a:p>
+            <a:pPr marL="634365" lvl="2" indent="-237490">
+              <a:buFont typeface="Arial"/>
+              <a:buChar char="•"/>
+            </a:pPr>
+            <a:r>
+              <a:rPr lang="en-US">
+                <a:cs typeface="Calibri"/>
+              </a:rPr>
+              <a:t>docker images ls (--all)</a:t>
+            </a:r>
+          </a:p>
+          <a:p>
+            <a:pPr marL="634365" lvl="2" indent="-237490">
+              <a:buFont typeface="Arial"/>
+              <a:buChar char="•"/>
+            </a:pPr>
+            <a:r>
+              <a:rPr lang="en-US">
+                <a:cs typeface="Calibri"/>
+              </a:rPr>
+              <a:t>docker  container ls (--all)</a:t>
+            </a:r>
+          </a:p>
+          <a:p>
+            <a:endParaRPr lang="en-US" dirty="0">
+              <a:cs typeface="Calibri"/>
+            </a:endParaRPr>
+          </a:p>
+        </p:txBody>
+      </p:sp>
+      <p:sp>
+        <p:nvSpPr>
+          <p:cNvPr id="4" name="Footer Placeholder 3">
+            <a:extLst>
+              <a:ext uri="{FF2B5EF4-FFF2-40B4-BE49-F238E27FC236}">
+                <a16:creationId xmlns:a16="http://schemas.microsoft.com/office/drawing/2014/main" id="{DD2002A6-28C8-4637-8182-3E9B72D0CF8F}"/>
+              </a:ext>
+            </a:extLst>
+          </p:cNvPr>
+          <p:cNvSpPr>
+            <a:spLocks noGrp="1"/>
+          </p:cNvSpPr>
+          <p:nvPr>
+            <p:ph type="ftr" sz="quarter" idx="11"/>
+          </p:nvPr>
+        </p:nvSpPr>
+        <p:spPr/>
         <p:txBody>
           <a:bodyPr/>
           <a:lstStyle/>
           <a:p>
             <a:r>
-              <a:rPr lang="en-US" dirty="0" err="1"/>
-              <a:t>Kubelet</a:t>
-            </a:r>
-            <a:r>
-              <a:rPr lang="en-US" dirty="0"/>
-              <a:t>: agent that makes sure the containers run.</a:t>
-            </a:r>
-          </a:p>
-          <a:p>
-            <a:r>
-              <a:rPr lang="en-US" dirty="0"/>
-              <a:t>Proxy: handles cluster networking. </a:t>
-            </a:r>
-          </a:p>
-          <a:p>
-            <a:r>
-              <a:rPr lang="en-US" dirty="0"/>
-              <a:t>Container runtime: responsible for running containers. </a:t>
+              <a:rPr lang="nl-NL"/>
+              <a:t>* https://kubernetes.io/docs/tasks/tools/install-minikube/</a:t>
+            </a:r>
+          </a:p>
+        </p:txBody>
+      </p:sp>
+      <p:sp>
+        <p:nvSpPr>
+          <p:cNvPr id="8" name="TextBox 7">
+            <a:extLst>
+              <a:ext uri="{FF2B5EF4-FFF2-40B4-BE49-F238E27FC236}">
+                <a16:creationId xmlns:a16="http://schemas.microsoft.com/office/drawing/2014/main" id="{9509A6D6-45EC-435B-A992-F2BDB4AC742E}"/>
+              </a:ext>
+            </a:extLst>
+          </p:cNvPr>
+          <p:cNvSpPr txBox="1"/>
+          <p:nvPr/>
+        </p:nvSpPr>
+        <p:spPr>
+          <a:xfrm>
+            <a:off x="4580764" y="6987589"/>
+            <a:ext cx="5723007" cy="461665"/>
+          </a:xfrm>
+          <a:prstGeom prst="rect">
+            <a:avLst/>
+          </a:prstGeom>
+        </p:spPr>
+        <p:txBody>
+          <a:bodyPr rot="0" spcFirstLastPara="0" vertOverflow="overflow" horzOverflow="overflow" vert="horz" wrap="square" lIns="91440" tIns="45720" rIns="91440" bIns="45720" numCol="1" spcCol="0" rtlCol="0" fromWordArt="0" anchor="t" anchorCtr="0" forceAA="0" compatLnSpc="1">
+            <a:prstTxWarp prst="textNoShape">
+              <a:avLst/>
+            </a:prstTxWarp>
+            <a:spAutoFit/>
+          </a:bodyPr>
+          <a:lstStyle/>
+          <a:p>
+            <a:r>
+              <a:rPr lang="en-US">
+                <a:latin typeface="Times New Roman"/>
+                <a:cs typeface="Times New Roman"/>
+              </a:rPr>
+              <a:t>***https://hub.docker.com/_/hello-world/</a:t>
             </a:r>
           </a:p>
         </p:txBody>
       </p:sp>
       <p:pic>
         <p:nvPicPr>
-          <p:cNvPr id="9" name="Picture 8" descr="A close up of a map&#10;&#10;Description automatically generated">
+          <p:cNvPr id="9" name="Picture 9">
             <a:extLst>
               <a:ext uri="{FF2B5EF4-FFF2-40B4-BE49-F238E27FC236}">
-                <a16:creationId xmlns:a16="http://schemas.microsoft.com/office/drawing/2014/main" id="{6DE4BACC-1B82-F84A-B5B9-4DF26A0F4094}"/>
+                <a16:creationId xmlns:a16="http://schemas.microsoft.com/office/drawing/2014/main" id="{5D178BE3-2196-47B6-B726-06B1F34FDE4C}"/>
               </a:ext>
             </a:extLst>
           </p:cNvPr>
@@ -10122,177 +14182,25 @@
           <p:nvPr/>
         </p:nvPicPr>
         <p:blipFill>
-          <a:blip r:embed="rId2">
-            <a:extLst>
-              <a:ext uri="{28A0092B-C50C-407E-A947-70E740481C1C}">
-                <a14:useLocalDpi xmlns:a14="http://schemas.microsoft.com/office/drawing/2010/main" val="0"/>
-              </a:ext>
-            </a:extLst>
-          </a:blip>
+          <a:blip r:embed="rId2"/>
           <a:stretch>
             <a:fillRect/>
           </a:stretch>
         </p:blipFill>
         <p:spPr>
           <a:xfrm>
-            <a:off x="327742" y="1043533"/>
-            <a:ext cx="9158064" cy="3745649"/>
+            <a:off x="1539270" y="3226140"/>
+            <a:ext cx="6991298" cy="3840596"/>
           </a:xfrm>
           <a:prstGeom prst="rect">
             <a:avLst/>
           </a:prstGeom>
         </p:spPr>
       </p:pic>
-      <p:sp>
-        <p:nvSpPr>
-          <p:cNvPr id="5" name="Footer Placeholder 4">
-            <a:extLst>
-              <a:ext uri="{FF2B5EF4-FFF2-40B4-BE49-F238E27FC236}">
-                <a16:creationId xmlns:a16="http://schemas.microsoft.com/office/drawing/2014/main" id="{514C9E22-8A1A-4F45-8EE1-A880AC2DEA5A}"/>
-              </a:ext>
-            </a:extLst>
-          </p:cNvPr>
-          <p:cNvSpPr>
-            <a:spLocks noGrp="1"/>
-          </p:cNvSpPr>
-          <p:nvPr>
-            <p:ph type="ftr" sz="quarter" idx="11"/>
-          </p:nvPr>
-        </p:nvSpPr>
-        <p:spPr>
-          <a:xfrm>
-            <a:off x="2952080" y="7233520"/>
-            <a:ext cx="6136807" cy="197589"/>
-          </a:xfrm>
-        </p:spPr>
-        <p:txBody>
-          <a:bodyPr/>
-          <a:lstStyle/>
-          <a:p>
-            <a:r>
-              <a:rPr lang="nl-NL" dirty="0">
-                <a:solidFill>
-                  <a:schemeClr val="tx2"/>
-                </a:solidFill>
-              </a:rPr>
-              <a:t>2. </a:t>
-            </a:r>
-            <a:r>
-              <a:rPr lang="nl-NL" dirty="0" err="1">
-                <a:solidFill>
-                  <a:schemeClr val="tx2"/>
-                </a:solidFill>
-              </a:rPr>
-              <a:t>https</a:t>
-            </a:r>
-            <a:r>
-              <a:rPr lang="nl-NL" dirty="0">
-                <a:solidFill>
-                  <a:schemeClr val="tx2"/>
-                </a:solidFill>
-              </a:rPr>
-              <a:t>://</a:t>
-            </a:r>
-            <a:r>
-              <a:rPr lang="nl-NL" dirty="0" err="1">
-                <a:solidFill>
-                  <a:schemeClr val="tx2"/>
-                </a:solidFill>
-              </a:rPr>
-              <a:t>kubernetes.io</a:t>
-            </a:r>
-            <a:r>
-              <a:rPr lang="nl-NL" dirty="0">
-                <a:solidFill>
-                  <a:schemeClr val="tx2"/>
-                </a:solidFill>
-              </a:rPr>
-              <a:t>/</a:t>
-            </a:r>
-            <a:r>
-              <a:rPr lang="nl-NL" dirty="0" err="1">
-                <a:solidFill>
-                  <a:schemeClr val="tx2"/>
-                </a:solidFill>
-              </a:rPr>
-              <a:t>docs</a:t>
-            </a:r>
-            <a:r>
-              <a:rPr lang="nl-NL" dirty="0">
-                <a:solidFill>
-                  <a:schemeClr val="tx2"/>
-                </a:solidFill>
-              </a:rPr>
-              <a:t>/</a:t>
-            </a:r>
-            <a:r>
-              <a:rPr lang="nl-NL" dirty="0" err="1">
-                <a:solidFill>
-                  <a:schemeClr val="tx2"/>
-                </a:solidFill>
-              </a:rPr>
-              <a:t>concepts</a:t>
-            </a:r>
-            <a:r>
-              <a:rPr lang="nl-NL" dirty="0">
-                <a:solidFill>
-                  <a:schemeClr val="tx2"/>
-                </a:solidFill>
-              </a:rPr>
-              <a:t>/</a:t>
-            </a:r>
-            <a:r>
-              <a:rPr lang="nl-NL" dirty="0" err="1">
-                <a:solidFill>
-                  <a:schemeClr val="tx2"/>
-                </a:solidFill>
-              </a:rPr>
-              <a:t>overview</a:t>
-            </a:r>
-            <a:r>
-              <a:rPr lang="nl-NL" dirty="0">
-                <a:solidFill>
-                  <a:schemeClr val="tx2"/>
-                </a:solidFill>
-              </a:rPr>
-              <a:t>/</a:t>
-            </a:r>
-            <a:r>
-              <a:rPr lang="nl-NL" dirty="0" err="1">
-                <a:solidFill>
-                  <a:schemeClr val="tx2"/>
-                </a:solidFill>
-              </a:rPr>
-              <a:t>components</a:t>
-            </a:r>
-            <a:r>
-              <a:rPr lang="nl-NL" dirty="0">
-                <a:solidFill>
-                  <a:schemeClr val="tx2"/>
-                </a:solidFill>
-              </a:rPr>
-              <a:t>/#node-</a:t>
-            </a:r>
-            <a:r>
-              <a:rPr lang="nl-NL" dirty="0" err="1">
-                <a:solidFill>
-                  <a:schemeClr val="tx2"/>
-                </a:solidFill>
-              </a:rPr>
-              <a:t>components</a:t>
-            </a:r>
-            <a:endParaRPr lang="nl-NL" dirty="0">
-              <a:solidFill>
-                <a:schemeClr val="tx2"/>
-              </a:solidFill>
-            </a:endParaRPr>
-          </a:p>
-        </p:txBody>
-      </p:sp>
     </p:spTree>
     <p:extLst>
       <p:ext uri="{BB962C8B-B14F-4D97-AF65-F5344CB8AC3E}">
-        <p14:creationId xmlns:p14="http://schemas.microsoft.com/office/powerpoint/2010/main" val="1558887878"/>
+        <p14:creationId xmlns:p14="http://schemas.microsoft.com/office/powerpoint/2010/main" val="870622192"/>
       </p:ext>
     </p:extLst>
   </p:cSld>
@@ -10336,7 +14244,7 @@
           <p:cNvPr id="2" name="Title 1">
             <a:extLst>
               <a:ext uri="{FF2B5EF4-FFF2-40B4-BE49-F238E27FC236}">
-                <a16:creationId xmlns:a16="http://schemas.microsoft.com/office/drawing/2014/main" id="{026837A5-F265-BC46-8FA8-C38D9BD25274}"/>
+                <a16:creationId xmlns:a16="http://schemas.microsoft.com/office/drawing/2014/main" id="{438DE67E-4B38-416D-906A-7F8F0F98D5AA}"/>
               </a:ext>
             </a:extLst>
           </p:cNvPr>
@@ -10349,17 +14257,18 @@
         </p:nvSpPr>
         <p:spPr/>
         <p:txBody>
-          <a:bodyPr/>
+          <a:bodyPr>
+            <a:normAutofit/>
+          </a:bodyPr>
           <a:lstStyle/>
           <a:p>
             <a:r>
-              <a:rPr lang="en-US" dirty="0"/>
-              <a:t>Clusters in Kubernetes</a:t>
-            </a:r>
-            <a:r>
-              <a:rPr lang="en-US" baseline="30000" dirty="0"/>
-              <a:t>3</a:t>
-            </a:r>
+              <a:rPr lang="en-US">
+                <a:cs typeface="Calibri"/>
+              </a:rPr>
+              <a:t>Introduction: Images and Containers</a:t>
+            </a:r>
+            <a:endParaRPr lang="en-US"/>
           </a:p>
         </p:txBody>
       </p:sp>
@@ -10368,7 +14277,7 @@
           <p:cNvPr id="3" name="Content Placeholder 2">
             <a:extLst>
               <a:ext uri="{FF2B5EF4-FFF2-40B4-BE49-F238E27FC236}">
-                <a16:creationId xmlns:a16="http://schemas.microsoft.com/office/drawing/2014/main" id="{3FF7EC1F-3F2B-8F40-BE0F-B615725D4189}"/>
+                <a16:creationId xmlns:a16="http://schemas.microsoft.com/office/drawing/2014/main" id="{94B80270-A29B-49E6-BA0F-71AAEE9CCDB7}"/>
               </a:ext>
             </a:extLst>
           </p:cNvPr>
@@ -10381,108 +14290,64 @@
         </p:nvSpPr>
         <p:spPr/>
         <p:txBody>
-          <a:bodyPr/>
+          <a:bodyPr vert="horz" lIns="0" tIns="39683" rIns="0" bIns="39683" rtlCol="0" anchor="t">
+            <a:noAutofit/>
+          </a:bodyPr>
           <a:lstStyle/>
           <a:p>
             <a:r>
-              <a:rPr lang="en-US" dirty="0"/>
-              <a:t>Kick the tires: </a:t>
-            </a:r>
-          </a:p>
-          <a:p>
-            <a:r>
-              <a:rPr lang="en-US" dirty="0"/>
-              <a:t>	- Single-node k8s cluster with </a:t>
-            </a:r>
-            <a:r>
-              <a:rPr lang="en-US" dirty="0" err="1"/>
-              <a:t>minikube</a:t>
-            </a:r>
-            <a:r>
-              <a:rPr lang="en-US" dirty="0"/>
-              <a:t>. </a:t>
-            </a:r>
-          </a:p>
-          <a:p>
-            <a:r>
-              <a:rPr lang="en-US" dirty="0"/>
-              <a:t>	- Multi-node k8s cluster with docker-in-docker (</a:t>
-            </a:r>
-            <a:r>
-              <a:rPr lang="en-US" dirty="0" err="1"/>
-              <a:t>dind</a:t>
-            </a:r>
-            <a:r>
-              <a:rPr lang="en-US" dirty="0"/>
-              <a:t>)</a:t>
-            </a:r>
-          </a:p>
-          <a:p>
-            <a:r>
-              <a:rPr lang="en-US" dirty="0"/>
-              <a:t>Hosted solutions:</a:t>
-            </a:r>
-          </a:p>
-          <a:p>
-            <a:r>
-              <a:rPr lang="en-US" dirty="0"/>
-              <a:t>	- Amazon Elastic Container Service for Kubernetes. </a:t>
-            </a:r>
-          </a:p>
-          <a:p>
-            <a:r>
-              <a:rPr lang="en-US" dirty="0"/>
-              <a:t>	- Azure Kubernetes Service (AKS). </a:t>
-            </a:r>
-          </a:p>
-          <a:p>
-            <a:r>
-              <a:rPr lang="en-US" dirty="0"/>
-              <a:t>	- Google Kubernetes Engine (GKE)</a:t>
-            </a:r>
-          </a:p>
-          <a:p>
-            <a:r>
-              <a:rPr lang="en-US" dirty="0"/>
-              <a:t>Custom solutions:</a:t>
-            </a:r>
-          </a:p>
-          <a:p>
-            <a:r>
-              <a:rPr lang="en-US" dirty="0"/>
-              <a:t>	- </a:t>
-            </a:r>
-            <a:r>
-              <a:rPr lang="en-US" dirty="0" err="1"/>
-              <a:t>kubeadm</a:t>
-            </a:r>
-            <a:r>
-              <a:rPr lang="en-US" dirty="0"/>
-              <a:t>: multi-node, single-master cluster. </a:t>
-            </a:r>
-          </a:p>
-          <a:p>
-            <a:r>
-              <a:rPr lang="en-US" dirty="0"/>
-              <a:t>	- </a:t>
-            </a:r>
-            <a:r>
-              <a:rPr lang="en-US" dirty="0" err="1"/>
-              <a:t>kubefed</a:t>
-            </a:r>
-            <a:r>
-              <a:rPr lang="en-US" dirty="0"/>
-              <a:t>: Manage multiple clusters</a:t>
-            </a:r>
+              <a:rPr lang="en-US"/>
+              <a:t>Image</a:t>
+            </a:r>
+          </a:p>
+          <a:p>
+            <a:pPr algn="ctr"/>
+            <a:r>
+              <a:rPr lang="en-US" i="1"/>
+              <a:t>Persisted snapshot that can be run</a:t>
+            </a:r>
+            <a:endParaRPr lang="en-US" i="1">
+              <a:cs typeface="Calibri"/>
+            </a:endParaRPr>
+          </a:p>
+          <a:p>
+            <a:endParaRPr lang="en-US" dirty="0">
+              <a:cs typeface="Calibri"/>
+            </a:endParaRPr>
+          </a:p>
+          <a:p>
+            <a:r>
+              <a:rPr lang="en-US">
+                <a:cs typeface="Calibri"/>
+              </a:rPr>
+              <a:t>Container</a:t>
+            </a:r>
+            <a:endParaRPr lang="en-US" dirty="0">
+              <a:cs typeface="Calibri"/>
+            </a:endParaRPr>
+          </a:p>
+          <a:p>
+            <a:pPr algn="ctr"/>
+            <a:r>
+              <a:rPr lang="en-US" i="1">
+                <a:cs typeface="Calibri"/>
+              </a:rPr>
+              <a:t>Runnable instance of an image</a:t>
+            </a:r>
+          </a:p>
+          <a:p>
+            <a:endParaRPr lang="en-US" dirty="0">
+              <a:cs typeface="Calibri"/>
+            </a:endParaRPr>
           </a:p>
         </p:txBody>
       </p:sp>
       <p:sp>
         <p:nvSpPr>
-          <p:cNvPr id="5" name="Footer Placeholder 4">
+          <p:cNvPr id="4" name="Footer Placeholder 3">
             <a:extLst>
               <a:ext uri="{FF2B5EF4-FFF2-40B4-BE49-F238E27FC236}">
-                <a16:creationId xmlns:a16="http://schemas.microsoft.com/office/drawing/2014/main" id="{996F8446-4D73-1D46-9A59-CA993C1CF6B4}"/>
+                <a16:creationId xmlns:a16="http://schemas.microsoft.com/office/drawing/2014/main" id="{9028A958-79D1-4297-A599-D0B02E0F38E2}"/>
               </a:ext>
             </a:extLst>
           </p:cNvPr>
@@ -10493,95 +14358,52 @@
             <p:ph type="ftr" sz="quarter" idx="11"/>
           </p:nvPr>
         </p:nvSpPr>
-        <p:spPr>
-          <a:xfrm>
-            <a:off x="4824288" y="7233520"/>
-            <a:ext cx="4264599" cy="197589"/>
-          </a:xfrm>
-        </p:spPr>
+        <p:spPr/>
         <p:txBody>
           <a:bodyPr/>
           <a:lstStyle/>
           <a:p>
             <a:r>
-              <a:rPr lang="nl-NL" dirty="0">
-                <a:solidFill>
-                  <a:schemeClr val="tx2"/>
-                </a:solidFill>
-              </a:rPr>
-              <a:t>3. </a:t>
-            </a:r>
-            <a:r>
-              <a:rPr lang="nl-NL" dirty="0" err="1">
-                <a:solidFill>
-                  <a:schemeClr val="tx2"/>
-                </a:solidFill>
-              </a:rPr>
-              <a:t>https</a:t>
-            </a:r>
-            <a:r>
-              <a:rPr lang="nl-NL" dirty="0">
-                <a:solidFill>
-                  <a:schemeClr val="tx2"/>
-                </a:solidFill>
-              </a:rPr>
-              <a:t>://</a:t>
-            </a:r>
-            <a:r>
-              <a:rPr lang="nl-NL" dirty="0" err="1">
-                <a:solidFill>
-                  <a:schemeClr val="tx2"/>
-                </a:solidFill>
-              </a:rPr>
-              <a:t>kubernetes.io</a:t>
-            </a:r>
-            <a:r>
-              <a:rPr lang="nl-NL" dirty="0">
-                <a:solidFill>
-                  <a:schemeClr val="tx2"/>
-                </a:solidFill>
-              </a:rPr>
-              <a:t>/</a:t>
-            </a:r>
-            <a:r>
-              <a:rPr lang="nl-NL" dirty="0" err="1">
-                <a:solidFill>
-                  <a:schemeClr val="tx2"/>
-                </a:solidFill>
-              </a:rPr>
-              <a:t>docs</a:t>
-            </a:r>
-            <a:r>
-              <a:rPr lang="nl-NL" dirty="0">
-                <a:solidFill>
-                  <a:schemeClr val="tx2"/>
-                </a:solidFill>
-              </a:rPr>
-              <a:t>/setup/</a:t>
-            </a:r>
-            <a:r>
-              <a:rPr lang="nl-NL" dirty="0" err="1">
-                <a:solidFill>
-                  <a:schemeClr val="tx2"/>
-                </a:solidFill>
-              </a:rPr>
-              <a:t>pick</a:t>
-            </a:r>
-            <a:r>
-              <a:rPr lang="nl-NL" dirty="0">
-                <a:solidFill>
-                  <a:schemeClr val="tx2"/>
-                </a:solidFill>
-              </a:rPr>
-              <a:t>-right-solution/</a:t>
+              <a:rPr lang="nl-NL"/>
+              <a:t>* https://kubernetes.io/docs/tasks/tools/install-minikube/</a:t>
             </a:r>
           </a:p>
         </p:txBody>
       </p:sp>
+      <p:pic>
+        <p:nvPicPr>
+          <p:cNvPr id="5" name="Picture 5" descr="A screenshot of a cell phone&#10;&#10;Description generated with very high confidence">
+            <a:extLst>
+              <a:ext uri="{FF2B5EF4-FFF2-40B4-BE49-F238E27FC236}">
+                <a16:creationId xmlns:a16="http://schemas.microsoft.com/office/drawing/2014/main" id="{D1012E9F-39D0-4A9B-B908-07FFB9533A36}"/>
+              </a:ext>
+            </a:extLst>
+          </p:cNvPr>
+          <p:cNvPicPr>
+            <a:picLocks noChangeAspect="1"/>
+          </p:cNvPicPr>
+          <p:nvPr/>
+        </p:nvPicPr>
+        <p:blipFill>
+          <a:blip r:embed="rId3"/>
+          <a:stretch>
+            <a:fillRect/>
+          </a:stretch>
+        </p:blipFill>
+        <p:spPr>
+          <a:xfrm>
+            <a:off x="2532449" y="4065495"/>
+            <a:ext cx="5374594" cy="3076657"/>
+          </a:xfrm>
+          <a:prstGeom prst="rect">
+            <a:avLst/>
+          </a:prstGeom>
+        </p:spPr>
+      </p:pic>
     </p:spTree>
     <p:extLst>
       <p:ext uri="{BB962C8B-B14F-4D97-AF65-F5344CB8AC3E}">
-        <p14:creationId xmlns:p14="http://schemas.microsoft.com/office/powerpoint/2010/main" val="2678384151"/>
+        <p14:creationId xmlns:p14="http://schemas.microsoft.com/office/powerpoint/2010/main" val="2957311673"/>
       </p:ext>
     </p:extLst>
   </p:cSld>
@@ -10625,7 +14447,7 @@
           <p:cNvPr id="2" name="Title 1">
             <a:extLst>
               <a:ext uri="{FF2B5EF4-FFF2-40B4-BE49-F238E27FC236}">
-                <a16:creationId xmlns:a16="http://schemas.microsoft.com/office/drawing/2014/main" id="{9DB9D517-05E2-D347-A779-7B263AA06B38}"/>
+                <a16:creationId xmlns:a16="http://schemas.microsoft.com/office/drawing/2014/main" id="{659E1C88-36EC-4154-8778-E644791AD8CE}"/>
               </a:ext>
             </a:extLst>
           </p:cNvPr>
@@ -10638,26 +14460,58 @@
         </p:nvSpPr>
         <p:spPr/>
         <p:txBody>
-          <a:bodyPr/>
+          <a:bodyPr>
+            <a:normAutofit/>
+          </a:bodyPr>
           <a:lstStyle/>
           <a:p>
             <a:r>
-              <a:rPr lang="en-US" dirty="0"/>
-              <a:t>Kubernetes objects</a:t>
-            </a:r>
-            <a:r>
-              <a:rPr lang="en-US" baseline="30000" dirty="0"/>
-              <a:t>4</a:t>
+              <a:rPr lang="en-US">
+                <a:cs typeface="Calibri"/>
+              </a:rPr>
+              <a:t>Introduction: Basic commands to start</a:t>
             </a:r>
           </a:p>
         </p:txBody>
       </p:sp>
-      <p:sp>
-        <p:nvSpPr>
-          <p:cNvPr id="3" name="Content Placeholder 2">
+      <p:pic>
+        <p:nvPicPr>
+          <p:cNvPr id="5" name="Picture 5" descr="A screenshot of a cell phone&#10;&#10;Description generated with very high confidence">
             <a:extLst>
               <a:ext uri="{FF2B5EF4-FFF2-40B4-BE49-F238E27FC236}">
-                <a16:creationId xmlns:a16="http://schemas.microsoft.com/office/drawing/2014/main" id="{46C83BD9-0789-B64D-8BE1-CD5375F631D0}"/>
+                <a16:creationId xmlns:a16="http://schemas.microsoft.com/office/drawing/2014/main" id="{0E55C2BE-2C43-43D2-818E-3DCBCC5ECCE8}"/>
+              </a:ext>
+            </a:extLst>
+          </p:cNvPr>
+          <p:cNvPicPr>
+            <a:picLocks noGrp="1" noChangeAspect="1"/>
+          </p:cNvPicPr>
+          <p:nvPr>
+            <p:ph idx="1"/>
+          </p:nvPr>
+        </p:nvPicPr>
+        <p:blipFill>
+          <a:blip r:embed="rId2"/>
+          <a:stretch>
+            <a:fillRect/>
+          </a:stretch>
+        </p:blipFill>
+        <p:spPr>
+          <a:xfrm>
+            <a:off x="589350" y="1330942"/>
+            <a:ext cx="8704048" cy="4297618"/>
+          </a:xfrm>
+          <a:prstGeom prst="rect">
+            <a:avLst/>
+          </a:prstGeom>
+        </p:spPr>
+      </p:pic>
+      <p:sp>
+        <p:nvSpPr>
+          <p:cNvPr id="4" name="Footer Placeholder 3">
+            <a:extLst>
+              <a:ext uri="{FF2B5EF4-FFF2-40B4-BE49-F238E27FC236}">
+                <a16:creationId xmlns:a16="http://schemas.microsoft.com/office/drawing/2014/main" id="{01524805-49BE-4489-AA38-11297C611048}"/>
               </a:ext>
             </a:extLst>
           </p:cNvPr>
@@ -10665,140 +14519,54 @@
             <a:spLocks noGrp="1"/>
           </p:cNvSpPr>
           <p:nvPr>
-            <p:ph idx="1"/>
-          </p:nvPr>
-        </p:nvSpPr>
-        <p:spPr>
-          <a:xfrm>
-            <a:off x="594819" y="1319444"/>
-            <a:ext cx="8890988" cy="3684529"/>
-          </a:xfrm>
-        </p:spPr>
+            <p:ph type="ftr" sz="quarter" idx="11"/>
+          </p:nvPr>
+        </p:nvSpPr>
+        <p:spPr/>
         <p:txBody>
           <a:bodyPr/>
           <a:lstStyle/>
           <a:p>
             <a:r>
-              <a:rPr lang="en-US" dirty="0"/>
-              <a:t>Persistent entities that describe the state of the cluster. </a:t>
-            </a:r>
-          </a:p>
-          <a:p>
-            <a:r>
-              <a:rPr lang="en-US" dirty="0" err="1"/>
-              <a:t>ObjectSpec</a:t>
-            </a:r>
-            <a:r>
-              <a:rPr lang="en-US" dirty="0"/>
-              <a:t>:</a:t>
-            </a:r>
-          </a:p>
-          <a:p>
-            <a:r>
-              <a:rPr lang="en-US" dirty="0"/>
-              <a:t>	- Specifies the desired state of an object. </a:t>
-            </a:r>
-          </a:p>
-          <a:p>
-            <a:r>
-              <a:rPr lang="en-US" dirty="0"/>
-              <a:t>	- Normally written in .</a:t>
-            </a:r>
-            <a:r>
-              <a:rPr lang="en-US" dirty="0" err="1"/>
-              <a:t>yaml</a:t>
-            </a:r>
-            <a:r>
-              <a:rPr lang="en-US" dirty="0"/>
-              <a:t>. </a:t>
-            </a:r>
-          </a:p>
-          <a:p>
-            <a:r>
-              <a:rPr lang="en-US" dirty="0"/>
-              <a:t>	- Provided by user.</a:t>
-            </a:r>
-          </a:p>
-          <a:p>
-            <a:r>
-              <a:rPr lang="en-US" dirty="0"/>
-              <a:t>The Kubernetes system deploys the desired state and update the cluster status accordingly.  </a:t>
-            </a:r>
-          </a:p>
-          <a:p>
-            <a:endParaRPr lang="en-US" dirty="0"/>
-          </a:p>
-          <a:p>
-            <a:endParaRPr lang="en-US" dirty="0"/>
+              <a:rPr lang="nl-NL"/>
+              <a:t>* https://kubernetes.io/docs/tasks/tools/install-minikube/</a:t>
+            </a:r>
           </a:p>
         </p:txBody>
       </p:sp>
       <p:sp>
         <p:nvSpPr>
-          <p:cNvPr id="4" name="Footer Placeholder 3">
+          <p:cNvPr id="7" name="TextBox 6">
             <a:extLst>
               <a:ext uri="{FF2B5EF4-FFF2-40B4-BE49-F238E27FC236}">
-                <a16:creationId xmlns:a16="http://schemas.microsoft.com/office/drawing/2014/main" id="{684BE59D-27C3-2C4B-A1F0-8C41ECE9D7EB}"/>
+                <a16:creationId xmlns:a16="http://schemas.microsoft.com/office/drawing/2014/main" id="{47C04DC6-50DE-403E-976A-6E866BA3A0F4}"/>
               </a:ext>
             </a:extLst>
           </p:cNvPr>
-          <p:cNvSpPr>
-            <a:spLocks noGrp="1"/>
-          </p:cNvSpPr>
-          <p:nvPr>
-            <p:ph type="ftr" sz="quarter" idx="11"/>
-          </p:nvPr>
+          <p:cNvSpPr txBox="1"/>
+          <p:nvPr/>
         </p:nvSpPr>
         <p:spPr>
           <a:xfrm>
-            <a:off x="2448024" y="6804174"/>
-            <a:ext cx="6640863" cy="504056"/>
+            <a:off x="4472714" y="7066405"/>
+            <a:ext cx="5976608" cy="461665"/>
           </a:xfrm>
+          <a:prstGeom prst="rect">
+            <a:avLst/>
+          </a:prstGeom>
         </p:spPr>
         <p:txBody>
-          <a:bodyPr/>
+          <a:bodyPr rot="0" spcFirstLastPara="0" vertOverflow="overflow" horzOverflow="overflow" vert="horz" wrap="square" lIns="91440" tIns="45720" rIns="91440" bIns="45720" numCol="1" spcCol="0" rtlCol="0" fromWordArt="0" anchor="t" anchorCtr="0" forceAA="0" compatLnSpc="1">
+            <a:prstTxWarp prst="textNoShape">
+              <a:avLst/>
+            </a:prstTxWarp>
+            <a:spAutoFit/>
+          </a:bodyPr>
           <a:lstStyle/>
           <a:p>
             <a:r>
-              <a:rPr lang="nl-NL" dirty="0">
-                <a:solidFill>
-                  <a:schemeClr val="tx2"/>
-                </a:solidFill>
-              </a:rPr>
-              <a:t>4. </a:t>
-            </a:r>
-            <a:r>
-              <a:rPr lang="nl-NL" dirty="0">
-                <a:solidFill>
-                  <a:schemeClr val="tx2"/>
-                </a:solidFill>
-                <a:hlinkClick r:id="rId2"/>
-              </a:rPr>
-              <a:t>https://kubernetes.io/docs/concepts/overview/working-with-objects/kubernetes-objects/</a:t>
-            </a:r>
-            <a:endParaRPr lang="nl-NL" dirty="0">
-              <a:solidFill>
-                <a:schemeClr val="tx2"/>
-              </a:solidFill>
-            </a:endParaRPr>
-          </a:p>
-          <a:p>
-            <a:r>
-              <a:rPr lang="nl-NL" dirty="0">
-                <a:solidFill>
-                  <a:schemeClr val="tx2"/>
-                </a:solidFill>
-                <a:hlinkClick r:id="rId3"/>
-              </a:rPr>
-              <a:t>https://kubernetes.io/docs/concepts/#kubernetes-objects</a:t>
-            </a:r>
-            <a:r>
-              <a:rPr lang="nl-NL" dirty="0">
-                <a:solidFill>
-                  <a:schemeClr val="tx2"/>
-                </a:solidFill>
-              </a:rPr>
-              <a:t> </a:t>
+              <a:rPr lang="en-US"/>
+              <a:t>https://docs.docker.com/get-started/part2/</a:t>
             </a:r>
           </a:p>
         </p:txBody>
@@ -10806,7 +14574,7 @@
     </p:spTree>
     <p:extLst>
       <p:ext uri="{BB962C8B-B14F-4D97-AF65-F5344CB8AC3E}">
-        <p14:creationId xmlns:p14="http://schemas.microsoft.com/office/powerpoint/2010/main" val="3203177684"/>
+        <p14:creationId xmlns:p14="http://schemas.microsoft.com/office/powerpoint/2010/main" val="3159149817"/>
       </p:ext>
     </p:extLst>
   </p:cSld>
@@ -10850,7 +14618,7 @@
           <p:cNvPr id="2" name="Title 1">
             <a:extLst>
               <a:ext uri="{FF2B5EF4-FFF2-40B4-BE49-F238E27FC236}">
-                <a16:creationId xmlns:a16="http://schemas.microsoft.com/office/drawing/2014/main" id="{1F6A27DF-20F1-5D4E-BBC5-9DC7E88FC8E8}"/>
+                <a16:creationId xmlns:a16="http://schemas.microsoft.com/office/drawing/2014/main" id="{20797730-EFED-40F3-94E4-F9F4D61EB54B}"/>
               </a:ext>
             </a:extLst>
           </p:cNvPr>
@@ -10866,10 +14634,18 @@
           <a:bodyPr/>
           <a:lstStyle/>
           <a:p>
-            <a:r>
-              <a:rPr lang="en-US" dirty="0"/>
-              <a:t>Exercises</a:t>
-            </a:r>
+            <a:pPr>
+              <a:spcBef>
+                <a:spcPct val="20000"/>
+              </a:spcBef>
+            </a:pPr>
+            <a:r>
+              <a:rPr lang="en-US">
+                <a:cs typeface="Calibri"/>
+              </a:rPr>
+              <a:t>Building your first container</a:t>
+            </a:r>
+            <a:endParaRPr lang="en-US"/>
           </a:p>
         </p:txBody>
       </p:sp>
@@ -10878,7 +14654,7 @@
           <p:cNvPr id="3" name="Content Placeholder 2">
             <a:extLst>
               <a:ext uri="{FF2B5EF4-FFF2-40B4-BE49-F238E27FC236}">
-                <a16:creationId xmlns:a16="http://schemas.microsoft.com/office/drawing/2014/main" id="{B81B8481-FD44-CB4C-A68D-3ABE90E02D71}"/>
+                <a16:creationId xmlns:a16="http://schemas.microsoft.com/office/drawing/2014/main" id="{6758A818-CB96-46B6-885C-6AFEF9F45319}"/>
               </a:ext>
             </a:extLst>
           </p:cNvPr>
@@ -10889,95 +14665,47 @@
             <p:ph idx="1"/>
           </p:nvPr>
         </p:nvSpPr>
-        <p:spPr>
-          <a:xfrm>
-            <a:off x="600251" y="1331565"/>
-            <a:ext cx="8890988" cy="5396768"/>
-          </a:xfrm>
-        </p:spPr>
+        <p:spPr/>
         <p:txBody>
-          <a:bodyPr/>
+          <a:bodyPr vert="horz" lIns="0" tIns="39683" rIns="0" bIns="39683" rtlCol="0" anchor="t">
+            <a:noAutofit/>
+          </a:bodyPr>
           <a:lstStyle/>
           <a:p>
-            <a:pPr marL="514350" indent="-514350">
-              <a:buAutoNum type="arabicPeriod"/>
+            <a:pPr marL="457200" indent="-457200">
+              <a:buFont typeface="Arial"/>
+              <a:buChar char="•"/>
             </a:pPr>
             <a:r>
-              <a:rPr lang="en-US" dirty="0"/>
-              <a:t>Install Minikube</a:t>
-            </a:r>
-            <a:r>
-              <a:rPr lang="en-US" baseline="30000" dirty="0"/>
-              <a:t>5</a:t>
-            </a:r>
-          </a:p>
-          <a:p>
-            <a:pPr marL="514350" indent="-514350">
-              <a:buAutoNum type="arabicPeriod"/>
+              <a:rPr lang="en-US"/>
+              <a:t>Dockerfile</a:t>
+            </a:r>
+          </a:p>
+          <a:p>
+            <a:pPr marL="634365" lvl="2" indent="-237490">
+              <a:buFont typeface="Arial"/>
+              <a:buChar char="•"/>
             </a:pPr>
             <a:r>
-              <a:rPr lang="en-US" dirty="0"/>
-              <a:t>Deploy an app</a:t>
-            </a:r>
-            <a:r>
-              <a:rPr lang="en-US" baseline="30000" dirty="0"/>
-              <a:t>6</a:t>
-            </a:r>
-            <a:r>
-              <a:rPr lang="en-US" dirty="0"/>
-              <a:t> </a:t>
-            </a:r>
-          </a:p>
-          <a:p>
-            <a:pPr marL="514350" indent="-514350">
-              <a:buAutoNum type="arabicPeriod"/>
-            </a:pPr>
-            <a:r>
-              <a:rPr lang="en-US" dirty="0"/>
-              <a:t>Create a service</a:t>
-            </a:r>
-            <a:r>
-              <a:rPr lang="en-US" baseline="30000" dirty="0"/>
-              <a:t>7</a:t>
-            </a:r>
-          </a:p>
-          <a:p>
-            <a:pPr marL="514350" indent="-514350">
-              <a:buAutoNum type="arabicPeriod"/>
-            </a:pPr>
-            <a:r>
-              <a:rPr lang="en-US" dirty="0"/>
-              <a:t>Pull an image from private repository</a:t>
-            </a:r>
-            <a:r>
-              <a:rPr lang="en-US" baseline="30000" dirty="0"/>
-              <a:t>8</a:t>
-            </a:r>
-            <a:r>
-              <a:rPr lang="en-US" dirty="0"/>
-              <a:t> </a:t>
-            </a:r>
-          </a:p>
-          <a:p>
-            <a:pPr marL="514350" indent="-514350">
-              <a:buAutoNum type="arabicPeriod"/>
-            </a:pPr>
-            <a:endParaRPr lang="en-US" dirty="0"/>
-          </a:p>
-          <a:p>
-            <a:pPr marL="514350" indent="-514350">
-              <a:buAutoNum type="arabicPeriod"/>
-            </a:pPr>
-            <a:endParaRPr lang="en-US" dirty="0"/>
+              <a:rPr lang="en-US">
+                <a:cs typeface="Calibri"/>
+              </a:rPr>
+              <a:t>It defines a portable image</a:t>
+            </a:r>
+          </a:p>
+          <a:p>
+            <a:endParaRPr lang="en-US" dirty="0">
+              <a:cs typeface="Calibri"/>
+            </a:endParaRPr>
           </a:p>
         </p:txBody>
       </p:sp>
       <p:sp>
         <p:nvSpPr>
-          <p:cNvPr id="5" name="Footer Placeholder 4">
+          <p:cNvPr id="4" name="Footer Placeholder 3">
             <a:extLst>
               <a:ext uri="{FF2B5EF4-FFF2-40B4-BE49-F238E27FC236}">
-                <a16:creationId xmlns:a16="http://schemas.microsoft.com/office/drawing/2014/main" id="{C4071C2E-2D1B-2146-9BA8-CD448A0D0241}"/>
+                <a16:creationId xmlns:a16="http://schemas.microsoft.com/office/drawing/2014/main" id="{C6CECE27-65FB-4D04-9E4C-9ADF51B1AD5F}"/>
               </a:ext>
             </a:extLst>
           </p:cNvPr>
@@ -10988,117 +14716,52 @@
             <p:ph type="ftr" sz="quarter" idx="11"/>
           </p:nvPr>
         </p:nvSpPr>
-        <p:spPr>
-          <a:xfrm>
-            <a:off x="2520032" y="6228110"/>
-            <a:ext cx="6568855" cy="1080120"/>
-          </a:xfrm>
-        </p:spPr>
+        <p:spPr/>
         <p:txBody>
           <a:bodyPr/>
           <a:lstStyle/>
           <a:p>
             <a:r>
-              <a:rPr lang="nl-NL" dirty="0">
-                <a:solidFill>
-                  <a:schemeClr val="tx2"/>
-                </a:solidFill>
-              </a:rPr>
-              <a:t>5. </a:t>
-            </a:r>
-            <a:r>
-              <a:rPr lang="nl-NL" dirty="0">
-                <a:solidFill>
-                  <a:schemeClr val="tx2"/>
-                </a:solidFill>
-                <a:hlinkClick r:id="rId2"/>
-              </a:rPr>
-              <a:t>https://kubernetes.io/docs/tasks/tools/install-minikube/</a:t>
-            </a:r>
-            <a:endParaRPr lang="nl-NL" dirty="0">
-              <a:solidFill>
-                <a:schemeClr val="tx2"/>
-              </a:solidFill>
-            </a:endParaRPr>
-          </a:p>
-          <a:p>
-            <a:r>
-              <a:rPr lang="nl-NL" dirty="0">
-                <a:solidFill>
-                  <a:schemeClr val="tx2"/>
-                </a:solidFill>
-              </a:rPr>
-              <a:t>6. </a:t>
-            </a:r>
-            <a:r>
-              <a:rPr lang="nl-NL" dirty="0">
-                <a:solidFill>
-                  <a:schemeClr val="tx2"/>
-                </a:solidFill>
-                <a:hlinkClick r:id="rId3"/>
-              </a:rPr>
-              <a:t>https://kubernetes.io/docs/tutorials/kubernetes-basics/deploy-app/deploy-intro/</a:t>
-            </a:r>
-            <a:endParaRPr lang="nl-NL" dirty="0">
-              <a:solidFill>
-                <a:schemeClr val="tx2"/>
-              </a:solidFill>
-            </a:endParaRPr>
-          </a:p>
-          <a:p>
-            <a:r>
-              <a:rPr lang="nl-NL" dirty="0">
-                <a:solidFill>
-                  <a:schemeClr val="tx2"/>
-                </a:solidFill>
-              </a:rPr>
-              <a:t>7. </a:t>
-            </a:r>
-            <a:r>
-              <a:rPr lang="nl-NL" dirty="0">
-                <a:solidFill>
-                  <a:schemeClr val="tx2"/>
-                </a:solidFill>
-                <a:hlinkClick r:id="rId4"/>
-              </a:rPr>
-              <a:t>https://kubernetes.io/docs/tutorials/kubernetes-basics/expose/expose-intro/</a:t>
-            </a:r>
-            <a:endParaRPr lang="nl-NL" dirty="0">
-              <a:solidFill>
-                <a:schemeClr val="tx2"/>
-              </a:solidFill>
-            </a:endParaRPr>
-          </a:p>
-          <a:p>
-            <a:r>
-              <a:rPr lang="nl-NL" dirty="0">
-                <a:solidFill>
-                  <a:schemeClr val="tx2"/>
-                </a:solidFill>
-              </a:rPr>
-              <a:t>8. </a:t>
-            </a:r>
-            <a:r>
-              <a:rPr lang="nl-NL" dirty="0">
-                <a:solidFill>
-                  <a:schemeClr val="tx2"/>
-                </a:solidFill>
-                <a:hlinkClick r:id="rId5"/>
-              </a:rPr>
-              <a:t>https://kubernetes.io/docs/tasks/configure-pod-container/pull-image-private-registry/</a:t>
-            </a:r>
-            <a:endParaRPr lang="nl-NL" dirty="0">
-              <a:solidFill>
-                <a:schemeClr val="tx2"/>
-              </a:solidFill>
-            </a:endParaRPr>
+              <a:rPr lang="nl-NL"/>
+              <a:t>* https://kubernetes.io/docs/tasks/tools/install-minikube/</a:t>
+            </a:r>
           </a:p>
         </p:txBody>
       </p:sp>
+      <p:pic>
+        <p:nvPicPr>
+          <p:cNvPr id="5" name="Picture 5" descr="A screenshot of a cell phone&#10;&#10;Description generated with very high confidence">
+            <a:extLst>
+              <a:ext uri="{FF2B5EF4-FFF2-40B4-BE49-F238E27FC236}">
+                <a16:creationId xmlns:a16="http://schemas.microsoft.com/office/drawing/2014/main" id="{294FFB65-6690-44E2-8609-D3B9630EBF69}"/>
+              </a:ext>
+            </a:extLst>
+          </p:cNvPr>
+          <p:cNvPicPr>
+            <a:picLocks noChangeAspect="1"/>
+          </p:cNvPicPr>
+          <p:nvPr/>
+        </p:nvPicPr>
+        <p:blipFill>
+          <a:blip r:embed="rId3"/>
+          <a:stretch>
+            <a:fillRect/>
+          </a:stretch>
+        </p:blipFill>
+        <p:spPr>
+          <a:xfrm>
+            <a:off x="1034799" y="2349060"/>
+            <a:ext cx="7593599" cy="4968838"/>
+          </a:xfrm>
+          <a:prstGeom prst="rect">
+            <a:avLst/>
+          </a:prstGeom>
+        </p:spPr>
+      </p:pic>
     </p:spTree>
     <p:extLst>
       <p:ext uri="{BB962C8B-B14F-4D97-AF65-F5344CB8AC3E}">
-        <p14:creationId xmlns:p14="http://schemas.microsoft.com/office/powerpoint/2010/main" val="3647384977"/>
+        <p14:creationId xmlns:p14="http://schemas.microsoft.com/office/powerpoint/2010/main" val="677921251"/>
       </p:ext>
     </p:extLst>
   </p:cSld>
@@ -12020,27 +15683,36 @@
 </file>
 
 <file path=customXml/item1.xml><?xml version="1.0" encoding="utf-8"?>
-<?mso-contentType ?>
-<FormTemplates xmlns="http://schemas.microsoft.com/sharepoint/v3/contenttype/forms">
-  <Display>DocumentLibraryForm</Display>
-  <Edit>DocumentLibraryForm</Edit>
-  <New>DocumentLibraryForm</New>
-</FormTemplates>
-</file>
-
-<file path=customXml/item2.xml><?xml version="1.0" encoding="utf-8"?>
-<ct:contentTypeSchema xmlns:ct="http://schemas.microsoft.com/office/2006/metadata/contentType" xmlns:ma="http://schemas.microsoft.com/office/2006/metadata/properties/metaAttributes" ct:_="" ma:_="" ma:contentTypeName="Document" ma:contentTypeID="0x0101005A1FD8CEAF4E2946AA95F3466D30FE6A" ma:contentTypeVersion="0" ma:contentTypeDescription="Create a new document." ma:contentTypeScope="" ma:versionID="6045bcf6fc18cc32b47de583c70f88d9">
-  <xsd:schema xmlns:xsd="http://www.w3.org/2001/XMLSchema" xmlns:xs="http://www.w3.org/2001/XMLSchema" xmlns:p="http://schemas.microsoft.com/office/2006/metadata/properties" targetNamespace="http://schemas.microsoft.com/office/2006/metadata/properties" ma:root="true" ma:fieldsID="14ffdd9121c724c9673c0bc323c3070f">
+<ct:contentTypeSchema xmlns:ct="http://schemas.microsoft.com/office/2006/metadata/contentType" xmlns:ma="http://schemas.microsoft.com/office/2006/metadata/properties/metaAttributes" ct:_="" ma:_="" ma:contentTypeName="Document" ma:contentTypeID="0x0101005A1FD8CEAF4E2946AA95F3466D30FE6A" ma:contentTypeVersion="2" ma:contentTypeDescription="Create a new document." ma:contentTypeScope="" ma:versionID="860853f814c2392d41b8704af51c8e93">
+  <xsd:schema xmlns:xsd="http://www.w3.org/2001/XMLSchema" xmlns:xs="http://www.w3.org/2001/XMLSchema" xmlns:p="http://schemas.microsoft.com/office/2006/metadata/properties" xmlns:ns2="4e9d900c-a87f-412a-9b2c-8e30a5f5ac76" targetNamespace="http://schemas.microsoft.com/office/2006/metadata/properties" ma:root="true" ma:fieldsID="8f517e5e9fd9eda30ddead6ca3ddae80" ns2:_="">
+    <xsd:import namespace="4e9d900c-a87f-412a-9b2c-8e30a5f5ac76"/>
     <xsd:element name="properties">
       <xsd:complexType>
         <xsd:sequence>
           <xsd:element name="documentManagement">
             <xsd:complexType>
-              <xsd:all/>
+              <xsd:all>
+                <xsd:element ref="ns2:MediaServiceMetadata" minOccurs="0"/>
+                <xsd:element ref="ns2:MediaServiceFastMetadata" minOccurs="0"/>
+              </xsd:all>
             </xsd:complexType>
           </xsd:element>
         </xsd:sequence>
       </xsd:complexType>
+    </xsd:element>
+  </xsd:schema>
+  <xsd:schema xmlns:xsd="http://www.w3.org/2001/XMLSchema" xmlns:xs="http://www.w3.org/2001/XMLSchema" xmlns:dms="http://schemas.microsoft.com/office/2006/documentManagement/types" xmlns:pc="http://schemas.microsoft.com/office/infopath/2007/PartnerControls" targetNamespace="4e9d900c-a87f-412a-9b2c-8e30a5f5ac76" elementFormDefault="qualified">
+    <xsd:import namespace="http://schemas.microsoft.com/office/2006/documentManagement/types"/>
+    <xsd:import namespace="http://schemas.microsoft.com/office/infopath/2007/PartnerControls"/>
+    <xsd:element name="MediaServiceMetadata" ma:index="8" nillable="true" ma:displayName="MediaServiceMetadata" ma:hidden="true" ma:internalName="MediaServiceMetadata" ma:readOnly="true">
+      <xsd:simpleType>
+        <xsd:restriction base="dms:Note"/>
+      </xsd:simpleType>
+    </xsd:element>
+    <xsd:element name="MediaServiceFastMetadata" ma:index="9" nillable="true" ma:displayName="MediaServiceFastMetadata" ma:hidden="true" ma:internalName="MediaServiceFastMetadata" ma:readOnly="true">
+      <xsd:simpleType>
+        <xsd:restriction base="dms:Note"/>
+      </xsd:simpleType>
     </xsd:element>
   </xsd:schema>
   <xsd:schema xmlns="http://schemas.openxmlformats.org/package/2006/metadata/core-properties" xmlns:xsd="http://www.w3.org/2001/XMLSchema" xmlns:xsi="http://www.w3.org/2001/XMLSchema-instance" xmlns:dc="http://purl.org/dc/elements/1.1/" xmlns:dcterms="http://purl.org/dc/terms/" xmlns:odoc="http://schemas.microsoft.com/internal/obd" targetNamespace="http://schemas.openxmlformats.org/package/2006/metadata/core-properties" elementFormDefault="qualified" attributeFormDefault="unqualified" blockDefault="#all">
@@ -12142,47 +15814,59 @@
 </ct:contentTypeSchema>
 </file>
 
-<file path=customXml/item3.xml><?xml version="1.0" encoding="utf-8"?>
+<file path=customXml/item2.xml><?xml version="1.0" encoding="utf-8"?>
 <p:properties xmlns:p="http://schemas.microsoft.com/office/2006/metadata/properties" xmlns:xsi="http://www.w3.org/2001/XMLSchema-instance" xmlns:pc="http://schemas.microsoft.com/office/infopath/2007/PartnerControls">
   <documentManagement/>
 </p:properties>
 </file>
 
+<file path=customXml/item3.xml><?xml version="1.0" encoding="utf-8"?>
+<?mso-contentType ?>
+<FormTemplates xmlns="http://schemas.microsoft.com/sharepoint/v3/contenttype/forms">
+  <Display>DocumentLibraryForm</Display>
+  <Edit>DocumentLibraryForm</Edit>
+  <New>DocumentLibraryForm</New>
+</FormTemplates>
+</file>
+
 <file path=customXml/itemProps1.xml><?xml version="1.0" encoding="utf-8"?>
+<ds:datastoreItem xmlns:ds="http://schemas.openxmlformats.org/officeDocument/2006/customXml" ds:itemID="{FFBCDBD4-5368-47A9-9786-36B9092270E0}">
+  <ds:schemaRefs>
+    <ds:schemaRef ds:uri="http://schemas.microsoft.com/office/2006/metadata/contentType"/>
+    <ds:schemaRef ds:uri="http://schemas.microsoft.com/office/2006/metadata/properties/metaAttributes"/>
+    <ds:schemaRef ds:uri="http://www.w3.org/2001/XMLSchema"/>
+    <ds:schemaRef ds:uri="http://schemas.microsoft.com/office/2006/metadata/properties"/>
+    <ds:schemaRef ds:uri="4e9d900c-a87f-412a-9b2c-8e30a5f5ac76"/>
+    <ds:schemaRef ds:uri="http://schemas.microsoft.com/office/2006/documentManagement/types"/>
+    <ds:schemaRef ds:uri="http://schemas.microsoft.com/office/infopath/2007/PartnerControls"/>
+    <ds:schemaRef ds:uri="http://schemas.openxmlformats.org/package/2006/metadata/core-properties"/>
+    <ds:schemaRef ds:uri="http://purl.org/dc/elements/1.1/"/>
+    <ds:schemaRef ds:uri="http://purl.org/dc/terms/"/>
+    <ds:schemaRef ds:uri="http://schemas.microsoft.com/internal/obd"/>
+  </ds:schemaRefs>
+</ds:datastoreItem>
+</file>
+
+<file path=customXml/itemProps2.xml><?xml version="1.0" encoding="utf-8"?>
+<ds:datastoreItem xmlns:ds="http://schemas.openxmlformats.org/officeDocument/2006/customXml" ds:itemID="{5254F0AC-EF38-4280-B8FF-C060E68A677E}">
+  <ds:schemaRefs>
+    <ds:schemaRef ds:uri="http://www.w3.org/XML/1998/namespace"/>
+    <ds:schemaRef ds:uri="4e9d900c-a87f-412a-9b2c-8e30a5f5ac76"/>
+    <ds:schemaRef ds:uri="http://schemas.microsoft.com/office/2006/metadata/properties"/>
+    <ds:schemaRef ds:uri="http://schemas.microsoft.com/office/infopath/2007/PartnerControls"/>
+    <ds:schemaRef ds:uri="http://schemas.microsoft.com/office/2006/documentManagement/types"/>
+    <ds:schemaRef ds:uri="http://purl.org/dc/dcmitype/"/>
+    <ds:schemaRef ds:uri="http://purl.org/dc/terms/"/>
+    <ds:schemaRef ds:uri="http://schemas.openxmlformats.org/package/2006/metadata/core-properties"/>
+    <ds:schemaRef ds:uri="http://purl.org/dc/elements/1.1/"/>
+  </ds:schemaRefs>
+</ds:datastoreItem>
+</file>
+
+<file path=customXml/itemProps3.xml><?xml version="1.0" encoding="utf-8"?>
 <ds:datastoreItem xmlns:ds="http://schemas.openxmlformats.org/officeDocument/2006/customXml" ds:itemID="{A8B8C441-EC75-4F3D-AF68-A8E0DC14FEDF}">
   <ds:schemaRefs>
     <ds:schemaRef ds:uri="http://schemas.microsoft.com/sharepoint/v3/contenttype/forms"/>
   </ds:schemaRefs>
 </ds:datastoreItem>
-</file>
-
-<file path=customXml/itemProps2.xml><?xml version="1.0" encoding="utf-8"?>
-<ds:datastoreItem xmlns:ds="http://schemas.openxmlformats.org/officeDocument/2006/customXml" ds:itemID="{1E6B9679-7C1B-444F-B549-FA659B625B1A}">
-  <ds:schemaRefs>
-    <ds:schemaRef ds:uri="http://schemas.microsoft.com/office/2006/metadata/contentType"/>
-    <ds:schemaRef ds:uri="http://schemas.microsoft.com/office/2006/metadata/properties/metaAttributes"/>
-    <ds:schemaRef ds:uri="http://www.w3.org/2001/XMLSchema"/>
-    <ds:schemaRef ds:uri="http://schemas.microsoft.com/office/2006/metadata/properties"/>
-    <ds:schemaRef ds:uri="http://schemas.openxmlformats.org/package/2006/metadata/core-properties"/>
-    <ds:schemaRef ds:uri="http://purl.org/dc/elements/1.1/"/>
-    <ds:schemaRef ds:uri="http://purl.org/dc/terms/"/>
-    <ds:schemaRef ds:uri="http://schemas.microsoft.com/internal/obd"/>
-    <ds:schemaRef ds:uri="http://schemas.microsoft.com/office/infopath/2007/PartnerControls"/>
-  </ds:schemaRefs>
-</ds:datastoreItem>
-</file>
-
-<file path=customXml/itemProps3.xml><?xml version="1.0" encoding="utf-8"?>
-<ds:datastoreItem xmlns:ds="http://schemas.openxmlformats.org/officeDocument/2006/customXml" ds:itemID="{5254F0AC-EF38-4280-B8FF-C060E68A677E}">
-  <ds:schemaRefs>
-    <ds:schemaRef ds:uri="http://purl.org/dc/dcmitype/"/>
-    <ds:schemaRef ds:uri="http://schemas.microsoft.com/office/2006/metadata/properties"/>
-    <ds:schemaRef ds:uri="http://purl.org/dc/elements/1.1/"/>
-    <ds:schemaRef ds:uri="http://www.w3.org/XML/1998/namespace"/>
-    <ds:schemaRef ds:uri="http://purl.org/dc/terms/"/>
-    <ds:schemaRef ds:uri="http://schemas.microsoft.com/office/2006/documentManagement/types"/>
-    <ds:schemaRef ds:uri="http://schemas.microsoft.com/office/infopath/2007/PartnerControls"/>
-    <ds:schemaRef ds:uri="http://schemas.openxmlformats.org/package/2006/metadata/core-properties"/>
-  </ds:schemaRefs>
-</ds:datastoreItem>
 </file>